--- a/Local EGA Setup.pptx
+++ b/Local EGA Setup.pptx
@@ -2,59 +2,58 @@
 <file path=ppt/presentation.xml><?xml version="1.0" encoding="utf-8"?>
 <p:presentation xmlns:a="http://schemas.openxmlformats.org/drawingml/2006/main" xmlns:r="http://schemas.openxmlformats.org/officeDocument/2006/relationships" xmlns:p="http://schemas.openxmlformats.org/presentationml/2006/main" saveSubsetFonts="1" autoCompressPictures="0">
   <p:sldMasterIdLst>
-    <p:sldMasterId id="2147483660" r:id="rId1"/>
-    <p:sldMasterId id="2147483672" r:id="rId2"/>
+    <p:sldMasterId id="2147483872" r:id="rId1"/>
   </p:sldMasterIdLst>
   <p:sldIdLst>
-    <p:sldId id="265" r:id="rId3"/>
-    <p:sldId id="257" r:id="rId4"/>
-    <p:sldId id="266" r:id="rId5"/>
-    <p:sldId id="267" r:id="rId6"/>
-    <p:sldId id="268" r:id="rId7"/>
-    <p:sldId id="311" r:id="rId8"/>
-    <p:sldId id="269" r:id="rId9"/>
-    <p:sldId id="270" r:id="rId10"/>
-    <p:sldId id="272" r:id="rId11"/>
-    <p:sldId id="273" r:id="rId12"/>
-    <p:sldId id="274" r:id="rId13"/>
-    <p:sldId id="275" r:id="rId14"/>
-    <p:sldId id="276" r:id="rId15"/>
-    <p:sldId id="277" r:id="rId16"/>
-    <p:sldId id="292" r:id="rId17"/>
-    <p:sldId id="278" r:id="rId18"/>
-    <p:sldId id="293" r:id="rId19"/>
-    <p:sldId id="271" r:id="rId20"/>
-    <p:sldId id="279" r:id="rId21"/>
-    <p:sldId id="294" r:id="rId22"/>
-    <p:sldId id="280" r:id="rId23"/>
-    <p:sldId id="281" r:id="rId24"/>
-    <p:sldId id="282" r:id="rId25"/>
-    <p:sldId id="283" r:id="rId26"/>
-    <p:sldId id="284" r:id="rId27"/>
-    <p:sldId id="296" r:id="rId28"/>
-    <p:sldId id="285" r:id="rId29"/>
-    <p:sldId id="297" r:id="rId30"/>
-    <p:sldId id="286" r:id="rId31"/>
-    <p:sldId id="312" r:id="rId32"/>
-    <p:sldId id="287" r:id="rId33"/>
-    <p:sldId id="288" r:id="rId34"/>
-    <p:sldId id="298" r:id="rId35"/>
-    <p:sldId id="289" r:id="rId36"/>
-    <p:sldId id="313" r:id="rId37"/>
-    <p:sldId id="290" r:id="rId38"/>
-    <p:sldId id="299" r:id="rId39"/>
-    <p:sldId id="291" r:id="rId40"/>
-    <p:sldId id="300" r:id="rId41"/>
-    <p:sldId id="302" r:id="rId42"/>
-    <p:sldId id="301" r:id="rId43"/>
-    <p:sldId id="303" r:id="rId44"/>
-    <p:sldId id="304" r:id="rId45"/>
-    <p:sldId id="305" r:id="rId46"/>
-    <p:sldId id="306" r:id="rId47"/>
-    <p:sldId id="307" r:id="rId48"/>
-    <p:sldId id="308" r:id="rId49"/>
-    <p:sldId id="310" r:id="rId50"/>
-    <p:sldId id="309" r:id="rId51"/>
+    <p:sldId id="265" r:id="rId2"/>
+    <p:sldId id="257" r:id="rId3"/>
+    <p:sldId id="266" r:id="rId4"/>
+    <p:sldId id="267" r:id="rId5"/>
+    <p:sldId id="268" r:id="rId6"/>
+    <p:sldId id="311" r:id="rId7"/>
+    <p:sldId id="269" r:id="rId8"/>
+    <p:sldId id="270" r:id="rId9"/>
+    <p:sldId id="272" r:id="rId10"/>
+    <p:sldId id="273" r:id="rId11"/>
+    <p:sldId id="274" r:id="rId12"/>
+    <p:sldId id="275" r:id="rId13"/>
+    <p:sldId id="276" r:id="rId14"/>
+    <p:sldId id="277" r:id="rId15"/>
+    <p:sldId id="292" r:id="rId16"/>
+    <p:sldId id="278" r:id="rId17"/>
+    <p:sldId id="293" r:id="rId18"/>
+    <p:sldId id="271" r:id="rId19"/>
+    <p:sldId id="279" r:id="rId20"/>
+    <p:sldId id="294" r:id="rId21"/>
+    <p:sldId id="280" r:id="rId22"/>
+    <p:sldId id="281" r:id="rId23"/>
+    <p:sldId id="282" r:id="rId24"/>
+    <p:sldId id="283" r:id="rId25"/>
+    <p:sldId id="284" r:id="rId26"/>
+    <p:sldId id="296" r:id="rId27"/>
+    <p:sldId id="285" r:id="rId28"/>
+    <p:sldId id="297" r:id="rId29"/>
+    <p:sldId id="286" r:id="rId30"/>
+    <p:sldId id="312" r:id="rId31"/>
+    <p:sldId id="287" r:id="rId32"/>
+    <p:sldId id="288" r:id="rId33"/>
+    <p:sldId id="298" r:id="rId34"/>
+    <p:sldId id="289" r:id="rId35"/>
+    <p:sldId id="313" r:id="rId36"/>
+    <p:sldId id="290" r:id="rId37"/>
+    <p:sldId id="299" r:id="rId38"/>
+    <p:sldId id="291" r:id="rId39"/>
+    <p:sldId id="300" r:id="rId40"/>
+    <p:sldId id="302" r:id="rId41"/>
+    <p:sldId id="301" r:id="rId42"/>
+    <p:sldId id="303" r:id="rId43"/>
+    <p:sldId id="304" r:id="rId44"/>
+    <p:sldId id="305" r:id="rId45"/>
+    <p:sldId id="306" r:id="rId46"/>
+    <p:sldId id="307" r:id="rId47"/>
+    <p:sldId id="308" r:id="rId48"/>
+    <p:sldId id="310" r:id="rId49"/>
+    <p:sldId id="309" r:id="rId50"/>
   </p:sldIdLst>
   <p:sldSz cx="9144000" cy="6858000" type="screen4x3"/>
   <p:notesSz cx="6858000" cy="9144000"/>
@@ -185,7 +184,7 @@
   </p:defaultTextStyle>
   <p:extLst>
     <p:ext uri="{EFAFB233-063F-42B5-8137-9DF3F51BA10A}">
-      <p15:sldGuideLst xmlns:p15="http://schemas.microsoft.com/office/powerpoint/2012/main">
+      <p15:sldGuideLst xmlns:p15="http://schemas.microsoft.com/office/powerpoint/2012/main" xmlns="">
         <p15:guide id="1" orient="horz" pos="2160">
           <p15:clr>
             <a:srgbClr val="A4A3A4"/>
@@ -203,16 +202,8 @@
 </file>
 
 <file path=ppt/slideLayouts/slideLayout1.xml><?xml version="1.0" encoding="utf-8"?>
-<p:sldLayout xmlns:a="http://schemas.openxmlformats.org/drawingml/2006/main" xmlns:r="http://schemas.openxmlformats.org/officeDocument/2006/relationships" xmlns:p="http://schemas.openxmlformats.org/presentationml/2006/main" showMasterSp="0" preserve="1" userDrawn="1">
-  <p:cSld name="Title Slide">
-    <p:bg>
-      <p:bgPr>
-        <a:solidFill>
-          <a:srgbClr val="E6E6E6"/>
-        </a:solidFill>
-        <a:effectLst/>
-      </p:bgPr>
-    </p:bg>
+<p:sldLayout xmlns:a="http://schemas.openxmlformats.org/drawingml/2006/main" xmlns:r="http://schemas.openxmlformats.org/officeDocument/2006/relationships" xmlns:p="http://schemas.openxmlformats.org/presentationml/2006/main" preserve="1">
+  <p:cSld name="Title slide ELIXIR">
     <p:spTree>
       <p:nvGrpSpPr>
         <p:cNvPr id="1" name=""/>
@@ -229,17 +220,17 @@
       </p:grpSpPr>
       <p:pic>
         <p:nvPicPr>
-          <p:cNvPr id="5" name="Picture 5" descr="EMBL_EBI_DNA_dark2.png"/>
+          <p:cNvPr id="6" name="Picture 10" descr="elixir_helix_200_2.eps"/>
           <p:cNvPicPr>
             <a:picLocks noChangeAspect="1"/>
           </p:cNvPicPr>
-          <p:nvPr userDrawn="1"/>
+          <p:nvPr/>
         </p:nvPicPr>
         <p:blipFill>
-          <a:blip r:embed="rId2" cstate="screen">
+          <a:blip r:embed="rId2">
             <a:extLst>
               <a:ext uri="{28A0092B-C50C-407E-A947-70E740481C1C}">
-                <a14:useLocalDpi xmlns:a14="http://schemas.microsoft.com/office/drawing/2010/main"/>
+                <a14:useLocalDpi xmlns:a14="http://schemas.microsoft.com/office/drawing/2010/main" val="0"/>
               </a:ext>
             </a:extLst>
           </a:blip>
@@ -250,8 +241,8 @@
         </p:blipFill>
         <p:spPr bwMode="auto">
           <a:xfrm>
-            <a:off x="0" y="0"/>
-            <a:ext cx="9156700" cy="6880225"/>
+            <a:off x="-36513" y="-26988"/>
+            <a:ext cx="9269413" cy="6186488"/>
           </a:xfrm>
           <a:prstGeom prst="rect">
             <a:avLst/>
@@ -262,14 +253,14 @@
           </a:ln>
           <a:extLst>
             <a:ext uri="{909E8E84-426E-40dd-AFC4-6F175D3DCCD1}">
-              <a14:hiddenFill xmlns="" xmlns:a14="http://schemas.microsoft.com/office/drawing/2010/main">
+              <a14:hiddenFill xmlns:a14="http://schemas.microsoft.com/office/drawing/2010/main">
                 <a:solidFill>
                   <a:srgbClr val="FFFFFF"/>
                 </a:solidFill>
               </a14:hiddenFill>
             </a:ext>
             <a:ext uri="{91240B29-F687-4f45-9708-019B960494DF}">
-              <a14:hiddenLine xmlns="" xmlns:a14="http://schemas.microsoft.com/office/drawing/2010/main" w="9525">
+              <a14:hiddenLine xmlns:a14="http://schemas.microsoft.com/office/drawing/2010/main" w="9525">
                 <a:solidFill>
                   <a:srgbClr val="000000"/>
                 </a:solidFill>
@@ -283,17 +274,17 @@
       </p:pic>
       <p:pic>
         <p:nvPicPr>
-          <p:cNvPr id="6" name="Picture 2" descr="EMBL_EBI_RGB_InversedUpdate.png"/>
+          <p:cNvPr id="7" name="Picture 8" descr="elixir_1_RZ_mac.eps"/>
           <p:cNvPicPr>
             <a:picLocks noChangeAspect="1"/>
           </p:cNvPicPr>
-          <p:nvPr userDrawn="1"/>
+          <p:nvPr/>
         </p:nvPicPr>
         <p:blipFill>
-          <a:blip r:embed="rId3" cstate="screen">
+          <a:blip r:embed="rId3">
             <a:extLst>
               <a:ext uri="{28A0092B-C50C-407E-A947-70E740481C1C}">
-                <a14:useLocalDpi xmlns:a14="http://schemas.microsoft.com/office/drawing/2010/main"/>
+                <a14:useLocalDpi xmlns:a14="http://schemas.microsoft.com/office/drawing/2010/main" val="0"/>
               </a:ext>
             </a:extLst>
           </a:blip>
@@ -304,8 +295,8 @@
         </p:blipFill>
         <p:spPr bwMode="auto">
           <a:xfrm>
-            <a:off x="7364413" y="6310313"/>
-            <a:ext cx="1458912" cy="452437"/>
+            <a:off x="250825" y="5373688"/>
+            <a:ext cx="1820863" cy="1238250"/>
           </a:xfrm>
           <a:prstGeom prst="rect">
             <a:avLst/>
@@ -316,14 +307,14 @@
           </a:ln>
           <a:extLst>
             <a:ext uri="{909E8E84-426E-40dd-AFC4-6F175D3DCCD1}">
-              <a14:hiddenFill xmlns="" xmlns:a14="http://schemas.microsoft.com/office/drawing/2010/main">
+              <a14:hiddenFill xmlns:a14="http://schemas.microsoft.com/office/drawing/2010/main">
                 <a:solidFill>
                   <a:srgbClr val="FFFFFF"/>
                 </a:solidFill>
               </a14:hiddenFill>
             </a:ext>
             <a:ext uri="{91240B29-F687-4f45-9708-019B960494DF}">
-              <a14:hiddenLine xmlns="" xmlns:a14="http://schemas.microsoft.com/office/drawing/2010/main" w="9525">
+              <a14:hiddenLine xmlns:a14="http://schemas.microsoft.com/office/drawing/2010/main" w="9525">
                 <a:solidFill>
                   <a:srgbClr val="000000"/>
                 </a:solidFill>
@@ -337,534 +328,16 @@
       </p:pic>
       <p:sp>
         <p:nvSpPr>
-          <p:cNvPr id="3079" name="Rectangle 7"/>
-          <p:cNvSpPr>
-            <a:spLocks noGrp="1" noChangeArrowheads="1"/>
+          <p:cNvPr id="8" name="TextBox 7"/>
+          <p:cNvSpPr txBox="1">
+            <a:spLocks noChangeArrowheads="1"/>
           </p:cNvSpPr>
-          <p:nvPr>
-            <p:ph type="subTitle" idx="1"/>
-          </p:nvPr>
-        </p:nvSpPr>
-        <p:spPr>
-          <a:xfrm>
-            <a:off x="532554" y="1797029"/>
-            <a:ext cx="6400800" cy="610284"/>
-          </a:xfrm>
-        </p:spPr>
-        <p:txBody>
-          <a:bodyPr/>
-          <a:lstStyle>
-            <a:lvl1pPr marL="0" indent="0">
-              <a:buFontTx/>
-              <a:buNone/>
-              <a:defRPr sz="2600" b="0" i="0">
-                <a:solidFill>
-                  <a:srgbClr val="FFFFFF"/>
-                </a:solidFill>
-                <a:latin typeface="HelveticaNeueLT Pro 45 Lt"/>
-                <a:cs typeface="HelveticaNeueLT Pro 45 Lt"/>
-              </a:defRPr>
-            </a:lvl1pPr>
-          </a:lstStyle>
-          <a:p>
-            <a:r>
-              <a:rPr lang="en-US" smtClean="0"/>
-              <a:t>Click to edit Master subtitle style</a:t>
-            </a:r>
-            <a:endParaRPr lang="en-US" dirty="0"/>
-          </a:p>
-        </p:txBody>
-      </p:sp>
-      <p:sp>
-        <p:nvSpPr>
-          <p:cNvPr id="3074" name="Rectangle 2"/>
-          <p:cNvSpPr>
-            <a:spLocks noGrp="1" noChangeArrowheads="1"/>
-          </p:cNvSpPr>
-          <p:nvPr>
-            <p:ph type="ctrTitle"/>
-          </p:nvPr>
-        </p:nvSpPr>
-        <p:spPr>
-          <a:xfrm>
-            <a:off x="533401" y="1040419"/>
-            <a:ext cx="7772400" cy="685718"/>
-          </a:xfrm>
-          <a:effectLst>
-            <a:outerShdw blurRad="50800" dist="38100" dir="5400000" algn="t" rotWithShape="0">
-              <a:prstClr val="black">
-                <a:alpha val="40000"/>
-              </a:prstClr>
-            </a:outerShdw>
-          </a:effectLst>
-        </p:spPr>
-        <p:txBody>
-          <a:bodyPr/>
-          <a:lstStyle>
-            <a:lvl1pPr>
-              <a:defRPr sz="3500" b="0" i="0">
-                <a:solidFill>
-                  <a:srgbClr val="FFFFFF"/>
-                </a:solidFill>
-                <a:latin typeface="HelveticaNeueLT Pro 45 Lt"/>
-                <a:cs typeface="HelveticaNeueLT Pro 45 Lt"/>
-              </a:defRPr>
-            </a:lvl1pPr>
-          </a:lstStyle>
-          <a:p>
-            <a:r>
-              <a:rPr lang="en-US" smtClean="0"/>
-              <a:t>Click to edit Master title style</a:t>
-            </a:r>
-            <a:endParaRPr lang="de-DE" dirty="0"/>
-          </a:p>
-        </p:txBody>
-      </p:sp>
-      <p:sp>
-        <p:nvSpPr>
-          <p:cNvPr id="7" name="Text Placeholder 6"/>
-          <p:cNvSpPr>
-            <a:spLocks noGrp="1"/>
-          </p:cNvSpPr>
-          <p:nvPr>
-            <p:ph type="body" sz="quarter" idx="10"/>
-          </p:nvPr>
-        </p:nvSpPr>
-        <p:spPr>
-          <a:xfrm>
-            <a:off x="533400" y="3851275"/>
-            <a:ext cx="4487863" cy="614363"/>
-          </a:xfrm>
-        </p:spPr>
-        <p:txBody>
-          <a:bodyPr/>
-          <a:lstStyle>
-            <a:lvl1pPr marL="0" indent="0">
-              <a:buNone/>
-              <a:defRPr b="0" i="0">
-                <a:solidFill>
-                  <a:schemeClr val="bg1"/>
-                </a:solidFill>
-                <a:latin typeface="HelveticaNeueLT Pro 35 Th"/>
-                <a:cs typeface="HelveticaNeueLT Pro 35 Th"/>
-              </a:defRPr>
-            </a:lvl1pPr>
-          </a:lstStyle>
-          <a:p>
-            <a:pPr lvl="0"/>
-            <a:r>
-              <a:rPr lang="en-US" smtClean="0"/>
-              <a:t>Click to edit Master text styles</a:t>
-            </a:r>
-          </a:p>
-        </p:txBody>
-      </p:sp>
-    </p:spTree>
-    <p:extLst>
-      <p:ext uri="{BB962C8B-B14F-4D97-AF65-F5344CB8AC3E}">
-        <p14:creationId xmlns:p14="http://schemas.microsoft.com/office/powerpoint/2010/main" val="3906735861"/>
-      </p:ext>
-    </p:extLst>
-  </p:cSld>
-  <p:clrMapOvr>
-    <a:masterClrMapping/>
-  </p:clrMapOvr>
-  <p:transition>
-    <p:cut/>
-  </p:transition>
-</p:sldLayout>
-</file>
-
-<file path=ppt/slideLayouts/slideLayout10.xml><?xml version="1.0" encoding="utf-8"?>
-<p:sldLayout xmlns:a="http://schemas.openxmlformats.org/drawingml/2006/main" xmlns:r="http://schemas.openxmlformats.org/officeDocument/2006/relationships" xmlns:p="http://schemas.openxmlformats.org/presentationml/2006/main" type="obj" preserve="1">
-  <p:cSld name="Title and Content">
-    <p:spTree>
-      <p:nvGrpSpPr>
-        <p:cNvPr id="1" name=""/>
-        <p:cNvGrpSpPr/>
-        <p:nvPr/>
-      </p:nvGrpSpPr>
-      <p:grpSpPr>
-        <a:xfrm>
-          <a:off x="0" y="0"/>
-          <a:ext cx="0" cy="0"/>
-          <a:chOff x="0" y="0"/>
-          <a:chExt cx="0" cy="0"/>
-        </a:xfrm>
-      </p:grpSpPr>
-      <p:sp>
-        <p:nvSpPr>
-          <p:cNvPr id="2" name="Title 1"/>
-          <p:cNvSpPr>
-            <a:spLocks noGrp="1"/>
-          </p:cNvSpPr>
-          <p:nvPr>
-            <p:ph type="title"/>
-          </p:nvPr>
-        </p:nvSpPr>
-        <p:spPr/>
-        <p:txBody>
-          <a:bodyPr/>
-          <a:lstStyle/>
-          <a:p>
-            <a:r>
-              <a:rPr lang="en-US" dirty="0" smtClean="0"/>
-              <a:t>Click to edit Master title style</a:t>
-            </a:r>
-            <a:endParaRPr lang="en-GB" dirty="0"/>
-          </a:p>
-        </p:txBody>
-      </p:sp>
-      <p:sp>
-        <p:nvSpPr>
-          <p:cNvPr id="3" name="Content Placeholder 2"/>
-          <p:cNvSpPr>
-            <a:spLocks noGrp="1"/>
-          </p:cNvSpPr>
-          <p:nvPr>
-            <p:ph idx="1"/>
-          </p:nvPr>
-        </p:nvSpPr>
-        <p:spPr/>
-        <p:txBody>
-          <a:bodyPr/>
-          <a:lstStyle/>
-          <a:p>
-            <a:pPr lvl="0"/>
-            <a:r>
-              <a:rPr lang="en-US" dirty="0" smtClean="0"/>
-              <a:t>Click to edit Master text styles</a:t>
-            </a:r>
-          </a:p>
-          <a:p>
-            <a:pPr lvl="1"/>
-            <a:r>
-              <a:rPr lang="en-US" dirty="0" smtClean="0"/>
-              <a:t>Second level</a:t>
-            </a:r>
-          </a:p>
-          <a:p>
-            <a:pPr lvl="2"/>
-            <a:r>
-              <a:rPr lang="en-US" dirty="0" smtClean="0"/>
-              <a:t>Third level</a:t>
-            </a:r>
-          </a:p>
-          <a:p>
-            <a:pPr lvl="3"/>
-            <a:r>
-              <a:rPr lang="en-US" dirty="0" smtClean="0"/>
-              <a:t>Fourth level</a:t>
-            </a:r>
-          </a:p>
-          <a:p>
-            <a:pPr lvl="4"/>
-            <a:r>
-              <a:rPr lang="en-US" dirty="0" smtClean="0"/>
-              <a:t>Fifth level</a:t>
-            </a:r>
-            <a:endParaRPr lang="en-GB" dirty="0"/>
-          </a:p>
-        </p:txBody>
-      </p:sp>
-    </p:spTree>
-    <p:extLst>
-      <p:ext uri="{BB962C8B-B14F-4D97-AF65-F5344CB8AC3E}">
-        <p14:creationId xmlns:p14="http://schemas.microsoft.com/office/powerpoint/2010/main" val="2687507122"/>
-      </p:ext>
-    </p:extLst>
-  </p:cSld>
-  <p:clrMapOvr>
-    <a:masterClrMapping/>
-  </p:clrMapOvr>
-  <p:transition>
-    <p:cut/>
-  </p:transition>
-</p:sldLayout>
-</file>
-
-<file path=ppt/slideLayouts/slideLayout11.xml><?xml version="1.0" encoding="utf-8"?>
-<p:sldLayout xmlns:a="http://schemas.openxmlformats.org/drawingml/2006/main" xmlns:r="http://schemas.openxmlformats.org/officeDocument/2006/relationships" xmlns:p="http://schemas.openxmlformats.org/presentationml/2006/main" preserve="1" userDrawn="1">
-  <p:cSld name="1_Title and Content">
-    <p:spTree>
-      <p:nvGrpSpPr>
-        <p:cNvPr id="1" name=""/>
-        <p:cNvGrpSpPr/>
-        <p:nvPr/>
-      </p:nvGrpSpPr>
-      <p:grpSpPr>
-        <a:xfrm>
-          <a:off x="0" y="0"/>
-          <a:ext cx="0" cy="0"/>
-          <a:chOff x="0" y="0"/>
-          <a:chExt cx="0" cy="0"/>
-        </a:xfrm>
-      </p:grpSpPr>
-      <p:sp>
-        <p:nvSpPr>
-          <p:cNvPr id="2" name="Title 1"/>
-          <p:cNvSpPr>
-            <a:spLocks noGrp="1"/>
-          </p:cNvSpPr>
-          <p:nvPr>
-            <p:ph type="title"/>
-          </p:nvPr>
-        </p:nvSpPr>
-        <p:spPr/>
-        <p:txBody>
-          <a:bodyPr/>
-          <a:lstStyle/>
-          <a:p>
-            <a:r>
-              <a:rPr lang="en-US" dirty="0" smtClean="0"/>
-              <a:t>Click to edit Master title style</a:t>
-            </a:r>
-            <a:endParaRPr lang="en-GB" dirty="0"/>
-          </a:p>
-        </p:txBody>
-      </p:sp>
-      <p:sp>
-        <p:nvSpPr>
-          <p:cNvPr id="3" name="Content Placeholder 2"/>
-          <p:cNvSpPr>
-            <a:spLocks noGrp="1"/>
-          </p:cNvSpPr>
-          <p:nvPr>
-            <p:ph idx="1"/>
-          </p:nvPr>
-        </p:nvSpPr>
-        <p:spPr>
-          <a:xfrm>
-            <a:off x="533400" y="1219200"/>
-            <a:ext cx="3898900" cy="4351338"/>
-          </a:xfrm>
-        </p:spPr>
-        <p:txBody>
-          <a:bodyPr/>
-          <a:lstStyle>
-            <a:lvl1pPr>
-              <a:buClr>
-                <a:schemeClr val="accent1"/>
-              </a:buClr>
-              <a:defRPr/>
-            </a:lvl1pPr>
-            <a:lvl2pPr>
-              <a:buClr>
-                <a:schemeClr val="accent1"/>
-              </a:buClr>
-              <a:defRPr/>
-            </a:lvl2pPr>
-            <a:lvl3pPr>
-              <a:buClr>
-                <a:schemeClr val="accent1"/>
-              </a:buClr>
-              <a:defRPr/>
-            </a:lvl3pPr>
-            <a:lvl4pPr>
-              <a:buClr>
-                <a:schemeClr val="accent1"/>
-              </a:buClr>
-              <a:defRPr/>
-            </a:lvl4pPr>
-            <a:lvl5pPr>
-              <a:buClr>
-                <a:schemeClr val="accent1"/>
-              </a:buClr>
-              <a:defRPr/>
-            </a:lvl5pPr>
-          </a:lstStyle>
-          <a:p>
-            <a:pPr lvl="0"/>
-            <a:r>
-              <a:rPr lang="en-US" dirty="0" smtClean="0"/>
-              <a:t>Click to edit Master text styles</a:t>
-            </a:r>
-          </a:p>
-          <a:p>
-            <a:pPr lvl="1"/>
-            <a:r>
-              <a:rPr lang="en-US" dirty="0" smtClean="0"/>
-              <a:t>Second level</a:t>
-            </a:r>
-          </a:p>
-          <a:p>
-            <a:pPr lvl="2"/>
-            <a:r>
-              <a:rPr lang="en-US" dirty="0" smtClean="0"/>
-              <a:t>Third level</a:t>
-            </a:r>
-          </a:p>
-          <a:p>
-            <a:pPr lvl="3"/>
-            <a:r>
-              <a:rPr lang="en-US" dirty="0" smtClean="0"/>
-              <a:t>Fourth level</a:t>
-            </a:r>
-          </a:p>
-          <a:p>
-            <a:pPr lvl="4"/>
-            <a:r>
-              <a:rPr lang="en-US" dirty="0" smtClean="0"/>
-              <a:t>Fifth level</a:t>
-            </a:r>
-            <a:endParaRPr lang="en-GB" dirty="0"/>
-          </a:p>
-        </p:txBody>
-      </p:sp>
-      <p:sp>
-        <p:nvSpPr>
-          <p:cNvPr id="5" name="Text Placeholder 4"/>
-          <p:cNvSpPr>
-            <a:spLocks noGrp="1"/>
-          </p:cNvSpPr>
-          <p:nvPr>
-            <p:ph type="body" sz="quarter" idx="10"/>
-          </p:nvPr>
-        </p:nvSpPr>
-        <p:spPr>
-          <a:xfrm>
-            <a:off x="4686300" y="1219200"/>
-            <a:ext cx="4000500" cy="4351338"/>
-          </a:xfrm>
-        </p:spPr>
-        <p:txBody>
-          <a:bodyPr/>
-          <a:lstStyle>
-            <a:lvl1pPr>
-              <a:buClr>
-                <a:schemeClr val="accent1"/>
-              </a:buClr>
-              <a:defRPr/>
-            </a:lvl1pPr>
-            <a:lvl2pPr>
-              <a:buClr>
-                <a:schemeClr val="accent1"/>
-              </a:buClr>
-              <a:defRPr/>
-            </a:lvl2pPr>
-            <a:lvl3pPr>
-              <a:buClr>
-                <a:schemeClr val="accent1"/>
-              </a:buClr>
-              <a:defRPr/>
-            </a:lvl3pPr>
-            <a:lvl4pPr>
-              <a:buClr>
-                <a:schemeClr val="accent1"/>
-              </a:buClr>
-              <a:defRPr/>
-            </a:lvl4pPr>
-            <a:lvl5pPr>
-              <a:buClr>
-                <a:schemeClr val="accent1"/>
-              </a:buClr>
-              <a:defRPr/>
-            </a:lvl5pPr>
-          </a:lstStyle>
-          <a:p>
-            <a:pPr lvl="0"/>
-            <a:r>
-              <a:rPr lang="en-GB" dirty="0" smtClean="0"/>
-              <a:t>Click to edit Master text styles</a:t>
-            </a:r>
-          </a:p>
-          <a:p>
-            <a:pPr lvl="1"/>
-            <a:r>
-              <a:rPr lang="en-GB" dirty="0" smtClean="0"/>
-              <a:t>Second level</a:t>
-            </a:r>
-          </a:p>
-          <a:p>
-            <a:pPr lvl="2"/>
-            <a:r>
-              <a:rPr lang="en-GB" dirty="0" smtClean="0"/>
-              <a:t>Third level</a:t>
-            </a:r>
-          </a:p>
-          <a:p>
-            <a:pPr lvl="3"/>
-            <a:r>
-              <a:rPr lang="en-GB" dirty="0" smtClean="0"/>
-              <a:t>Fourth level</a:t>
-            </a:r>
-          </a:p>
-          <a:p>
-            <a:pPr lvl="4"/>
-            <a:r>
-              <a:rPr lang="en-GB" dirty="0" smtClean="0"/>
-              <a:t>Fifth level</a:t>
-            </a:r>
-            <a:endParaRPr lang="en-US" dirty="0"/>
-          </a:p>
-        </p:txBody>
-      </p:sp>
-    </p:spTree>
-    <p:extLst>
-      <p:ext uri="{BB962C8B-B14F-4D97-AF65-F5344CB8AC3E}">
-        <p14:creationId xmlns:p14="http://schemas.microsoft.com/office/powerpoint/2010/main" val="4251233556"/>
-      </p:ext>
-    </p:extLst>
-  </p:cSld>
-  <p:clrMapOvr>
-    <a:masterClrMapping/>
-  </p:clrMapOvr>
-  <p:transition>
-    <p:cut/>
-  </p:transition>
-</p:sldLayout>
-</file>
-
-<file path=ppt/slideLayouts/slideLayout2.xml><?xml version="1.0" encoding="utf-8"?>
-<p:sldLayout xmlns:a="http://schemas.openxmlformats.org/drawingml/2006/main" xmlns:r="http://schemas.openxmlformats.org/officeDocument/2006/relationships" xmlns:p="http://schemas.openxmlformats.org/presentationml/2006/main" showMasterSp="0" preserve="1" userDrawn="1">
-  <p:cSld name="1_Title Slide">
-    <p:bg>
-      <p:bgPr>
-        <a:solidFill>
-          <a:srgbClr val="E6E6E6"/>
-        </a:solidFill>
-        <a:effectLst/>
-      </p:bgPr>
-    </p:bg>
-    <p:spTree>
-      <p:nvGrpSpPr>
-        <p:cNvPr id="1" name=""/>
-        <p:cNvGrpSpPr/>
-        <p:nvPr/>
-      </p:nvGrpSpPr>
-      <p:grpSpPr>
-        <a:xfrm>
-          <a:off x="0" y="0"/>
-          <a:ext cx="0" cy="0"/>
-          <a:chOff x="0" y="0"/>
-          <a:chExt cx="0" cy="0"/>
-        </a:xfrm>
-      </p:grpSpPr>
-      <p:pic>
-        <p:nvPicPr>
-          <p:cNvPr id="5" name="Picture 5" descr="EMBL_EBI_DNA_dark2.png"/>
-          <p:cNvPicPr>
-            <a:picLocks noChangeAspect="1"/>
-          </p:cNvPicPr>
-          <p:nvPr userDrawn="1"/>
-        </p:nvPicPr>
-        <p:blipFill>
-          <a:blip r:embed="rId2" cstate="screen">
-            <a:extLst>
-              <a:ext uri="{28A0092B-C50C-407E-A947-70E740481C1C}">
-                <a14:useLocalDpi xmlns:a14="http://schemas.microsoft.com/office/drawing/2010/main"/>
-              </a:ext>
-            </a:extLst>
-          </a:blip>
-          <a:srcRect/>
-          <a:stretch>
-            <a:fillRect/>
-          </a:stretch>
-        </p:blipFill>
+          <p:nvPr/>
+        </p:nvSpPr>
         <p:spPr bwMode="auto">
           <a:xfrm>
-            <a:off x="0" y="0"/>
-            <a:ext cx="9156700" cy="6880225"/>
+            <a:off x="5580063" y="6237288"/>
+            <a:ext cx="2927350" cy="434975"/>
           </a:xfrm>
           <a:prstGeom prst="rect">
             <a:avLst/>
@@ -875,14 +348,14 @@
           </a:ln>
           <a:extLst>
             <a:ext uri="{909E8E84-426E-40dd-AFC4-6F175D3DCCD1}">
-              <a14:hiddenFill xmlns="" xmlns:a14="http://schemas.microsoft.com/office/drawing/2010/main">
+              <a14:hiddenFill xmlns:a14="http://schemas.microsoft.com/office/drawing/2010/main">
                 <a:solidFill>
                   <a:srgbClr val="FFFFFF"/>
                 </a:solidFill>
               </a14:hiddenFill>
             </a:ext>
             <a:ext uri="{91240B29-F687-4f45-9708-019B960494DF}">
-              <a14:hiddenLine xmlns="" xmlns:a14="http://schemas.microsoft.com/office/drawing/2010/main" w="9525">
+              <a14:hiddenLine xmlns:a14="http://schemas.microsoft.com/office/drawing/2010/main" w="9525">
                 <a:solidFill>
                   <a:srgbClr val="000000"/>
                 </a:solidFill>
@@ -893,66 +366,194 @@
             </a:ext>
           </a:extLst>
         </p:spPr>
-      </p:pic>
-      <p:pic>
-        <p:nvPicPr>
-          <p:cNvPr id="6" name="Picture 2" descr="EMBL_EBI_RGB_InversedUpdate.png"/>
-          <p:cNvPicPr>
-            <a:picLocks noChangeAspect="1"/>
-          </p:cNvPicPr>
-          <p:nvPr userDrawn="1"/>
-        </p:nvPicPr>
-        <p:blipFill>
-          <a:blip r:embed="rId3" cstate="screen">
-            <a:extLst>
-              <a:ext uri="{28A0092B-C50C-407E-A947-70E740481C1C}">
-                <a14:useLocalDpi xmlns:a14="http://schemas.microsoft.com/office/drawing/2010/main"/>
-              </a:ext>
-            </a:extLst>
-          </a:blip>
-          <a:srcRect/>
-          <a:stretch>
-            <a:fillRect/>
-          </a:stretch>
-        </p:blipFill>
-        <p:spPr bwMode="auto">
+        <p:txBody>
+          <a:bodyPr lIns="65306" tIns="32653" rIns="65306" bIns="32653">
+            <a:spAutoFit/>
+          </a:bodyPr>
+          <a:lstStyle>
+            <a:lvl1pPr defTabSz="455613">
+              <a:defRPr sz="2400">
+                <a:solidFill>
+                  <a:schemeClr val="tx1"/>
+                </a:solidFill>
+                <a:latin typeface="Arial" pitchFamily="34" charset="0"/>
+                <a:ea typeface="ＭＳ Ｐゴシック" pitchFamily="34" charset="-128"/>
+              </a:defRPr>
+            </a:lvl1pPr>
+            <a:lvl2pPr marL="742950" indent="-285750" defTabSz="455613">
+              <a:defRPr sz="2400">
+                <a:solidFill>
+                  <a:schemeClr val="tx1"/>
+                </a:solidFill>
+                <a:latin typeface="Arial" pitchFamily="34" charset="0"/>
+                <a:ea typeface="ＭＳ Ｐゴシック" pitchFamily="34" charset="-128"/>
+              </a:defRPr>
+            </a:lvl2pPr>
+            <a:lvl3pPr marL="1143000" indent="-228600" defTabSz="455613">
+              <a:defRPr sz="2400">
+                <a:solidFill>
+                  <a:schemeClr val="tx1"/>
+                </a:solidFill>
+                <a:latin typeface="Arial" pitchFamily="34" charset="0"/>
+                <a:ea typeface="ＭＳ Ｐゴシック" pitchFamily="34" charset="-128"/>
+              </a:defRPr>
+            </a:lvl3pPr>
+            <a:lvl4pPr marL="1600200" indent="-228600" defTabSz="455613">
+              <a:defRPr sz="2400">
+                <a:solidFill>
+                  <a:schemeClr val="tx1"/>
+                </a:solidFill>
+                <a:latin typeface="Arial" pitchFamily="34" charset="0"/>
+                <a:ea typeface="ＭＳ Ｐゴシック" pitchFamily="34" charset="-128"/>
+              </a:defRPr>
+            </a:lvl4pPr>
+            <a:lvl5pPr marL="2057400" indent="-228600" defTabSz="455613">
+              <a:defRPr sz="2400">
+                <a:solidFill>
+                  <a:schemeClr val="tx1"/>
+                </a:solidFill>
+                <a:latin typeface="Arial" pitchFamily="34" charset="0"/>
+                <a:ea typeface="ＭＳ Ｐゴシック" pitchFamily="34" charset="-128"/>
+              </a:defRPr>
+            </a:lvl5pPr>
+            <a:lvl6pPr marL="2514600" indent="-228600" defTabSz="455613" eaLnBrk="0" fontAlgn="base" hangingPunct="0">
+              <a:spcBef>
+                <a:spcPct val="0"/>
+              </a:spcBef>
+              <a:spcAft>
+                <a:spcPct val="0"/>
+              </a:spcAft>
+              <a:defRPr sz="2400">
+                <a:solidFill>
+                  <a:schemeClr val="tx1"/>
+                </a:solidFill>
+                <a:latin typeface="Arial" pitchFamily="34" charset="0"/>
+                <a:ea typeface="ＭＳ Ｐゴシック" pitchFamily="34" charset="-128"/>
+              </a:defRPr>
+            </a:lvl6pPr>
+            <a:lvl7pPr marL="2971800" indent="-228600" defTabSz="455613" eaLnBrk="0" fontAlgn="base" hangingPunct="0">
+              <a:spcBef>
+                <a:spcPct val="0"/>
+              </a:spcBef>
+              <a:spcAft>
+                <a:spcPct val="0"/>
+              </a:spcAft>
+              <a:defRPr sz="2400">
+                <a:solidFill>
+                  <a:schemeClr val="tx1"/>
+                </a:solidFill>
+                <a:latin typeface="Arial" pitchFamily="34" charset="0"/>
+                <a:ea typeface="ＭＳ Ｐゴシック" pitchFamily="34" charset="-128"/>
+              </a:defRPr>
+            </a:lvl7pPr>
+            <a:lvl8pPr marL="3429000" indent="-228600" defTabSz="455613" eaLnBrk="0" fontAlgn="base" hangingPunct="0">
+              <a:spcBef>
+                <a:spcPct val="0"/>
+              </a:spcBef>
+              <a:spcAft>
+                <a:spcPct val="0"/>
+              </a:spcAft>
+              <a:defRPr sz="2400">
+                <a:solidFill>
+                  <a:schemeClr val="tx1"/>
+                </a:solidFill>
+                <a:latin typeface="Arial" pitchFamily="34" charset="0"/>
+                <a:ea typeface="ＭＳ Ｐゴシック" pitchFamily="34" charset="-128"/>
+              </a:defRPr>
+            </a:lvl8pPr>
+            <a:lvl9pPr marL="3886200" indent="-228600" defTabSz="455613" eaLnBrk="0" fontAlgn="base" hangingPunct="0">
+              <a:spcBef>
+                <a:spcPct val="0"/>
+              </a:spcBef>
+              <a:spcAft>
+                <a:spcPct val="0"/>
+              </a:spcAft>
+              <a:defRPr sz="2400">
+                <a:solidFill>
+                  <a:schemeClr val="tx1"/>
+                </a:solidFill>
+                <a:latin typeface="Arial" pitchFamily="34" charset="0"/>
+                <a:ea typeface="ＭＳ Ｐゴシック" pitchFamily="34" charset="-128"/>
+              </a:defRPr>
+            </a:lvl9pPr>
+          </a:lstStyle>
+          <a:p>
+            <a:pPr algn="r" fontAlgn="auto">
+              <a:spcBef>
+                <a:spcPts val="0"/>
+              </a:spcBef>
+              <a:spcAft>
+                <a:spcPts val="0"/>
+              </a:spcAft>
+              <a:defRPr/>
+            </a:pPr>
+            <a:r>
+              <a:rPr lang="en-US" i="1" dirty="0" err="1" smtClean="0">
+                <a:solidFill>
+                  <a:srgbClr val="003F41"/>
+                </a:solidFill>
+                <a:latin typeface="Corbel" pitchFamily="34" charset="0"/>
+                <a:ea typeface="Geneva" charset="-128"/>
+                <a:cs typeface="+mn-cs"/>
+              </a:rPr>
+              <a:t>www.elixir-europe.org</a:t>
+            </a:r>
+            <a:endParaRPr lang="en-US" i="1" dirty="0" smtClean="0">
+              <a:solidFill>
+                <a:srgbClr val="003F41"/>
+              </a:solidFill>
+              <a:latin typeface="Corbel" pitchFamily="34" charset="0"/>
+              <a:ea typeface="Geneva" charset="-128"/>
+              <a:cs typeface="+mn-cs"/>
+            </a:endParaRPr>
+          </a:p>
+        </p:txBody>
+      </p:sp>
+      <p:sp>
+        <p:nvSpPr>
+          <p:cNvPr id="9" name="Title 1"/>
+          <p:cNvSpPr>
+            <a:spLocks noGrp="1"/>
+          </p:cNvSpPr>
+          <p:nvPr>
+            <p:ph type="ctrTitle"/>
+          </p:nvPr>
+        </p:nvSpPr>
+        <p:spPr>
           <a:xfrm>
-            <a:off x="7364413" y="6310313"/>
-            <a:ext cx="1458912" cy="452437"/>
-          </a:xfrm>
-          <a:prstGeom prst="rect">
-            <a:avLst/>
-          </a:prstGeom>
-          <a:noFill/>
-          <a:ln>
-            <a:noFill/>
-          </a:ln>
-          <a:extLst>
-            <a:ext uri="{909E8E84-426E-40dd-AFC4-6F175D3DCCD1}">
-              <a14:hiddenFill xmlns="" xmlns:a14="http://schemas.microsoft.com/office/drawing/2010/main">
+            <a:off x="683568" y="3356993"/>
+            <a:ext cx="7772400" cy="864096"/>
+          </a:xfrm>
+        </p:spPr>
+        <p:txBody>
+          <a:bodyPr>
+            <a:normAutofit/>
+          </a:bodyPr>
+          <a:lstStyle>
+            <a:lvl1pPr algn="r">
+              <a:defRPr sz="5000" b="1">
                 <a:solidFill>
-                  <a:srgbClr val="FFFFFF"/>
+                  <a:srgbClr val="003F41"/>
                 </a:solidFill>
-              </a14:hiddenFill>
-            </a:ext>
-            <a:ext uri="{91240B29-F687-4f45-9708-019B960494DF}">
-              <a14:hiddenLine xmlns="" xmlns:a14="http://schemas.microsoft.com/office/drawing/2010/main" w="9525">
-                <a:solidFill>
-                  <a:srgbClr val="000000"/>
-                </a:solidFill>
-                <a:miter lim="800000"/>
-                <a:headEnd/>
-                <a:tailEnd/>
-              </a14:hiddenLine>
-            </a:ext>
-          </a:extLst>
-        </p:spPr>
-      </p:pic>
-      <p:sp>
-        <p:nvSpPr>
-          <p:cNvPr id="3079" name="Rectangle 7"/>
+                <a:latin typeface="Corbel"/>
+                <a:cs typeface="Corbel"/>
+              </a:defRPr>
+            </a:lvl1pPr>
+          </a:lstStyle>
+          <a:p>
+            <a:r>
+              <a:rPr lang="x-none" smtClean="0"/>
+              <a:t>Click to edit Master title style</a:t>
+            </a:r>
+            <a:endParaRPr lang="en-US" dirty="0"/>
+          </a:p>
+        </p:txBody>
+      </p:sp>
+      <p:sp>
+        <p:nvSpPr>
+          <p:cNvPr id="10" name="Subtitle 2"/>
           <p:cNvSpPr>
-            <a:spLocks noGrp="1" noChangeArrowheads="1"/>
+            <a:spLocks noGrp="1"/>
           </p:cNvSpPr>
           <p:nvPr>
             <p:ph type="subTitle" idx="1"/>
@@ -960,113 +561,180 @@
         </p:nvSpPr>
         <p:spPr>
           <a:xfrm>
-            <a:off x="532554" y="1797029"/>
-            <a:ext cx="6400800" cy="610284"/>
-          </a:xfrm>
-        </p:spPr>
-        <p:txBody>
-          <a:bodyPr/>
+            <a:off x="2627784" y="4293096"/>
+            <a:ext cx="5816600" cy="899583"/>
+          </a:xfrm>
+        </p:spPr>
+        <p:txBody>
+          <a:bodyPr>
+            <a:normAutofit/>
+          </a:bodyPr>
           <a:lstStyle>
-            <a:lvl1pPr marL="0" indent="0">
-              <a:buFontTx/>
+            <a:lvl1pPr marL="0" indent="0" algn="r">
               <a:buNone/>
-              <a:defRPr sz="2600" b="0" i="0">
+              <a:defRPr lang="en-US" sz="2800" i="1"/>
+            </a:lvl1pPr>
+            <a:lvl2pPr marL="457145" indent="0" algn="ctr">
+              <a:buNone/>
+              <a:defRPr>
                 <a:solidFill>
-                  <a:srgbClr val="FFFFFF"/>
+                  <a:schemeClr val="tx1">
+                    <a:tint val="75000"/>
+                  </a:schemeClr>
                 </a:solidFill>
-                <a:latin typeface="HelveticaNeueLT Pro 45 Lt"/>
-                <a:cs typeface="HelveticaNeueLT Pro 45 Lt"/>
               </a:defRPr>
-            </a:lvl1pPr>
+            </a:lvl2pPr>
+            <a:lvl3pPr marL="914290" indent="0" algn="ctr">
+              <a:buNone/>
+              <a:defRPr>
+                <a:solidFill>
+                  <a:schemeClr val="tx1">
+                    <a:tint val="75000"/>
+                  </a:schemeClr>
+                </a:solidFill>
+              </a:defRPr>
+            </a:lvl3pPr>
+            <a:lvl4pPr marL="1371435" indent="0" algn="ctr">
+              <a:buNone/>
+              <a:defRPr>
+                <a:solidFill>
+                  <a:schemeClr val="tx1">
+                    <a:tint val="75000"/>
+                  </a:schemeClr>
+                </a:solidFill>
+              </a:defRPr>
+            </a:lvl4pPr>
+            <a:lvl5pPr marL="1828581" indent="0" algn="ctr">
+              <a:buNone/>
+              <a:defRPr>
+                <a:solidFill>
+                  <a:schemeClr val="tx1">
+                    <a:tint val="75000"/>
+                  </a:schemeClr>
+                </a:solidFill>
+              </a:defRPr>
+            </a:lvl5pPr>
+            <a:lvl6pPr marL="2285726" indent="0" algn="ctr">
+              <a:buNone/>
+              <a:defRPr>
+                <a:solidFill>
+                  <a:schemeClr val="tx1">
+                    <a:tint val="75000"/>
+                  </a:schemeClr>
+                </a:solidFill>
+              </a:defRPr>
+            </a:lvl6pPr>
+            <a:lvl7pPr marL="2742871" indent="0" algn="ctr">
+              <a:buNone/>
+              <a:defRPr>
+                <a:solidFill>
+                  <a:schemeClr val="tx1">
+                    <a:tint val="75000"/>
+                  </a:schemeClr>
+                </a:solidFill>
+              </a:defRPr>
+            </a:lvl7pPr>
+            <a:lvl8pPr marL="3200016" indent="0" algn="ctr">
+              <a:buNone/>
+              <a:defRPr>
+                <a:solidFill>
+                  <a:schemeClr val="tx1">
+                    <a:tint val="75000"/>
+                  </a:schemeClr>
+                </a:solidFill>
+              </a:defRPr>
+            </a:lvl8pPr>
+            <a:lvl9pPr marL="3657161" indent="0" algn="ctr">
+              <a:buNone/>
+              <a:defRPr>
+                <a:solidFill>
+                  <a:schemeClr val="tx1">
+                    <a:tint val="75000"/>
+                  </a:schemeClr>
+                </a:solidFill>
+              </a:defRPr>
+            </a:lvl9pPr>
           </a:lstStyle>
           <a:p>
             <a:r>
-              <a:rPr lang="en-US" smtClean="0"/>
+              <a:rPr lang="x-none" smtClean="0"/>
               <a:t>Click to edit Master subtitle style</a:t>
             </a:r>
-            <a:endParaRPr lang="en-US" dirty="0"/>
-          </a:p>
-        </p:txBody>
-      </p:sp>
-      <p:sp>
-        <p:nvSpPr>
-          <p:cNvPr id="3074" name="Rectangle 2"/>
-          <p:cNvSpPr>
-            <a:spLocks noGrp="1" noChangeArrowheads="1"/>
-          </p:cNvSpPr>
-          <p:nvPr>
-            <p:ph type="ctrTitle"/>
-          </p:nvPr>
-        </p:nvSpPr>
-        <p:spPr>
-          <a:xfrm>
-            <a:off x="533401" y="1040419"/>
-            <a:ext cx="7772400" cy="685718"/>
-          </a:xfrm>
-          <a:effectLst>
-            <a:outerShdw blurRad="50800" dist="38100" dir="5400000" algn="t" rotWithShape="0">
-              <a:prstClr val="black">
-                <a:alpha val="40000"/>
-              </a:prstClr>
-            </a:outerShdw>
-          </a:effectLst>
-        </p:spPr>
-        <p:txBody>
-          <a:bodyPr/>
-          <a:lstStyle>
-            <a:lvl1pPr>
-              <a:defRPr sz="3500" b="0" i="0">
-                <a:solidFill>
-                  <a:srgbClr val="FFFFFF"/>
-                </a:solidFill>
-                <a:latin typeface="HelveticaNeueLT Pro 45 Lt"/>
-                <a:cs typeface="HelveticaNeueLT Pro 45 Lt"/>
-              </a:defRPr>
-            </a:lvl1pPr>
-          </a:lstStyle>
-          <a:p>
-            <a:r>
-              <a:rPr lang="en-US" smtClean="0"/>
-              <a:t>Click to edit Master title style</a:t>
-            </a:r>
-            <a:endParaRPr lang="de-DE" dirty="0"/>
-          </a:p>
-        </p:txBody>
-      </p:sp>
-      <p:sp>
-        <p:nvSpPr>
-          <p:cNvPr id="7" name="Text Placeholder 6"/>
+            <a:endParaRPr lang="en-US" dirty="0" smtClean="0"/>
+          </a:p>
+        </p:txBody>
+      </p:sp>
+      <p:sp>
+        <p:nvSpPr>
+          <p:cNvPr id="13" name="Text Placeholder 11"/>
           <p:cNvSpPr>
             <a:spLocks noGrp="1"/>
           </p:cNvSpPr>
           <p:nvPr>
-            <p:ph type="body" sz="quarter" idx="10"/>
+            <p:ph type="body" sz="quarter" idx="11"/>
           </p:nvPr>
         </p:nvSpPr>
         <p:spPr>
           <a:xfrm>
-            <a:off x="533400" y="3851275"/>
-            <a:ext cx="4487863" cy="614363"/>
+            <a:off x="5076056" y="5229201"/>
+            <a:ext cx="3384550" cy="360040"/>
           </a:xfrm>
         </p:spPr>
         <p:txBody>
           <a:bodyPr/>
           <a:lstStyle>
-            <a:lvl1pPr marL="0" indent="0">
+            <a:lvl1pPr marL="0" indent="0" algn="r">
+              <a:buFontTx/>
               <a:buNone/>
-              <a:defRPr b="0" i="0">
+              <a:defRPr sz="1800">
                 <a:solidFill>
-                  <a:schemeClr val="bg1"/>
+                  <a:schemeClr val="tx2"/>
                 </a:solidFill>
-                <a:latin typeface="HelveticaNeueLT Pro 35 Th"/>
-                <a:cs typeface="HelveticaNeueLT Pro 35 Th"/>
               </a:defRPr>
             </a:lvl1pPr>
           </a:lstStyle>
           <a:p>
             <a:pPr lvl="0"/>
             <a:r>
-              <a:rPr lang="en-US" smtClean="0"/>
+              <a:rPr lang="x-none" smtClean="0"/>
+              <a:t>Click to edit Master text styles</a:t>
+            </a:r>
+          </a:p>
+        </p:txBody>
+      </p:sp>
+      <p:sp>
+        <p:nvSpPr>
+          <p:cNvPr id="15" name="Text Placeholder 11"/>
+          <p:cNvSpPr>
+            <a:spLocks noGrp="1"/>
+          </p:cNvSpPr>
+          <p:nvPr>
+            <p:ph type="body" sz="quarter" idx="12"/>
+          </p:nvPr>
+        </p:nvSpPr>
+        <p:spPr>
+          <a:xfrm>
+            <a:off x="4427984" y="5661248"/>
+            <a:ext cx="4032448" cy="360040"/>
+          </a:xfrm>
+        </p:spPr>
+        <p:txBody>
+          <a:bodyPr/>
+          <a:lstStyle>
+            <a:lvl1pPr marL="0" indent="0" algn="r">
+              <a:buFontTx/>
+              <a:buNone/>
+              <a:defRPr sz="1800" baseline="0">
+                <a:solidFill>
+                  <a:schemeClr val="tx2"/>
+                </a:solidFill>
+              </a:defRPr>
+            </a:lvl1pPr>
+          </a:lstStyle>
+          <a:p>
+            <a:pPr lvl="0"/>
+            <a:r>
+              <a:rPr lang="x-none" smtClean="0"/>
               <a:t>Click to edit Master text styles</a:t>
             </a:r>
           </a:p>
@@ -1075,567 +743,19 @@
     </p:spTree>
     <p:extLst>
       <p:ext uri="{BB962C8B-B14F-4D97-AF65-F5344CB8AC3E}">
-        <p14:creationId xmlns:p14="http://schemas.microsoft.com/office/powerpoint/2010/main" val="2681298275"/>
+        <p14:creationId xmlns:p14="http://schemas.microsoft.com/office/powerpoint/2010/main" val="115685974"/>
       </p:ext>
     </p:extLst>
   </p:cSld>
   <p:clrMapOvr>
     <a:masterClrMapping/>
   </p:clrMapOvr>
-  <p:transition>
-    <p:cut/>
-  </p:transition>
+  <p:hf hdr="0" ftr="0"/>
 </p:sldLayout>
 </file>
 
-<file path=ppt/slideLayouts/slideLayout3.xml><?xml version="1.0" encoding="utf-8"?>
-<p:sldLayout xmlns:a="http://schemas.openxmlformats.org/drawingml/2006/main" xmlns:r="http://schemas.openxmlformats.org/officeDocument/2006/relationships" xmlns:p="http://schemas.openxmlformats.org/presentationml/2006/main" showMasterSp="0" preserve="1" userDrawn="1">
-  <p:cSld name="6_Title Slide">
-    <p:bg>
-      <p:bgPr>
-        <a:solidFill>
-          <a:srgbClr val="E6E6E6"/>
-        </a:solidFill>
-        <a:effectLst/>
-      </p:bgPr>
-    </p:bg>
-    <p:spTree>
-      <p:nvGrpSpPr>
-        <p:cNvPr id="1" name=""/>
-        <p:cNvGrpSpPr/>
-        <p:nvPr/>
-      </p:nvGrpSpPr>
-      <p:grpSpPr>
-        <a:xfrm>
-          <a:off x="0" y="0"/>
-          <a:ext cx="0" cy="0"/>
-          <a:chOff x="0" y="0"/>
-          <a:chExt cx="0" cy="0"/>
-        </a:xfrm>
-      </p:grpSpPr>
-      <p:pic>
-        <p:nvPicPr>
-          <p:cNvPr id="5" name="Picture 5" descr="powerpont-slide-title_cell_dark4.png"/>
-          <p:cNvPicPr>
-            <a:picLocks noChangeAspect="1"/>
-          </p:cNvPicPr>
-          <p:nvPr userDrawn="1"/>
-        </p:nvPicPr>
-        <p:blipFill>
-          <a:blip r:embed="rId2" cstate="screen">
-            <a:extLst>
-              <a:ext uri="{28A0092B-C50C-407E-A947-70E740481C1C}">
-                <a14:useLocalDpi xmlns:a14="http://schemas.microsoft.com/office/drawing/2010/main"/>
-              </a:ext>
-            </a:extLst>
-          </a:blip>
-          <a:srcRect/>
-          <a:stretch>
-            <a:fillRect/>
-          </a:stretch>
-        </p:blipFill>
-        <p:spPr bwMode="auto">
-          <a:xfrm>
-            <a:off x="0" y="0"/>
-            <a:ext cx="9161463" cy="6870700"/>
-          </a:xfrm>
-          <a:prstGeom prst="rect">
-            <a:avLst/>
-          </a:prstGeom>
-          <a:noFill/>
-          <a:ln>
-            <a:noFill/>
-          </a:ln>
-          <a:extLst>
-            <a:ext uri="{909E8E84-426E-40dd-AFC4-6F175D3DCCD1}">
-              <a14:hiddenFill xmlns="" xmlns:a14="http://schemas.microsoft.com/office/drawing/2010/main">
-                <a:solidFill>
-                  <a:srgbClr val="FFFFFF"/>
-                </a:solidFill>
-              </a14:hiddenFill>
-            </a:ext>
-            <a:ext uri="{91240B29-F687-4f45-9708-019B960494DF}">
-              <a14:hiddenLine xmlns="" xmlns:a14="http://schemas.microsoft.com/office/drawing/2010/main" w="9525">
-                <a:solidFill>
-                  <a:srgbClr val="000000"/>
-                </a:solidFill>
-                <a:miter lim="800000"/>
-                <a:headEnd/>
-                <a:tailEnd/>
-              </a14:hiddenLine>
-            </a:ext>
-          </a:extLst>
-        </p:spPr>
-      </p:pic>
-      <p:pic>
-        <p:nvPicPr>
-          <p:cNvPr id="6" name="Picture 2" descr="EMBL_EBI_RGB_InversedUpdate.png"/>
-          <p:cNvPicPr>
-            <a:picLocks noChangeAspect="1"/>
-          </p:cNvPicPr>
-          <p:nvPr userDrawn="1"/>
-        </p:nvPicPr>
-        <p:blipFill>
-          <a:blip r:embed="rId3" cstate="screen">
-            <a:extLst>
-              <a:ext uri="{28A0092B-C50C-407E-A947-70E740481C1C}">
-                <a14:useLocalDpi xmlns:a14="http://schemas.microsoft.com/office/drawing/2010/main"/>
-              </a:ext>
-            </a:extLst>
-          </a:blip>
-          <a:srcRect/>
-          <a:stretch>
-            <a:fillRect/>
-          </a:stretch>
-        </p:blipFill>
-        <p:spPr bwMode="auto">
-          <a:xfrm>
-            <a:off x="7364413" y="6310313"/>
-            <a:ext cx="1458912" cy="452437"/>
-          </a:xfrm>
-          <a:prstGeom prst="rect">
-            <a:avLst/>
-          </a:prstGeom>
-          <a:noFill/>
-          <a:ln>
-            <a:noFill/>
-          </a:ln>
-          <a:extLst>
-            <a:ext uri="{909E8E84-426E-40dd-AFC4-6F175D3DCCD1}">
-              <a14:hiddenFill xmlns="" xmlns:a14="http://schemas.microsoft.com/office/drawing/2010/main">
-                <a:solidFill>
-                  <a:srgbClr val="FFFFFF"/>
-                </a:solidFill>
-              </a14:hiddenFill>
-            </a:ext>
-            <a:ext uri="{91240B29-F687-4f45-9708-019B960494DF}">
-              <a14:hiddenLine xmlns="" xmlns:a14="http://schemas.microsoft.com/office/drawing/2010/main" w="9525">
-                <a:solidFill>
-                  <a:srgbClr val="000000"/>
-                </a:solidFill>
-                <a:miter lim="800000"/>
-                <a:headEnd/>
-                <a:tailEnd/>
-              </a14:hiddenLine>
-            </a:ext>
-          </a:extLst>
-        </p:spPr>
-      </p:pic>
-      <p:sp>
-        <p:nvSpPr>
-          <p:cNvPr id="3079" name="Rectangle 7"/>
-          <p:cNvSpPr>
-            <a:spLocks noGrp="1" noChangeArrowheads="1"/>
-          </p:cNvSpPr>
-          <p:nvPr>
-            <p:ph type="subTitle" idx="1"/>
-          </p:nvPr>
-        </p:nvSpPr>
-        <p:spPr>
-          <a:xfrm>
-            <a:off x="532554" y="1797029"/>
-            <a:ext cx="6400800" cy="610284"/>
-          </a:xfrm>
-        </p:spPr>
-        <p:txBody>
-          <a:bodyPr/>
-          <a:lstStyle>
-            <a:lvl1pPr marL="0" indent="0">
-              <a:buFontTx/>
-              <a:buNone/>
-              <a:defRPr sz="2600" b="0" i="0">
-                <a:solidFill>
-                  <a:srgbClr val="FFFFFF"/>
-                </a:solidFill>
-                <a:latin typeface="HelveticaNeueLT Pro 45 Lt"/>
-                <a:cs typeface="HelveticaNeueLT Pro 45 Lt"/>
-              </a:defRPr>
-            </a:lvl1pPr>
-          </a:lstStyle>
-          <a:p>
-            <a:r>
-              <a:rPr lang="en-US" smtClean="0"/>
-              <a:t>Click to edit Master subtitle style</a:t>
-            </a:r>
-            <a:endParaRPr lang="en-US" dirty="0"/>
-          </a:p>
-        </p:txBody>
-      </p:sp>
-      <p:sp>
-        <p:nvSpPr>
-          <p:cNvPr id="3074" name="Rectangle 2"/>
-          <p:cNvSpPr>
-            <a:spLocks noGrp="1" noChangeArrowheads="1"/>
-          </p:cNvSpPr>
-          <p:nvPr>
-            <p:ph type="ctrTitle"/>
-          </p:nvPr>
-        </p:nvSpPr>
-        <p:spPr>
-          <a:xfrm>
-            <a:off x="533401" y="1040419"/>
-            <a:ext cx="7772400" cy="685718"/>
-          </a:xfrm>
-          <a:effectLst>
-            <a:outerShdw blurRad="50800" dist="38100" dir="5400000" algn="t" rotWithShape="0">
-              <a:prstClr val="black">
-                <a:alpha val="40000"/>
-              </a:prstClr>
-            </a:outerShdw>
-          </a:effectLst>
-        </p:spPr>
-        <p:txBody>
-          <a:bodyPr/>
-          <a:lstStyle>
-            <a:lvl1pPr>
-              <a:defRPr sz="3500" b="0" i="0">
-                <a:solidFill>
-                  <a:srgbClr val="FFFFFF"/>
-                </a:solidFill>
-                <a:latin typeface="HelveticaNeueLT Pro 45 Lt"/>
-                <a:cs typeface="HelveticaNeueLT Pro 45 Lt"/>
-              </a:defRPr>
-            </a:lvl1pPr>
-          </a:lstStyle>
-          <a:p>
-            <a:r>
-              <a:rPr lang="en-US" smtClean="0"/>
-              <a:t>Click to edit Master title style</a:t>
-            </a:r>
-            <a:endParaRPr lang="de-DE" dirty="0"/>
-          </a:p>
-        </p:txBody>
-      </p:sp>
-      <p:sp>
-        <p:nvSpPr>
-          <p:cNvPr id="7" name="Text Placeholder 6"/>
-          <p:cNvSpPr>
-            <a:spLocks noGrp="1"/>
-          </p:cNvSpPr>
-          <p:nvPr>
-            <p:ph type="body" sz="quarter" idx="10"/>
-          </p:nvPr>
-        </p:nvSpPr>
-        <p:spPr>
-          <a:xfrm>
-            <a:off x="533400" y="3851275"/>
-            <a:ext cx="4487863" cy="614363"/>
-          </a:xfrm>
-        </p:spPr>
-        <p:txBody>
-          <a:bodyPr/>
-          <a:lstStyle>
-            <a:lvl1pPr marL="0" indent="0">
-              <a:buNone/>
-              <a:defRPr b="0" i="0">
-                <a:solidFill>
-                  <a:schemeClr val="bg1"/>
-                </a:solidFill>
-                <a:latin typeface="HelveticaNeueLT Pro 35 Th"/>
-                <a:cs typeface="HelveticaNeueLT Pro 35 Th"/>
-              </a:defRPr>
-            </a:lvl1pPr>
-          </a:lstStyle>
-          <a:p>
-            <a:pPr lvl="0"/>
-            <a:r>
-              <a:rPr lang="en-US" smtClean="0"/>
-              <a:t>Click to edit Master text styles</a:t>
-            </a:r>
-          </a:p>
-        </p:txBody>
-      </p:sp>
-    </p:spTree>
-    <p:extLst>
-      <p:ext uri="{BB962C8B-B14F-4D97-AF65-F5344CB8AC3E}">
-        <p14:creationId xmlns:p14="http://schemas.microsoft.com/office/powerpoint/2010/main" val="3765261996"/>
-      </p:ext>
-    </p:extLst>
-  </p:cSld>
-  <p:clrMapOvr>
-    <a:masterClrMapping/>
-  </p:clrMapOvr>
-  <p:transition>
-    <p:cut/>
-  </p:transition>
-</p:sldLayout>
-</file>
-
-<file path=ppt/slideLayouts/slideLayout4.xml><?xml version="1.0" encoding="utf-8"?>
-<p:sldLayout xmlns:a="http://schemas.openxmlformats.org/drawingml/2006/main" xmlns:r="http://schemas.openxmlformats.org/officeDocument/2006/relationships" xmlns:p="http://schemas.openxmlformats.org/presentationml/2006/main" showMasterSp="0" preserve="1" userDrawn="1">
-  <p:cSld name="7_Title Slide">
-    <p:bg>
-      <p:bgPr>
-        <a:solidFill>
-          <a:srgbClr val="E6E6E6"/>
-        </a:solidFill>
-        <a:effectLst/>
-      </p:bgPr>
-    </p:bg>
-    <p:spTree>
-      <p:nvGrpSpPr>
-        <p:cNvPr id="1" name=""/>
-        <p:cNvGrpSpPr/>
-        <p:nvPr/>
-      </p:nvGrpSpPr>
-      <p:grpSpPr>
-        <a:xfrm>
-          <a:off x="0" y="0"/>
-          <a:ext cx="0" cy="0"/>
-          <a:chOff x="0" y="0"/>
-          <a:chExt cx="0" cy="0"/>
-        </a:xfrm>
-      </p:grpSpPr>
-      <p:pic>
-        <p:nvPicPr>
-          <p:cNvPr id="5" name="Picture 5" descr="EMBL_EBI_Chemistry-slide2-background.png"/>
-          <p:cNvPicPr>
-            <a:picLocks noChangeAspect="1"/>
-          </p:cNvPicPr>
-          <p:nvPr userDrawn="1"/>
-        </p:nvPicPr>
-        <p:blipFill>
-          <a:blip r:embed="rId2" cstate="screen">
-            <a:extLst>
-              <a:ext uri="{28A0092B-C50C-407E-A947-70E740481C1C}">
-                <a14:useLocalDpi xmlns:a14="http://schemas.microsoft.com/office/drawing/2010/main"/>
-              </a:ext>
-            </a:extLst>
-          </a:blip>
-          <a:srcRect/>
-          <a:stretch>
-            <a:fillRect/>
-          </a:stretch>
-        </p:blipFill>
-        <p:spPr bwMode="auto">
-          <a:xfrm>
-            <a:off x="0" y="0"/>
-            <a:ext cx="9156700" cy="6870700"/>
-          </a:xfrm>
-          <a:prstGeom prst="rect">
-            <a:avLst/>
-          </a:prstGeom>
-          <a:noFill/>
-          <a:ln>
-            <a:noFill/>
-          </a:ln>
-          <a:extLst>
-            <a:ext uri="{909E8E84-426E-40dd-AFC4-6F175D3DCCD1}">
-              <a14:hiddenFill xmlns="" xmlns:a14="http://schemas.microsoft.com/office/drawing/2010/main">
-                <a:solidFill>
-                  <a:srgbClr val="FFFFFF"/>
-                </a:solidFill>
-              </a14:hiddenFill>
-            </a:ext>
-            <a:ext uri="{91240B29-F687-4f45-9708-019B960494DF}">
-              <a14:hiddenLine xmlns="" xmlns:a14="http://schemas.microsoft.com/office/drawing/2010/main" w="9525">
-                <a:solidFill>
-                  <a:srgbClr val="000000"/>
-                </a:solidFill>
-                <a:miter lim="800000"/>
-                <a:headEnd/>
-                <a:tailEnd/>
-              </a14:hiddenLine>
-            </a:ext>
-          </a:extLst>
-        </p:spPr>
-      </p:pic>
-      <p:pic>
-        <p:nvPicPr>
-          <p:cNvPr id="6" name="Picture 2" descr="EMBL_EBI_RGB_InversedUpdate.png"/>
-          <p:cNvPicPr>
-            <a:picLocks noChangeAspect="1"/>
-          </p:cNvPicPr>
-          <p:nvPr userDrawn="1"/>
-        </p:nvPicPr>
-        <p:blipFill>
-          <a:blip r:embed="rId3" cstate="screen">
-            <a:extLst>
-              <a:ext uri="{28A0092B-C50C-407E-A947-70E740481C1C}">
-                <a14:useLocalDpi xmlns:a14="http://schemas.microsoft.com/office/drawing/2010/main"/>
-              </a:ext>
-            </a:extLst>
-          </a:blip>
-          <a:srcRect/>
-          <a:stretch>
-            <a:fillRect/>
-          </a:stretch>
-        </p:blipFill>
-        <p:spPr bwMode="auto">
-          <a:xfrm>
-            <a:off x="7364413" y="6310313"/>
-            <a:ext cx="1458912" cy="452437"/>
-          </a:xfrm>
-          <a:prstGeom prst="rect">
-            <a:avLst/>
-          </a:prstGeom>
-          <a:noFill/>
-          <a:ln>
-            <a:noFill/>
-          </a:ln>
-          <a:extLst>
-            <a:ext uri="{909E8E84-426E-40dd-AFC4-6F175D3DCCD1}">
-              <a14:hiddenFill xmlns="" xmlns:a14="http://schemas.microsoft.com/office/drawing/2010/main">
-                <a:solidFill>
-                  <a:srgbClr val="FFFFFF"/>
-                </a:solidFill>
-              </a14:hiddenFill>
-            </a:ext>
-            <a:ext uri="{91240B29-F687-4f45-9708-019B960494DF}">
-              <a14:hiddenLine xmlns="" xmlns:a14="http://schemas.microsoft.com/office/drawing/2010/main" w="9525">
-                <a:solidFill>
-                  <a:srgbClr val="000000"/>
-                </a:solidFill>
-                <a:miter lim="800000"/>
-                <a:headEnd/>
-                <a:tailEnd/>
-              </a14:hiddenLine>
-            </a:ext>
-          </a:extLst>
-        </p:spPr>
-      </p:pic>
-      <p:sp>
-        <p:nvSpPr>
-          <p:cNvPr id="3079" name="Rectangle 7"/>
-          <p:cNvSpPr>
-            <a:spLocks noGrp="1" noChangeArrowheads="1"/>
-          </p:cNvSpPr>
-          <p:nvPr>
-            <p:ph type="subTitle" idx="1"/>
-          </p:nvPr>
-        </p:nvSpPr>
-        <p:spPr>
-          <a:xfrm>
-            <a:off x="532554" y="1797029"/>
-            <a:ext cx="6400800" cy="610284"/>
-          </a:xfrm>
-        </p:spPr>
-        <p:txBody>
-          <a:bodyPr/>
-          <a:lstStyle>
-            <a:lvl1pPr marL="0" indent="0">
-              <a:buFontTx/>
-              <a:buNone/>
-              <a:defRPr sz="2600" b="0" i="0">
-                <a:solidFill>
-                  <a:srgbClr val="FFFFFF"/>
-                </a:solidFill>
-                <a:latin typeface="HelveticaNeueLT Pro 45 Lt"/>
-                <a:cs typeface="HelveticaNeueLT Pro 45 Lt"/>
-              </a:defRPr>
-            </a:lvl1pPr>
-          </a:lstStyle>
-          <a:p>
-            <a:r>
-              <a:rPr lang="en-US" smtClean="0"/>
-              <a:t>Click to edit Master subtitle style</a:t>
-            </a:r>
-            <a:endParaRPr lang="en-US" dirty="0"/>
-          </a:p>
-        </p:txBody>
-      </p:sp>
-      <p:sp>
-        <p:nvSpPr>
-          <p:cNvPr id="3074" name="Rectangle 2"/>
-          <p:cNvSpPr>
-            <a:spLocks noGrp="1" noChangeArrowheads="1"/>
-          </p:cNvSpPr>
-          <p:nvPr>
-            <p:ph type="ctrTitle"/>
-          </p:nvPr>
-        </p:nvSpPr>
-        <p:spPr>
-          <a:xfrm>
-            <a:off x="533401" y="1040419"/>
-            <a:ext cx="7772400" cy="685718"/>
-          </a:xfrm>
-          <a:effectLst>
-            <a:outerShdw blurRad="50800" dist="38100" dir="5400000" algn="t" rotWithShape="0">
-              <a:prstClr val="black">
-                <a:alpha val="40000"/>
-              </a:prstClr>
-            </a:outerShdw>
-          </a:effectLst>
-        </p:spPr>
-        <p:txBody>
-          <a:bodyPr/>
-          <a:lstStyle>
-            <a:lvl1pPr>
-              <a:defRPr sz="3500" b="0" i="0">
-                <a:solidFill>
-                  <a:srgbClr val="FFFFFF"/>
-                </a:solidFill>
-                <a:latin typeface="HelveticaNeueLT Pro 45 Lt"/>
-                <a:cs typeface="HelveticaNeueLT Pro 45 Lt"/>
-              </a:defRPr>
-            </a:lvl1pPr>
-          </a:lstStyle>
-          <a:p>
-            <a:r>
-              <a:rPr lang="en-US" smtClean="0"/>
-              <a:t>Click to edit Master title style</a:t>
-            </a:r>
-            <a:endParaRPr lang="de-DE" dirty="0"/>
-          </a:p>
-        </p:txBody>
-      </p:sp>
-      <p:sp>
-        <p:nvSpPr>
-          <p:cNvPr id="7" name="Text Placeholder 6"/>
-          <p:cNvSpPr>
-            <a:spLocks noGrp="1"/>
-          </p:cNvSpPr>
-          <p:nvPr>
-            <p:ph type="body" sz="quarter" idx="10"/>
-          </p:nvPr>
-        </p:nvSpPr>
-        <p:spPr>
-          <a:xfrm>
-            <a:off x="533400" y="3851275"/>
-            <a:ext cx="4487863" cy="614363"/>
-          </a:xfrm>
-        </p:spPr>
-        <p:txBody>
-          <a:bodyPr/>
-          <a:lstStyle>
-            <a:lvl1pPr marL="0" indent="0">
-              <a:buNone/>
-              <a:defRPr b="0" i="0">
-                <a:solidFill>
-                  <a:schemeClr val="bg1"/>
-                </a:solidFill>
-                <a:latin typeface="HelveticaNeueLT Pro 35 Th"/>
-                <a:cs typeface="HelveticaNeueLT Pro 35 Th"/>
-              </a:defRPr>
-            </a:lvl1pPr>
-          </a:lstStyle>
-          <a:p>
-            <a:pPr lvl="0"/>
-            <a:r>
-              <a:rPr lang="en-US" smtClean="0"/>
-              <a:t>Click to edit Master text styles</a:t>
-            </a:r>
-          </a:p>
-        </p:txBody>
-      </p:sp>
-    </p:spTree>
-    <p:extLst>
-      <p:ext uri="{BB962C8B-B14F-4D97-AF65-F5344CB8AC3E}">
-        <p14:creationId xmlns:p14="http://schemas.microsoft.com/office/powerpoint/2010/main" val="3620609740"/>
-      </p:ext>
-    </p:extLst>
-  </p:cSld>
-  <p:clrMapOvr>
-    <a:masterClrMapping/>
-  </p:clrMapOvr>
-  <p:transition>
-    <p:cut/>
-  </p:transition>
-</p:sldLayout>
-</file>
-
-<file path=ppt/slideLayouts/slideLayout5.xml><?xml version="1.0" encoding="utf-8"?>
-<p:sldLayout xmlns:a="http://schemas.openxmlformats.org/drawingml/2006/main" xmlns:r="http://schemas.openxmlformats.org/officeDocument/2006/relationships" xmlns:p="http://schemas.openxmlformats.org/presentationml/2006/main" showMasterSp="0" preserve="1" userDrawn="1">
+<file path=ppt/slideLayouts/slideLayout10.xml><?xml version="1.0" encoding="utf-8"?>
+<p:sldLayout xmlns:a="http://schemas.openxmlformats.org/drawingml/2006/main" xmlns:r="http://schemas.openxmlformats.org/officeDocument/2006/relationships" xmlns:p="http://schemas.openxmlformats.org/presentationml/2006/main" showMasterSp="0" userDrawn="1">
   <p:cSld name="8_Title Slide">
     <p:bg>
       <p:bgPr>
@@ -1694,14 +814,14 @@
           </a:ln>
           <a:extLst>
             <a:ext uri="{909E8E84-426E-40dd-AFC4-6F175D3DCCD1}">
-              <a14:hiddenFill xmlns="" xmlns:a14="http://schemas.microsoft.com/office/drawing/2010/main">
+              <a14:hiddenFill xmlns:a14="http://schemas.microsoft.com/office/drawing/2010/main">
                 <a:solidFill>
                   <a:srgbClr val="FFFFFF"/>
                 </a:solidFill>
               </a14:hiddenFill>
             </a:ext>
             <a:ext uri="{91240B29-F687-4f45-9708-019B960494DF}">
-              <a14:hiddenLine xmlns="" xmlns:a14="http://schemas.microsoft.com/office/drawing/2010/main" w="9525">
+              <a14:hiddenLine xmlns:a14="http://schemas.microsoft.com/office/drawing/2010/main" w="9525">
                 <a:solidFill>
                   <a:srgbClr val="000000"/>
                 </a:solidFill>
@@ -1748,14 +868,14 @@
           </a:ln>
           <a:extLst>
             <a:ext uri="{909E8E84-426E-40dd-AFC4-6F175D3DCCD1}">
-              <a14:hiddenFill xmlns="" xmlns:a14="http://schemas.microsoft.com/office/drawing/2010/main">
+              <a14:hiddenFill xmlns:a14="http://schemas.microsoft.com/office/drawing/2010/main">
                 <a:solidFill>
                   <a:srgbClr val="FFFFFF"/>
                 </a:solidFill>
               </a14:hiddenFill>
             </a:ext>
             <a:ext uri="{91240B29-F687-4f45-9708-019B960494DF}">
-              <a14:hiddenLine xmlns="" xmlns:a14="http://schemas.microsoft.com/office/drawing/2010/main" w="9525">
+              <a14:hiddenLine xmlns:a14="http://schemas.microsoft.com/office/drawing/2010/main" w="9525">
                 <a:solidFill>
                   <a:srgbClr val="000000"/>
                 </a:solidFill>
@@ -1901,15 +1021,15 @@
   <p:clrMapOvr>
     <a:masterClrMapping/>
   </p:clrMapOvr>
-  <p:transition>
+  <p:transition xmlns:p14="http://schemas.microsoft.com/office/powerpoint/2010/main">
     <p:cut/>
   </p:transition>
 </p:sldLayout>
 </file>
 
-<file path=ppt/slideLayouts/slideLayout6.xml><?xml version="1.0" encoding="utf-8"?>
+<file path=ppt/slideLayouts/slideLayout2.xml><?xml version="1.0" encoding="utf-8"?>
 <p:sldLayout xmlns:a="http://schemas.openxmlformats.org/drawingml/2006/main" xmlns:r="http://schemas.openxmlformats.org/officeDocument/2006/relationships" xmlns:p="http://schemas.openxmlformats.org/presentationml/2006/main" preserve="1">
-  <p:cSld name="Custom Layout">
+  <p:cSld name="Divider slide">
     <p:spTree>
       <p:nvGrpSpPr>
         <p:cNvPr id="1" name=""/>
@@ -1924,46 +1044,1564 @@
           <a:chExt cx="0" cy="0"/>
         </a:xfrm>
       </p:grpSpPr>
-      <p:sp>
-        <p:nvSpPr>
-          <p:cNvPr id="2" name="Title 1"/>
+      <p:pic>
+        <p:nvPicPr>
+          <p:cNvPr id="3" name="Picture 10" descr="elixir_helix_200_2.eps"/>
+          <p:cNvPicPr>
+            <a:picLocks noChangeAspect="1"/>
+          </p:cNvPicPr>
+          <p:nvPr/>
+        </p:nvPicPr>
+        <p:blipFill>
+          <a:blip r:embed="rId2">
+            <a:extLst>
+              <a:ext uri="{28A0092B-C50C-407E-A947-70E740481C1C}">
+                <a14:useLocalDpi xmlns:a14="http://schemas.microsoft.com/office/drawing/2010/main" val="0"/>
+              </a:ext>
+            </a:extLst>
+          </a:blip>
+          <a:srcRect/>
+          <a:stretch>
+            <a:fillRect/>
+          </a:stretch>
+        </p:blipFill>
+        <p:spPr bwMode="auto">
+          <a:xfrm>
+            <a:off x="-36513" y="-26988"/>
+            <a:ext cx="9269413" cy="6186488"/>
+          </a:xfrm>
+          <a:prstGeom prst="rect">
+            <a:avLst/>
+          </a:prstGeom>
+          <a:noFill/>
+          <a:ln>
+            <a:noFill/>
+          </a:ln>
+          <a:extLst>
+            <a:ext uri="{909E8E84-426E-40dd-AFC4-6F175D3DCCD1}">
+              <a14:hiddenFill xmlns:a14="http://schemas.microsoft.com/office/drawing/2010/main">
+                <a:solidFill>
+                  <a:srgbClr val="FFFFFF"/>
+                </a:solidFill>
+              </a14:hiddenFill>
+            </a:ext>
+            <a:ext uri="{91240B29-F687-4f45-9708-019B960494DF}">
+              <a14:hiddenLine xmlns:a14="http://schemas.microsoft.com/office/drawing/2010/main" w="9525">
+                <a:solidFill>
+                  <a:srgbClr val="000000"/>
+                </a:solidFill>
+                <a:miter lim="800000"/>
+                <a:headEnd/>
+                <a:tailEnd/>
+              </a14:hiddenLine>
+            </a:ext>
+          </a:extLst>
+        </p:spPr>
+      </p:pic>
+      <p:pic>
+        <p:nvPicPr>
+          <p:cNvPr id="4" name="Picture 4" descr="elixir_1_RZ_mac.eps"/>
+          <p:cNvPicPr>
+            <a:picLocks noChangeAspect="1"/>
+          </p:cNvPicPr>
+          <p:nvPr/>
+        </p:nvPicPr>
+        <p:blipFill>
+          <a:blip r:embed="rId3">
+            <a:extLst>
+              <a:ext uri="{28A0092B-C50C-407E-A947-70E740481C1C}">
+                <a14:useLocalDpi xmlns:a14="http://schemas.microsoft.com/office/drawing/2010/main" val="0"/>
+              </a:ext>
+            </a:extLst>
+          </a:blip>
+          <a:srcRect/>
+          <a:stretch>
+            <a:fillRect/>
+          </a:stretch>
+        </p:blipFill>
+        <p:spPr bwMode="auto">
+          <a:xfrm>
+            <a:off x="250825" y="5373688"/>
+            <a:ext cx="1820863" cy="1238250"/>
+          </a:xfrm>
+          <a:prstGeom prst="rect">
+            <a:avLst/>
+          </a:prstGeom>
+          <a:noFill/>
+          <a:ln>
+            <a:noFill/>
+          </a:ln>
+          <a:extLst>
+            <a:ext uri="{909E8E84-426E-40dd-AFC4-6F175D3DCCD1}">
+              <a14:hiddenFill xmlns:a14="http://schemas.microsoft.com/office/drawing/2010/main">
+                <a:solidFill>
+                  <a:srgbClr val="FFFFFF"/>
+                </a:solidFill>
+              </a14:hiddenFill>
+            </a:ext>
+            <a:ext uri="{91240B29-F687-4f45-9708-019B960494DF}">
+              <a14:hiddenLine xmlns:a14="http://schemas.microsoft.com/office/drawing/2010/main" w="9525">
+                <a:solidFill>
+                  <a:srgbClr val="000000"/>
+                </a:solidFill>
+                <a:miter lim="800000"/>
+                <a:headEnd/>
+                <a:tailEnd/>
+              </a14:hiddenLine>
+            </a:ext>
+          </a:extLst>
+        </p:spPr>
+      </p:pic>
+      <p:sp>
+        <p:nvSpPr>
+          <p:cNvPr id="17" name="Title 1"/>
           <p:cNvSpPr>
             <a:spLocks noGrp="1"/>
           </p:cNvSpPr>
           <p:nvPr>
-            <p:ph type="title"/>
+            <p:ph type="ctrTitle"/>
           </p:nvPr>
         </p:nvSpPr>
-        <p:spPr/>
-        <p:txBody>
-          <a:bodyPr/>
-          <a:lstStyle/>
-          <a:p>
-            <a:r>
-              <a:rPr lang="en-US" smtClean="0"/>
+        <p:spPr>
+          <a:xfrm>
+            <a:off x="683568" y="3645024"/>
+            <a:ext cx="7772400" cy="1225021"/>
+          </a:xfrm>
+        </p:spPr>
+        <p:txBody>
+          <a:bodyPr>
+            <a:normAutofit/>
+          </a:bodyPr>
+          <a:lstStyle>
+            <a:lvl1pPr algn="r">
+              <a:defRPr sz="4000" b="1">
+                <a:solidFill>
+                  <a:schemeClr val="tx2">
+                    <a:lumMod val="50000"/>
+                  </a:schemeClr>
+                </a:solidFill>
+                <a:latin typeface="Corbel"/>
+                <a:cs typeface="Corbel"/>
+              </a:defRPr>
+            </a:lvl1pPr>
+          </a:lstStyle>
+          <a:p>
+            <a:r>
+              <a:rPr lang="x-none" smtClean="0"/>
               <a:t>Click to edit Master title style</a:t>
             </a:r>
-            <a:endParaRPr lang="en-US"/>
+            <a:endParaRPr lang="en-US" dirty="0"/>
           </a:p>
         </p:txBody>
       </p:sp>
     </p:spTree>
     <p:extLst>
       <p:ext uri="{BB962C8B-B14F-4D97-AF65-F5344CB8AC3E}">
-        <p14:creationId xmlns:p14="http://schemas.microsoft.com/office/powerpoint/2010/main" val="2964613593"/>
+        <p14:creationId xmlns:p14="http://schemas.microsoft.com/office/powerpoint/2010/main" val="2122614683"/>
       </p:ext>
     </p:extLst>
   </p:cSld>
   <p:clrMapOvr>
     <a:masterClrMapping/>
   </p:clrMapOvr>
-  <p:transition>
-    <p:cut/>
-  </p:transition>
+  <p:hf hdr="0" ftr="0"/>
 </p:sldLayout>
 </file>
 
-<file path=ppt/slideLayouts/slideLayout7.xml><?xml version="1.0" encoding="utf-8"?>
+<file path=ppt/slideLayouts/slideLayout3.xml><?xml version="1.0" encoding="utf-8"?>
+<p:sldLayout xmlns:a="http://schemas.openxmlformats.org/drawingml/2006/main" xmlns:r="http://schemas.openxmlformats.org/officeDocument/2006/relationships" xmlns:p="http://schemas.openxmlformats.org/presentationml/2006/main" preserve="1">
+  <p:cSld name="Title slide EXCELERATE">
+    <p:spTree>
+      <p:nvGrpSpPr>
+        <p:cNvPr id="1" name=""/>
+        <p:cNvGrpSpPr/>
+        <p:nvPr/>
+      </p:nvGrpSpPr>
+      <p:grpSpPr>
+        <a:xfrm>
+          <a:off x="0" y="0"/>
+          <a:ext cx="0" cy="0"/>
+          <a:chOff x="0" y="0"/>
+          <a:chExt cx="0" cy="0"/>
+        </a:xfrm>
+      </p:grpSpPr>
+      <p:pic>
+        <p:nvPicPr>
+          <p:cNvPr id="3" name="Picture 10" descr="elixir_helix_200_2.eps"/>
+          <p:cNvPicPr>
+            <a:picLocks noChangeAspect="1"/>
+          </p:cNvPicPr>
+          <p:nvPr/>
+        </p:nvPicPr>
+        <p:blipFill>
+          <a:blip r:embed="rId2">
+            <a:extLst>
+              <a:ext uri="{28A0092B-C50C-407E-A947-70E740481C1C}">
+                <a14:useLocalDpi xmlns:a14="http://schemas.microsoft.com/office/drawing/2010/main" val="0"/>
+              </a:ext>
+            </a:extLst>
+          </a:blip>
+          <a:srcRect/>
+          <a:stretch>
+            <a:fillRect/>
+          </a:stretch>
+        </p:blipFill>
+        <p:spPr bwMode="auto">
+          <a:xfrm>
+            <a:off x="-36513" y="-26988"/>
+            <a:ext cx="9269413" cy="6186488"/>
+          </a:xfrm>
+          <a:prstGeom prst="rect">
+            <a:avLst/>
+          </a:prstGeom>
+          <a:noFill/>
+          <a:ln>
+            <a:noFill/>
+          </a:ln>
+          <a:extLst>
+            <a:ext uri="{909E8E84-426E-40dd-AFC4-6F175D3DCCD1}">
+              <a14:hiddenFill xmlns:a14="http://schemas.microsoft.com/office/drawing/2010/main">
+                <a:solidFill>
+                  <a:srgbClr val="FFFFFF"/>
+                </a:solidFill>
+              </a14:hiddenFill>
+            </a:ext>
+            <a:ext uri="{91240B29-F687-4f45-9708-019B960494DF}">
+              <a14:hiddenLine xmlns:a14="http://schemas.microsoft.com/office/drawing/2010/main" w="9525">
+                <a:solidFill>
+                  <a:srgbClr val="000000"/>
+                </a:solidFill>
+                <a:miter lim="800000"/>
+                <a:headEnd/>
+                <a:tailEnd/>
+              </a14:hiddenLine>
+            </a:ext>
+          </a:extLst>
+        </p:spPr>
+      </p:pic>
+      <p:sp>
+        <p:nvSpPr>
+          <p:cNvPr id="4" name="TextBox 3"/>
+          <p:cNvSpPr txBox="1">
+            <a:spLocks noChangeArrowheads="1"/>
+          </p:cNvSpPr>
+          <p:nvPr/>
+        </p:nvSpPr>
+        <p:spPr bwMode="auto">
+          <a:xfrm>
+            <a:off x="3851275" y="6092825"/>
+            <a:ext cx="4799013" cy="434975"/>
+          </a:xfrm>
+          <a:prstGeom prst="rect">
+            <a:avLst/>
+          </a:prstGeom>
+          <a:noFill/>
+          <a:ln>
+            <a:noFill/>
+          </a:ln>
+          <a:extLst>
+            <a:ext uri="{909E8E84-426E-40dd-AFC4-6F175D3DCCD1}">
+              <a14:hiddenFill xmlns:a14="http://schemas.microsoft.com/office/drawing/2010/main">
+                <a:solidFill>
+                  <a:srgbClr val="FFFFFF"/>
+                </a:solidFill>
+              </a14:hiddenFill>
+            </a:ext>
+            <a:ext uri="{91240B29-F687-4f45-9708-019B960494DF}">
+              <a14:hiddenLine xmlns:a14="http://schemas.microsoft.com/office/drawing/2010/main" w="9525">
+                <a:solidFill>
+                  <a:srgbClr val="000000"/>
+                </a:solidFill>
+                <a:miter lim="800000"/>
+                <a:headEnd/>
+                <a:tailEnd/>
+              </a14:hiddenLine>
+            </a:ext>
+          </a:extLst>
+        </p:spPr>
+        <p:txBody>
+          <a:bodyPr lIns="65306" tIns="32653" rIns="65306" bIns="32653">
+            <a:spAutoFit/>
+          </a:bodyPr>
+          <a:lstStyle>
+            <a:lvl1pPr defTabSz="455613">
+              <a:defRPr sz="2400">
+                <a:solidFill>
+                  <a:schemeClr val="tx1"/>
+                </a:solidFill>
+                <a:latin typeface="Arial" pitchFamily="34" charset="0"/>
+                <a:ea typeface="ＭＳ Ｐゴシック" pitchFamily="34" charset="-128"/>
+              </a:defRPr>
+            </a:lvl1pPr>
+            <a:lvl2pPr marL="742950" indent="-285750" defTabSz="455613">
+              <a:defRPr sz="2400">
+                <a:solidFill>
+                  <a:schemeClr val="tx1"/>
+                </a:solidFill>
+                <a:latin typeface="Arial" pitchFamily="34" charset="0"/>
+                <a:ea typeface="ＭＳ Ｐゴシック" pitchFamily="34" charset="-128"/>
+              </a:defRPr>
+            </a:lvl2pPr>
+            <a:lvl3pPr marL="1143000" indent="-228600" defTabSz="455613">
+              <a:defRPr sz="2400">
+                <a:solidFill>
+                  <a:schemeClr val="tx1"/>
+                </a:solidFill>
+                <a:latin typeface="Arial" pitchFamily="34" charset="0"/>
+                <a:ea typeface="ＭＳ Ｐゴシック" pitchFamily="34" charset="-128"/>
+              </a:defRPr>
+            </a:lvl3pPr>
+            <a:lvl4pPr marL="1600200" indent="-228600" defTabSz="455613">
+              <a:defRPr sz="2400">
+                <a:solidFill>
+                  <a:schemeClr val="tx1"/>
+                </a:solidFill>
+                <a:latin typeface="Arial" pitchFamily="34" charset="0"/>
+                <a:ea typeface="ＭＳ Ｐゴシック" pitchFamily="34" charset="-128"/>
+              </a:defRPr>
+            </a:lvl4pPr>
+            <a:lvl5pPr marL="2057400" indent="-228600" defTabSz="455613">
+              <a:defRPr sz="2400">
+                <a:solidFill>
+                  <a:schemeClr val="tx1"/>
+                </a:solidFill>
+                <a:latin typeface="Arial" pitchFamily="34" charset="0"/>
+                <a:ea typeface="ＭＳ Ｐゴシック" pitchFamily="34" charset="-128"/>
+              </a:defRPr>
+            </a:lvl5pPr>
+            <a:lvl6pPr marL="2514600" indent="-228600" defTabSz="455613" eaLnBrk="0" fontAlgn="base" hangingPunct="0">
+              <a:spcBef>
+                <a:spcPct val="0"/>
+              </a:spcBef>
+              <a:spcAft>
+                <a:spcPct val="0"/>
+              </a:spcAft>
+              <a:defRPr sz="2400">
+                <a:solidFill>
+                  <a:schemeClr val="tx1"/>
+                </a:solidFill>
+                <a:latin typeface="Arial" pitchFamily="34" charset="0"/>
+                <a:ea typeface="ＭＳ Ｐゴシック" pitchFamily="34" charset="-128"/>
+              </a:defRPr>
+            </a:lvl6pPr>
+            <a:lvl7pPr marL="2971800" indent="-228600" defTabSz="455613" eaLnBrk="0" fontAlgn="base" hangingPunct="0">
+              <a:spcBef>
+                <a:spcPct val="0"/>
+              </a:spcBef>
+              <a:spcAft>
+                <a:spcPct val="0"/>
+              </a:spcAft>
+              <a:defRPr sz="2400">
+                <a:solidFill>
+                  <a:schemeClr val="tx1"/>
+                </a:solidFill>
+                <a:latin typeface="Arial" pitchFamily="34" charset="0"/>
+                <a:ea typeface="ＭＳ Ｐゴシック" pitchFamily="34" charset="-128"/>
+              </a:defRPr>
+            </a:lvl7pPr>
+            <a:lvl8pPr marL="3429000" indent="-228600" defTabSz="455613" eaLnBrk="0" fontAlgn="base" hangingPunct="0">
+              <a:spcBef>
+                <a:spcPct val="0"/>
+              </a:spcBef>
+              <a:spcAft>
+                <a:spcPct val="0"/>
+              </a:spcAft>
+              <a:defRPr sz="2400">
+                <a:solidFill>
+                  <a:schemeClr val="tx1"/>
+                </a:solidFill>
+                <a:latin typeface="Arial" pitchFamily="34" charset="0"/>
+                <a:ea typeface="ＭＳ Ｐゴシック" pitchFamily="34" charset="-128"/>
+              </a:defRPr>
+            </a:lvl8pPr>
+            <a:lvl9pPr marL="3886200" indent="-228600" defTabSz="455613" eaLnBrk="0" fontAlgn="base" hangingPunct="0">
+              <a:spcBef>
+                <a:spcPct val="0"/>
+              </a:spcBef>
+              <a:spcAft>
+                <a:spcPct val="0"/>
+              </a:spcAft>
+              <a:defRPr sz="2400">
+                <a:solidFill>
+                  <a:schemeClr val="tx1"/>
+                </a:solidFill>
+                <a:latin typeface="Arial" pitchFamily="34" charset="0"/>
+                <a:ea typeface="ＭＳ Ｐゴシック" pitchFamily="34" charset="-128"/>
+              </a:defRPr>
+            </a:lvl9pPr>
+          </a:lstStyle>
+          <a:p>
+            <a:pPr algn="r" fontAlgn="auto">
+              <a:spcBef>
+                <a:spcPts val="0"/>
+              </a:spcBef>
+              <a:spcAft>
+                <a:spcPts val="0"/>
+              </a:spcAft>
+              <a:defRPr/>
+            </a:pPr>
+            <a:r>
+              <a:rPr lang="en-US" i="1" dirty="0" err="1" smtClean="0">
+                <a:solidFill>
+                  <a:srgbClr val="003F41"/>
+                </a:solidFill>
+                <a:latin typeface="Corbel" pitchFamily="34" charset="0"/>
+                <a:ea typeface="Geneva" charset="-128"/>
+                <a:cs typeface="+mn-cs"/>
+              </a:rPr>
+              <a:t>www.elixir-europe.org</a:t>
+            </a:r>
+            <a:r>
+              <a:rPr lang="en-US" i="1" dirty="0" smtClean="0">
+                <a:solidFill>
+                  <a:srgbClr val="003F41"/>
+                </a:solidFill>
+                <a:latin typeface="Corbel" pitchFamily="34" charset="0"/>
+                <a:ea typeface="Geneva" charset="-128"/>
+                <a:cs typeface="+mn-cs"/>
+              </a:rPr>
+              <a:t>/</a:t>
+            </a:r>
+            <a:r>
+              <a:rPr lang="en-US" i="1" dirty="0" err="1" smtClean="0">
+                <a:solidFill>
+                  <a:srgbClr val="003F41"/>
+                </a:solidFill>
+                <a:latin typeface="Corbel" pitchFamily="34" charset="0"/>
+                <a:ea typeface="Geneva" charset="-128"/>
+                <a:cs typeface="+mn-cs"/>
+              </a:rPr>
+              <a:t>excelerate</a:t>
+            </a:r>
+            <a:endParaRPr lang="en-US" i="1" dirty="0" smtClean="0">
+              <a:solidFill>
+                <a:srgbClr val="003F41"/>
+              </a:solidFill>
+              <a:latin typeface="Corbel" pitchFamily="34" charset="0"/>
+              <a:ea typeface="Geneva" charset="-128"/>
+              <a:cs typeface="+mn-cs"/>
+            </a:endParaRPr>
+          </a:p>
+        </p:txBody>
+      </p:sp>
+      <p:pic>
+        <p:nvPicPr>
+          <p:cNvPr id="5" name="Picture 5" descr="Excelerate_whitebackground.png"/>
+          <p:cNvPicPr>
+            <a:picLocks noChangeAspect="1"/>
+          </p:cNvPicPr>
+          <p:nvPr/>
+        </p:nvPicPr>
+        <p:blipFill>
+          <a:blip r:embed="rId3">
+            <a:extLst>
+              <a:ext uri="{28A0092B-C50C-407E-A947-70E740481C1C}">
+                <a14:useLocalDpi xmlns:a14="http://schemas.microsoft.com/office/drawing/2010/main" val="0"/>
+              </a:ext>
+            </a:extLst>
+          </a:blip>
+          <a:srcRect/>
+          <a:stretch>
+            <a:fillRect/>
+          </a:stretch>
+        </p:blipFill>
+        <p:spPr bwMode="auto">
+          <a:xfrm>
+            <a:off x="1763713" y="5157788"/>
+            <a:ext cx="1962150" cy="773112"/>
+          </a:xfrm>
+          <a:prstGeom prst="rect">
+            <a:avLst/>
+          </a:prstGeom>
+          <a:noFill/>
+          <a:ln>
+            <a:noFill/>
+          </a:ln>
+          <a:extLst>
+            <a:ext uri="{909E8E84-426E-40dd-AFC4-6F175D3DCCD1}">
+              <a14:hiddenFill xmlns:a14="http://schemas.microsoft.com/office/drawing/2010/main">
+                <a:solidFill>
+                  <a:srgbClr val="FFFFFF"/>
+                </a:solidFill>
+              </a14:hiddenFill>
+            </a:ext>
+            <a:ext uri="{91240B29-F687-4f45-9708-019B960494DF}">
+              <a14:hiddenLine xmlns:a14="http://schemas.microsoft.com/office/drawing/2010/main" w="9525">
+                <a:solidFill>
+                  <a:srgbClr val="000000"/>
+                </a:solidFill>
+                <a:miter lim="800000"/>
+                <a:headEnd/>
+                <a:tailEnd/>
+              </a14:hiddenLine>
+            </a:ext>
+          </a:extLst>
+        </p:spPr>
+      </p:pic>
+      <p:pic>
+        <p:nvPicPr>
+          <p:cNvPr id="6" name="Picture 6"/>
+          <p:cNvPicPr>
+            <a:picLocks noChangeAspect="1"/>
+          </p:cNvPicPr>
+          <p:nvPr/>
+        </p:nvPicPr>
+        <p:blipFill>
+          <a:blip r:embed="rId4">
+            <a:extLst>
+              <a:ext uri="{28A0092B-C50C-407E-A947-70E740481C1C}">
+                <a14:useLocalDpi xmlns:a14="http://schemas.microsoft.com/office/drawing/2010/main" val="0"/>
+              </a:ext>
+            </a:extLst>
+          </a:blip>
+          <a:srcRect/>
+          <a:stretch>
+            <a:fillRect/>
+          </a:stretch>
+        </p:blipFill>
+        <p:spPr bwMode="auto">
+          <a:xfrm>
+            <a:off x="323850" y="5157788"/>
+            <a:ext cx="1214438" cy="825500"/>
+          </a:xfrm>
+          <a:prstGeom prst="rect">
+            <a:avLst/>
+          </a:prstGeom>
+          <a:noFill/>
+          <a:ln>
+            <a:noFill/>
+          </a:ln>
+          <a:extLst>
+            <a:ext uri="{909E8E84-426E-40dd-AFC4-6F175D3DCCD1}">
+              <a14:hiddenFill xmlns:a14="http://schemas.microsoft.com/office/drawing/2010/main">
+                <a:solidFill>
+                  <a:srgbClr val="FFFFFF"/>
+                </a:solidFill>
+              </a14:hiddenFill>
+            </a:ext>
+            <a:ext uri="{91240B29-F687-4f45-9708-019B960494DF}">
+              <a14:hiddenLine xmlns:a14="http://schemas.microsoft.com/office/drawing/2010/main" w="9525">
+                <a:solidFill>
+                  <a:srgbClr val="000000"/>
+                </a:solidFill>
+                <a:miter lim="800000"/>
+                <a:headEnd/>
+                <a:tailEnd/>
+              </a14:hiddenLine>
+            </a:ext>
+          </a:extLst>
+        </p:spPr>
+      </p:pic>
+      <p:sp>
+        <p:nvSpPr>
+          <p:cNvPr id="7" name="Rectangle 7"/>
+          <p:cNvSpPr>
+            <a:spLocks noChangeArrowheads="1"/>
+          </p:cNvSpPr>
+          <p:nvPr/>
+        </p:nvSpPr>
+        <p:spPr bwMode="auto">
+          <a:xfrm>
+            <a:off x="323850" y="6092825"/>
+            <a:ext cx="3600450" cy="554038"/>
+          </a:xfrm>
+          <a:prstGeom prst="rect">
+            <a:avLst/>
+          </a:prstGeom>
+          <a:noFill/>
+          <a:ln>
+            <a:noFill/>
+          </a:ln>
+          <a:extLst>
+            <a:ext uri="{909E8E84-426E-40dd-AFC4-6F175D3DCCD1}">
+              <a14:hiddenFill xmlns:a14="http://schemas.microsoft.com/office/drawing/2010/main">
+                <a:solidFill>
+                  <a:srgbClr val="FFFFFF"/>
+                </a:solidFill>
+              </a14:hiddenFill>
+            </a:ext>
+            <a:ext uri="{91240B29-F687-4f45-9708-019B960494DF}">
+              <a14:hiddenLine xmlns:a14="http://schemas.microsoft.com/office/drawing/2010/main" w="9525">
+                <a:solidFill>
+                  <a:srgbClr val="000000"/>
+                </a:solidFill>
+                <a:miter lim="800000"/>
+                <a:headEnd/>
+                <a:tailEnd/>
+              </a14:hiddenLine>
+            </a:ext>
+          </a:extLst>
+        </p:spPr>
+        <p:txBody>
+          <a:bodyPr>
+            <a:spAutoFit/>
+          </a:bodyPr>
+          <a:lstStyle/>
+          <a:p>
+            <a:r>
+              <a:rPr lang="en-US" sz="1000">
+                <a:solidFill>
+                  <a:srgbClr val="7F7F7F"/>
+                </a:solidFill>
+              </a:rPr>
+              <a:t>ELIXIR-EXCELERATE is funded by the European Commission within the Research Infrastructures programme of Horizon 2020, grant agreement number 676559.</a:t>
+            </a:r>
+          </a:p>
+        </p:txBody>
+      </p:sp>
+      <p:sp>
+        <p:nvSpPr>
+          <p:cNvPr id="9" name="Title 1"/>
+          <p:cNvSpPr>
+            <a:spLocks noGrp="1"/>
+          </p:cNvSpPr>
+          <p:nvPr>
+            <p:ph type="ctrTitle"/>
+          </p:nvPr>
+        </p:nvSpPr>
+        <p:spPr>
+          <a:xfrm>
+            <a:off x="683568" y="3356993"/>
+            <a:ext cx="7772400" cy="864096"/>
+          </a:xfrm>
+        </p:spPr>
+        <p:txBody>
+          <a:bodyPr>
+            <a:normAutofit/>
+          </a:bodyPr>
+          <a:lstStyle>
+            <a:lvl1pPr algn="r">
+              <a:defRPr sz="5000" b="1">
+                <a:solidFill>
+                  <a:srgbClr val="003F41"/>
+                </a:solidFill>
+                <a:latin typeface="Corbel"/>
+                <a:cs typeface="Corbel"/>
+              </a:defRPr>
+            </a:lvl1pPr>
+          </a:lstStyle>
+          <a:p>
+            <a:r>
+              <a:rPr lang="x-none" smtClean="0"/>
+              <a:t>Click to edit Master title style</a:t>
+            </a:r>
+            <a:endParaRPr lang="en-US" dirty="0"/>
+          </a:p>
+        </p:txBody>
+      </p:sp>
+    </p:spTree>
+    <p:extLst>
+      <p:ext uri="{BB962C8B-B14F-4D97-AF65-F5344CB8AC3E}">
+        <p14:creationId xmlns:p14="http://schemas.microsoft.com/office/powerpoint/2010/main" val="3919830982"/>
+      </p:ext>
+    </p:extLst>
+  </p:cSld>
+  <p:clrMapOvr>
+    <a:masterClrMapping/>
+  </p:clrMapOvr>
+  <p:hf hdr="0" ftr="0"/>
+</p:sldLayout>
+</file>
+
+<file path=ppt/slideLayouts/slideLayout4.xml><?xml version="1.0" encoding="utf-8"?>
+<p:sldLayout xmlns:a="http://schemas.openxmlformats.org/drawingml/2006/main" xmlns:r="http://schemas.openxmlformats.org/officeDocument/2006/relationships" xmlns:p="http://schemas.openxmlformats.org/presentationml/2006/main" preserve="1">
+  <p:cSld name="ELIXIR-thank-you">
+    <p:spTree>
+      <p:nvGrpSpPr>
+        <p:cNvPr id="1" name=""/>
+        <p:cNvGrpSpPr/>
+        <p:nvPr/>
+      </p:nvGrpSpPr>
+      <p:grpSpPr>
+        <a:xfrm>
+          <a:off x="0" y="0"/>
+          <a:ext cx="0" cy="0"/>
+          <a:chOff x="0" y="0"/>
+          <a:chExt cx="0" cy="0"/>
+        </a:xfrm>
+      </p:grpSpPr>
+      <p:pic>
+        <p:nvPicPr>
+          <p:cNvPr id="4" name="Picture 10" descr="elixir_helix_200_2.eps"/>
+          <p:cNvPicPr>
+            <a:picLocks noChangeAspect="1"/>
+          </p:cNvPicPr>
+          <p:nvPr/>
+        </p:nvPicPr>
+        <p:blipFill>
+          <a:blip r:embed="rId2">
+            <a:extLst>
+              <a:ext uri="{28A0092B-C50C-407E-A947-70E740481C1C}">
+                <a14:useLocalDpi xmlns:a14="http://schemas.microsoft.com/office/drawing/2010/main" val="0"/>
+              </a:ext>
+            </a:extLst>
+          </a:blip>
+          <a:srcRect/>
+          <a:stretch>
+            <a:fillRect/>
+          </a:stretch>
+        </p:blipFill>
+        <p:spPr bwMode="auto">
+          <a:xfrm>
+            <a:off x="-36513" y="-26988"/>
+            <a:ext cx="9269413" cy="6186488"/>
+          </a:xfrm>
+          <a:prstGeom prst="rect">
+            <a:avLst/>
+          </a:prstGeom>
+          <a:noFill/>
+          <a:ln>
+            <a:noFill/>
+          </a:ln>
+          <a:extLst>
+            <a:ext uri="{909E8E84-426E-40dd-AFC4-6F175D3DCCD1}">
+              <a14:hiddenFill xmlns:a14="http://schemas.microsoft.com/office/drawing/2010/main">
+                <a:solidFill>
+                  <a:srgbClr val="FFFFFF"/>
+                </a:solidFill>
+              </a14:hiddenFill>
+            </a:ext>
+            <a:ext uri="{91240B29-F687-4f45-9708-019B960494DF}">
+              <a14:hiddenLine xmlns:a14="http://schemas.microsoft.com/office/drawing/2010/main" w="9525">
+                <a:solidFill>
+                  <a:srgbClr val="000000"/>
+                </a:solidFill>
+                <a:miter lim="800000"/>
+                <a:headEnd/>
+                <a:tailEnd/>
+              </a14:hiddenLine>
+            </a:ext>
+          </a:extLst>
+        </p:spPr>
+      </p:pic>
+      <p:pic>
+        <p:nvPicPr>
+          <p:cNvPr id="6" name="Picture 4" descr="elixir_1_RZ_mac.eps"/>
+          <p:cNvPicPr>
+            <a:picLocks noChangeAspect="1"/>
+          </p:cNvPicPr>
+          <p:nvPr/>
+        </p:nvPicPr>
+        <p:blipFill>
+          <a:blip r:embed="rId3">
+            <a:extLst>
+              <a:ext uri="{28A0092B-C50C-407E-A947-70E740481C1C}">
+                <a14:useLocalDpi xmlns:a14="http://schemas.microsoft.com/office/drawing/2010/main" val="0"/>
+              </a:ext>
+            </a:extLst>
+          </a:blip>
+          <a:srcRect/>
+          <a:stretch>
+            <a:fillRect/>
+          </a:stretch>
+        </p:blipFill>
+        <p:spPr bwMode="auto">
+          <a:xfrm>
+            <a:off x="250825" y="5373688"/>
+            <a:ext cx="1820863" cy="1238250"/>
+          </a:xfrm>
+          <a:prstGeom prst="rect">
+            <a:avLst/>
+          </a:prstGeom>
+          <a:noFill/>
+          <a:ln>
+            <a:noFill/>
+          </a:ln>
+          <a:extLst>
+            <a:ext uri="{909E8E84-426E-40dd-AFC4-6F175D3DCCD1}">
+              <a14:hiddenFill xmlns:a14="http://schemas.microsoft.com/office/drawing/2010/main">
+                <a:solidFill>
+                  <a:srgbClr val="FFFFFF"/>
+                </a:solidFill>
+              </a14:hiddenFill>
+            </a:ext>
+            <a:ext uri="{91240B29-F687-4f45-9708-019B960494DF}">
+              <a14:hiddenLine xmlns:a14="http://schemas.microsoft.com/office/drawing/2010/main" w="9525">
+                <a:solidFill>
+                  <a:srgbClr val="000000"/>
+                </a:solidFill>
+                <a:miter lim="800000"/>
+                <a:headEnd/>
+                <a:tailEnd/>
+              </a14:hiddenLine>
+            </a:ext>
+          </a:extLst>
+        </p:spPr>
+      </p:pic>
+      <p:pic>
+        <p:nvPicPr>
+          <p:cNvPr id="7" name="Picture 5"/>
+          <p:cNvPicPr>
+            <a:picLocks noChangeAspect="1"/>
+          </p:cNvPicPr>
+          <p:nvPr/>
+        </p:nvPicPr>
+        <p:blipFill>
+          <a:blip r:embed="rId4">
+            <a:extLst>
+              <a:ext uri="{28A0092B-C50C-407E-A947-70E740481C1C}">
+                <a14:useLocalDpi xmlns:a14="http://schemas.microsoft.com/office/drawing/2010/main" val="0"/>
+              </a:ext>
+            </a:extLst>
+          </a:blip>
+          <a:srcRect/>
+          <a:stretch>
+            <a:fillRect/>
+          </a:stretch>
+        </p:blipFill>
+        <p:spPr bwMode="auto">
+          <a:xfrm>
+            <a:off x="2771775" y="6237288"/>
+            <a:ext cx="495300" cy="403225"/>
+          </a:xfrm>
+          <a:prstGeom prst="rect">
+            <a:avLst/>
+          </a:prstGeom>
+          <a:noFill/>
+          <a:ln>
+            <a:noFill/>
+          </a:ln>
+          <a:extLst>
+            <a:ext uri="{909E8E84-426E-40dd-AFC4-6F175D3DCCD1}">
+              <a14:hiddenFill xmlns:a14="http://schemas.microsoft.com/office/drawing/2010/main">
+                <a:solidFill>
+                  <a:srgbClr val="FFFFFF"/>
+                </a:solidFill>
+              </a14:hiddenFill>
+            </a:ext>
+            <a:ext uri="{91240B29-F687-4f45-9708-019B960494DF}">
+              <a14:hiddenLine xmlns:a14="http://schemas.microsoft.com/office/drawing/2010/main" w="9525">
+                <a:solidFill>
+                  <a:srgbClr val="000000"/>
+                </a:solidFill>
+                <a:miter lim="800000"/>
+                <a:headEnd/>
+                <a:tailEnd/>
+              </a14:hiddenLine>
+            </a:ext>
+          </a:extLst>
+        </p:spPr>
+      </p:pic>
+      <p:sp>
+        <p:nvSpPr>
+          <p:cNvPr id="8" name="TextBox 7"/>
+          <p:cNvSpPr txBox="1">
+            <a:spLocks noChangeArrowheads="1"/>
+          </p:cNvSpPr>
+          <p:nvPr/>
+        </p:nvSpPr>
+        <p:spPr bwMode="auto">
+          <a:xfrm>
+            <a:off x="5580063" y="5445125"/>
+            <a:ext cx="2927350" cy="434975"/>
+          </a:xfrm>
+          <a:prstGeom prst="rect">
+            <a:avLst/>
+          </a:prstGeom>
+          <a:noFill/>
+          <a:ln>
+            <a:noFill/>
+          </a:ln>
+          <a:extLst>
+            <a:ext uri="{909E8E84-426E-40dd-AFC4-6F175D3DCCD1}">
+              <a14:hiddenFill xmlns:a14="http://schemas.microsoft.com/office/drawing/2010/main">
+                <a:solidFill>
+                  <a:srgbClr val="FFFFFF"/>
+                </a:solidFill>
+              </a14:hiddenFill>
+            </a:ext>
+            <a:ext uri="{91240B29-F687-4f45-9708-019B960494DF}">
+              <a14:hiddenLine xmlns:a14="http://schemas.microsoft.com/office/drawing/2010/main" w="9525">
+                <a:solidFill>
+                  <a:srgbClr val="000000"/>
+                </a:solidFill>
+                <a:miter lim="800000"/>
+                <a:headEnd/>
+                <a:tailEnd/>
+              </a14:hiddenLine>
+            </a:ext>
+          </a:extLst>
+        </p:spPr>
+        <p:txBody>
+          <a:bodyPr lIns="65306" tIns="32653" rIns="65306" bIns="32653">
+            <a:spAutoFit/>
+          </a:bodyPr>
+          <a:lstStyle>
+            <a:lvl1pPr defTabSz="455613">
+              <a:defRPr sz="2400">
+                <a:solidFill>
+                  <a:schemeClr val="tx1"/>
+                </a:solidFill>
+                <a:latin typeface="Arial" pitchFamily="34" charset="0"/>
+                <a:ea typeface="ＭＳ Ｐゴシック" pitchFamily="34" charset="-128"/>
+              </a:defRPr>
+            </a:lvl1pPr>
+            <a:lvl2pPr marL="742950" indent="-285750" defTabSz="455613">
+              <a:defRPr sz="2400">
+                <a:solidFill>
+                  <a:schemeClr val="tx1"/>
+                </a:solidFill>
+                <a:latin typeface="Arial" pitchFamily="34" charset="0"/>
+                <a:ea typeface="ＭＳ Ｐゴシック" pitchFamily="34" charset="-128"/>
+              </a:defRPr>
+            </a:lvl2pPr>
+            <a:lvl3pPr marL="1143000" indent="-228600" defTabSz="455613">
+              <a:defRPr sz="2400">
+                <a:solidFill>
+                  <a:schemeClr val="tx1"/>
+                </a:solidFill>
+                <a:latin typeface="Arial" pitchFamily="34" charset="0"/>
+                <a:ea typeface="ＭＳ Ｐゴシック" pitchFamily="34" charset="-128"/>
+              </a:defRPr>
+            </a:lvl3pPr>
+            <a:lvl4pPr marL="1600200" indent="-228600" defTabSz="455613">
+              <a:defRPr sz="2400">
+                <a:solidFill>
+                  <a:schemeClr val="tx1"/>
+                </a:solidFill>
+                <a:latin typeface="Arial" pitchFamily="34" charset="0"/>
+                <a:ea typeface="ＭＳ Ｐゴシック" pitchFamily="34" charset="-128"/>
+              </a:defRPr>
+            </a:lvl4pPr>
+            <a:lvl5pPr marL="2057400" indent="-228600" defTabSz="455613">
+              <a:defRPr sz="2400">
+                <a:solidFill>
+                  <a:schemeClr val="tx1"/>
+                </a:solidFill>
+                <a:latin typeface="Arial" pitchFamily="34" charset="0"/>
+                <a:ea typeface="ＭＳ Ｐゴシック" pitchFamily="34" charset="-128"/>
+              </a:defRPr>
+            </a:lvl5pPr>
+            <a:lvl6pPr marL="2514600" indent="-228600" defTabSz="455613" eaLnBrk="0" fontAlgn="base" hangingPunct="0">
+              <a:spcBef>
+                <a:spcPct val="0"/>
+              </a:spcBef>
+              <a:spcAft>
+                <a:spcPct val="0"/>
+              </a:spcAft>
+              <a:defRPr sz="2400">
+                <a:solidFill>
+                  <a:schemeClr val="tx1"/>
+                </a:solidFill>
+                <a:latin typeface="Arial" pitchFamily="34" charset="0"/>
+                <a:ea typeface="ＭＳ Ｐゴシック" pitchFamily="34" charset="-128"/>
+              </a:defRPr>
+            </a:lvl6pPr>
+            <a:lvl7pPr marL="2971800" indent="-228600" defTabSz="455613" eaLnBrk="0" fontAlgn="base" hangingPunct="0">
+              <a:spcBef>
+                <a:spcPct val="0"/>
+              </a:spcBef>
+              <a:spcAft>
+                <a:spcPct val="0"/>
+              </a:spcAft>
+              <a:defRPr sz="2400">
+                <a:solidFill>
+                  <a:schemeClr val="tx1"/>
+                </a:solidFill>
+                <a:latin typeface="Arial" pitchFamily="34" charset="0"/>
+                <a:ea typeface="ＭＳ Ｐゴシック" pitchFamily="34" charset="-128"/>
+              </a:defRPr>
+            </a:lvl7pPr>
+            <a:lvl8pPr marL="3429000" indent="-228600" defTabSz="455613" eaLnBrk="0" fontAlgn="base" hangingPunct="0">
+              <a:spcBef>
+                <a:spcPct val="0"/>
+              </a:spcBef>
+              <a:spcAft>
+                <a:spcPct val="0"/>
+              </a:spcAft>
+              <a:defRPr sz="2400">
+                <a:solidFill>
+                  <a:schemeClr val="tx1"/>
+                </a:solidFill>
+                <a:latin typeface="Arial" pitchFamily="34" charset="0"/>
+                <a:ea typeface="ＭＳ Ｐゴシック" pitchFamily="34" charset="-128"/>
+              </a:defRPr>
+            </a:lvl8pPr>
+            <a:lvl9pPr marL="3886200" indent="-228600" defTabSz="455613" eaLnBrk="0" fontAlgn="base" hangingPunct="0">
+              <a:spcBef>
+                <a:spcPct val="0"/>
+              </a:spcBef>
+              <a:spcAft>
+                <a:spcPct val="0"/>
+              </a:spcAft>
+              <a:defRPr sz="2400">
+                <a:solidFill>
+                  <a:schemeClr val="tx1"/>
+                </a:solidFill>
+                <a:latin typeface="Arial" pitchFamily="34" charset="0"/>
+                <a:ea typeface="ＭＳ Ｐゴシック" pitchFamily="34" charset="-128"/>
+              </a:defRPr>
+            </a:lvl9pPr>
+          </a:lstStyle>
+          <a:p>
+            <a:pPr algn="r" fontAlgn="auto">
+              <a:spcBef>
+                <a:spcPts val="0"/>
+              </a:spcBef>
+              <a:spcAft>
+                <a:spcPts val="0"/>
+              </a:spcAft>
+              <a:defRPr/>
+            </a:pPr>
+            <a:r>
+              <a:rPr lang="en-US" i="1" dirty="0" err="1" smtClean="0">
+                <a:solidFill>
+                  <a:srgbClr val="003F41"/>
+                </a:solidFill>
+                <a:latin typeface="Corbel" pitchFamily="34" charset="0"/>
+                <a:ea typeface="Geneva" charset="-128"/>
+                <a:cs typeface="+mn-cs"/>
+              </a:rPr>
+              <a:t>www.elixir-europe.org</a:t>
+            </a:r>
+            <a:endParaRPr lang="en-US" i="1" dirty="0" smtClean="0">
+              <a:solidFill>
+                <a:srgbClr val="003F41"/>
+              </a:solidFill>
+              <a:latin typeface="Corbel" pitchFamily="34" charset="0"/>
+              <a:ea typeface="Geneva" charset="-128"/>
+              <a:cs typeface="+mn-cs"/>
+            </a:endParaRPr>
+          </a:p>
+        </p:txBody>
+      </p:sp>
+      <p:sp>
+        <p:nvSpPr>
+          <p:cNvPr id="9" name="TextBox 8"/>
+          <p:cNvSpPr txBox="1">
+            <a:spLocks noChangeArrowheads="1"/>
+          </p:cNvSpPr>
+          <p:nvPr/>
+        </p:nvSpPr>
+        <p:spPr bwMode="auto">
+          <a:xfrm>
+            <a:off x="3203575" y="6237288"/>
+            <a:ext cx="2711450" cy="373062"/>
+          </a:xfrm>
+          <a:prstGeom prst="rect">
+            <a:avLst/>
+          </a:prstGeom>
+          <a:noFill/>
+          <a:ln>
+            <a:noFill/>
+          </a:ln>
+          <a:extLst>
+            <a:ext uri="{909E8E84-426E-40dd-AFC4-6F175D3DCCD1}">
+              <a14:hiddenFill xmlns:a14="http://schemas.microsoft.com/office/drawing/2010/main">
+                <a:solidFill>
+                  <a:srgbClr val="FFFFFF"/>
+                </a:solidFill>
+              </a14:hiddenFill>
+            </a:ext>
+            <a:ext uri="{91240B29-F687-4f45-9708-019B960494DF}">
+              <a14:hiddenLine xmlns:a14="http://schemas.microsoft.com/office/drawing/2010/main" w="9525">
+                <a:solidFill>
+                  <a:srgbClr val="000000"/>
+                </a:solidFill>
+                <a:miter lim="800000"/>
+                <a:headEnd/>
+                <a:tailEnd/>
+              </a14:hiddenLine>
+            </a:ext>
+          </a:extLst>
+        </p:spPr>
+        <p:txBody>
+          <a:bodyPr lIns="65306" tIns="32653" rIns="65306" bIns="32653">
+            <a:spAutoFit/>
+          </a:bodyPr>
+          <a:lstStyle>
+            <a:lvl1pPr defTabSz="455613">
+              <a:defRPr sz="2400">
+                <a:solidFill>
+                  <a:schemeClr val="tx1"/>
+                </a:solidFill>
+                <a:latin typeface="Arial" pitchFamily="34" charset="0"/>
+                <a:ea typeface="ＭＳ Ｐゴシック" pitchFamily="34" charset="-128"/>
+              </a:defRPr>
+            </a:lvl1pPr>
+            <a:lvl2pPr marL="742950" indent="-285750" defTabSz="455613">
+              <a:defRPr sz="2400">
+                <a:solidFill>
+                  <a:schemeClr val="tx1"/>
+                </a:solidFill>
+                <a:latin typeface="Arial" pitchFamily="34" charset="0"/>
+                <a:ea typeface="ＭＳ Ｐゴシック" pitchFamily="34" charset="-128"/>
+              </a:defRPr>
+            </a:lvl2pPr>
+            <a:lvl3pPr marL="1143000" indent="-228600" defTabSz="455613">
+              <a:defRPr sz="2400">
+                <a:solidFill>
+                  <a:schemeClr val="tx1"/>
+                </a:solidFill>
+                <a:latin typeface="Arial" pitchFamily="34" charset="0"/>
+                <a:ea typeface="ＭＳ Ｐゴシック" pitchFamily="34" charset="-128"/>
+              </a:defRPr>
+            </a:lvl3pPr>
+            <a:lvl4pPr marL="1600200" indent="-228600" defTabSz="455613">
+              <a:defRPr sz="2400">
+                <a:solidFill>
+                  <a:schemeClr val="tx1"/>
+                </a:solidFill>
+                <a:latin typeface="Arial" pitchFamily="34" charset="0"/>
+                <a:ea typeface="ＭＳ Ｐゴシック" pitchFamily="34" charset="-128"/>
+              </a:defRPr>
+            </a:lvl4pPr>
+            <a:lvl5pPr marL="2057400" indent="-228600" defTabSz="455613">
+              <a:defRPr sz="2400">
+                <a:solidFill>
+                  <a:schemeClr val="tx1"/>
+                </a:solidFill>
+                <a:latin typeface="Arial" pitchFamily="34" charset="0"/>
+                <a:ea typeface="ＭＳ Ｐゴシック" pitchFamily="34" charset="-128"/>
+              </a:defRPr>
+            </a:lvl5pPr>
+            <a:lvl6pPr marL="2514600" indent="-228600" defTabSz="455613" eaLnBrk="0" fontAlgn="base" hangingPunct="0">
+              <a:spcBef>
+                <a:spcPct val="0"/>
+              </a:spcBef>
+              <a:spcAft>
+                <a:spcPct val="0"/>
+              </a:spcAft>
+              <a:defRPr sz="2400">
+                <a:solidFill>
+                  <a:schemeClr val="tx1"/>
+                </a:solidFill>
+                <a:latin typeface="Arial" pitchFamily="34" charset="0"/>
+                <a:ea typeface="ＭＳ Ｐゴシック" pitchFamily="34" charset="-128"/>
+              </a:defRPr>
+            </a:lvl6pPr>
+            <a:lvl7pPr marL="2971800" indent="-228600" defTabSz="455613" eaLnBrk="0" fontAlgn="base" hangingPunct="0">
+              <a:spcBef>
+                <a:spcPct val="0"/>
+              </a:spcBef>
+              <a:spcAft>
+                <a:spcPct val="0"/>
+              </a:spcAft>
+              <a:defRPr sz="2400">
+                <a:solidFill>
+                  <a:schemeClr val="tx1"/>
+                </a:solidFill>
+                <a:latin typeface="Arial" pitchFamily="34" charset="0"/>
+                <a:ea typeface="ＭＳ Ｐゴシック" pitchFamily="34" charset="-128"/>
+              </a:defRPr>
+            </a:lvl7pPr>
+            <a:lvl8pPr marL="3429000" indent="-228600" defTabSz="455613" eaLnBrk="0" fontAlgn="base" hangingPunct="0">
+              <a:spcBef>
+                <a:spcPct val="0"/>
+              </a:spcBef>
+              <a:spcAft>
+                <a:spcPct val="0"/>
+              </a:spcAft>
+              <a:defRPr sz="2400">
+                <a:solidFill>
+                  <a:schemeClr val="tx1"/>
+                </a:solidFill>
+                <a:latin typeface="Arial" pitchFamily="34" charset="0"/>
+                <a:ea typeface="ＭＳ Ｐゴシック" pitchFamily="34" charset="-128"/>
+              </a:defRPr>
+            </a:lvl8pPr>
+            <a:lvl9pPr marL="3886200" indent="-228600" defTabSz="455613" eaLnBrk="0" fontAlgn="base" hangingPunct="0">
+              <a:spcBef>
+                <a:spcPct val="0"/>
+              </a:spcBef>
+              <a:spcAft>
+                <a:spcPct val="0"/>
+              </a:spcAft>
+              <a:defRPr sz="2400">
+                <a:solidFill>
+                  <a:schemeClr val="tx1"/>
+                </a:solidFill>
+                <a:latin typeface="Arial" pitchFamily="34" charset="0"/>
+                <a:ea typeface="ＭＳ Ｐゴシック" pitchFamily="34" charset="-128"/>
+              </a:defRPr>
+            </a:lvl9pPr>
+          </a:lstStyle>
+          <a:p>
+            <a:pPr fontAlgn="auto">
+              <a:spcBef>
+                <a:spcPts val="0"/>
+              </a:spcBef>
+              <a:spcAft>
+                <a:spcPts val="0"/>
+              </a:spcAft>
+              <a:defRPr/>
+            </a:pPr>
+            <a:r>
+              <a:rPr lang="en-US" sz="2000" i="1" dirty="0" smtClean="0">
+                <a:solidFill>
+                  <a:srgbClr val="003F41"/>
+                </a:solidFill>
+                <a:latin typeface="Corbel" pitchFamily="34" charset="0"/>
+                <a:ea typeface="Geneva" charset="-128"/>
+                <a:cs typeface="+mn-cs"/>
+              </a:rPr>
+              <a:t>@</a:t>
+            </a:r>
+            <a:r>
+              <a:rPr lang="en-US" sz="2000" i="1" dirty="0" err="1" smtClean="0">
+                <a:solidFill>
+                  <a:srgbClr val="003F41"/>
+                </a:solidFill>
+                <a:latin typeface="Corbel" pitchFamily="34" charset="0"/>
+                <a:ea typeface="Geneva" charset="-128"/>
+                <a:cs typeface="+mn-cs"/>
+              </a:rPr>
+              <a:t>ELIXIREurope</a:t>
+            </a:r>
+            <a:endParaRPr lang="en-US" sz="2000" i="1" dirty="0" smtClean="0">
+              <a:solidFill>
+                <a:srgbClr val="003F41"/>
+              </a:solidFill>
+              <a:latin typeface="Corbel" pitchFamily="34" charset="0"/>
+              <a:ea typeface="Geneva" charset="-128"/>
+              <a:cs typeface="+mn-cs"/>
+            </a:endParaRPr>
+          </a:p>
+        </p:txBody>
+      </p:sp>
+      <p:pic>
+        <p:nvPicPr>
+          <p:cNvPr id="10" name="Picture 8"/>
+          <p:cNvPicPr>
+            <a:picLocks noChangeAspect="1"/>
+          </p:cNvPicPr>
+          <p:nvPr/>
+        </p:nvPicPr>
+        <p:blipFill>
+          <a:blip r:embed="rId5">
+            <a:extLst>
+              <a:ext uri="{28A0092B-C50C-407E-A947-70E740481C1C}">
+                <a14:useLocalDpi xmlns:a14="http://schemas.microsoft.com/office/drawing/2010/main" val="0"/>
+              </a:ext>
+            </a:extLst>
+          </a:blip>
+          <a:srcRect/>
+          <a:stretch>
+            <a:fillRect/>
+          </a:stretch>
+        </p:blipFill>
+        <p:spPr bwMode="auto">
+          <a:xfrm>
+            <a:off x="5651500" y="6237288"/>
+            <a:ext cx="414338" cy="414337"/>
+          </a:xfrm>
+          <a:prstGeom prst="rect">
+            <a:avLst/>
+          </a:prstGeom>
+          <a:noFill/>
+          <a:ln>
+            <a:noFill/>
+          </a:ln>
+          <a:extLst>
+            <a:ext uri="{909E8E84-426E-40dd-AFC4-6F175D3DCCD1}">
+              <a14:hiddenFill xmlns:a14="http://schemas.microsoft.com/office/drawing/2010/main">
+                <a:solidFill>
+                  <a:srgbClr val="FFFFFF"/>
+                </a:solidFill>
+              </a14:hiddenFill>
+            </a:ext>
+            <a:ext uri="{91240B29-F687-4f45-9708-019B960494DF}">
+              <a14:hiddenLine xmlns:a14="http://schemas.microsoft.com/office/drawing/2010/main" w="9525">
+                <a:solidFill>
+                  <a:srgbClr val="000000"/>
+                </a:solidFill>
+                <a:miter lim="800000"/>
+                <a:headEnd/>
+                <a:tailEnd/>
+              </a14:hiddenLine>
+            </a:ext>
+          </a:extLst>
+        </p:spPr>
+      </p:pic>
+      <p:sp>
+        <p:nvSpPr>
+          <p:cNvPr id="11" name="TextBox 10"/>
+          <p:cNvSpPr txBox="1">
+            <a:spLocks noChangeArrowheads="1"/>
+          </p:cNvSpPr>
+          <p:nvPr/>
+        </p:nvSpPr>
+        <p:spPr bwMode="auto">
+          <a:xfrm>
+            <a:off x="6056313" y="6237288"/>
+            <a:ext cx="3087687" cy="373062"/>
+          </a:xfrm>
+          <a:prstGeom prst="rect">
+            <a:avLst/>
+          </a:prstGeom>
+          <a:noFill/>
+          <a:ln>
+            <a:noFill/>
+          </a:ln>
+          <a:extLst>
+            <a:ext uri="{909E8E84-426E-40dd-AFC4-6F175D3DCCD1}">
+              <a14:hiddenFill xmlns:a14="http://schemas.microsoft.com/office/drawing/2010/main">
+                <a:solidFill>
+                  <a:srgbClr val="FFFFFF"/>
+                </a:solidFill>
+              </a14:hiddenFill>
+            </a:ext>
+            <a:ext uri="{91240B29-F687-4f45-9708-019B960494DF}">
+              <a14:hiddenLine xmlns:a14="http://schemas.microsoft.com/office/drawing/2010/main" w="9525">
+                <a:solidFill>
+                  <a:srgbClr val="000000"/>
+                </a:solidFill>
+                <a:miter lim="800000"/>
+                <a:headEnd/>
+                <a:tailEnd/>
+              </a14:hiddenLine>
+            </a:ext>
+          </a:extLst>
+        </p:spPr>
+        <p:txBody>
+          <a:bodyPr lIns="65306" tIns="32653" rIns="65306" bIns="32653">
+            <a:spAutoFit/>
+          </a:bodyPr>
+          <a:lstStyle>
+            <a:lvl1pPr defTabSz="455613">
+              <a:defRPr sz="2400">
+                <a:solidFill>
+                  <a:schemeClr val="tx1"/>
+                </a:solidFill>
+                <a:latin typeface="Arial" pitchFamily="34" charset="0"/>
+                <a:ea typeface="ＭＳ Ｐゴシック" pitchFamily="34" charset="-128"/>
+              </a:defRPr>
+            </a:lvl1pPr>
+            <a:lvl2pPr marL="742950" indent="-285750" defTabSz="455613">
+              <a:defRPr sz="2400">
+                <a:solidFill>
+                  <a:schemeClr val="tx1"/>
+                </a:solidFill>
+                <a:latin typeface="Arial" pitchFamily="34" charset="0"/>
+                <a:ea typeface="ＭＳ Ｐゴシック" pitchFamily="34" charset="-128"/>
+              </a:defRPr>
+            </a:lvl2pPr>
+            <a:lvl3pPr marL="1143000" indent="-228600" defTabSz="455613">
+              <a:defRPr sz="2400">
+                <a:solidFill>
+                  <a:schemeClr val="tx1"/>
+                </a:solidFill>
+                <a:latin typeface="Arial" pitchFamily="34" charset="0"/>
+                <a:ea typeface="ＭＳ Ｐゴシック" pitchFamily="34" charset="-128"/>
+              </a:defRPr>
+            </a:lvl3pPr>
+            <a:lvl4pPr marL="1600200" indent="-228600" defTabSz="455613">
+              <a:defRPr sz="2400">
+                <a:solidFill>
+                  <a:schemeClr val="tx1"/>
+                </a:solidFill>
+                <a:latin typeface="Arial" pitchFamily="34" charset="0"/>
+                <a:ea typeface="ＭＳ Ｐゴシック" pitchFamily="34" charset="-128"/>
+              </a:defRPr>
+            </a:lvl4pPr>
+            <a:lvl5pPr marL="2057400" indent="-228600" defTabSz="455613">
+              <a:defRPr sz="2400">
+                <a:solidFill>
+                  <a:schemeClr val="tx1"/>
+                </a:solidFill>
+                <a:latin typeface="Arial" pitchFamily="34" charset="0"/>
+                <a:ea typeface="ＭＳ Ｐゴシック" pitchFamily="34" charset="-128"/>
+              </a:defRPr>
+            </a:lvl5pPr>
+            <a:lvl6pPr marL="2514600" indent="-228600" defTabSz="455613" eaLnBrk="0" fontAlgn="base" hangingPunct="0">
+              <a:spcBef>
+                <a:spcPct val="0"/>
+              </a:spcBef>
+              <a:spcAft>
+                <a:spcPct val="0"/>
+              </a:spcAft>
+              <a:defRPr sz="2400">
+                <a:solidFill>
+                  <a:schemeClr val="tx1"/>
+                </a:solidFill>
+                <a:latin typeface="Arial" pitchFamily="34" charset="0"/>
+                <a:ea typeface="ＭＳ Ｐゴシック" pitchFamily="34" charset="-128"/>
+              </a:defRPr>
+            </a:lvl6pPr>
+            <a:lvl7pPr marL="2971800" indent="-228600" defTabSz="455613" eaLnBrk="0" fontAlgn="base" hangingPunct="0">
+              <a:spcBef>
+                <a:spcPct val="0"/>
+              </a:spcBef>
+              <a:spcAft>
+                <a:spcPct val="0"/>
+              </a:spcAft>
+              <a:defRPr sz="2400">
+                <a:solidFill>
+                  <a:schemeClr val="tx1"/>
+                </a:solidFill>
+                <a:latin typeface="Arial" pitchFamily="34" charset="0"/>
+                <a:ea typeface="ＭＳ Ｐゴシック" pitchFamily="34" charset="-128"/>
+              </a:defRPr>
+            </a:lvl7pPr>
+            <a:lvl8pPr marL="3429000" indent="-228600" defTabSz="455613" eaLnBrk="0" fontAlgn="base" hangingPunct="0">
+              <a:spcBef>
+                <a:spcPct val="0"/>
+              </a:spcBef>
+              <a:spcAft>
+                <a:spcPct val="0"/>
+              </a:spcAft>
+              <a:defRPr sz="2400">
+                <a:solidFill>
+                  <a:schemeClr val="tx1"/>
+                </a:solidFill>
+                <a:latin typeface="Arial" pitchFamily="34" charset="0"/>
+                <a:ea typeface="ＭＳ Ｐゴシック" pitchFamily="34" charset="-128"/>
+              </a:defRPr>
+            </a:lvl8pPr>
+            <a:lvl9pPr marL="3886200" indent="-228600" defTabSz="455613" eaLnBrk="0" fontAlgn="base" hangingPunct="0">
+              <a:spcBef>
+                <a:spcPct val="0"/>
+              </a:spcBef>
+              <a:spcAft>
+                <a:spcPct val="0"/>
+              </a:spcAft>
+              <a:defRPr sz="2400">
+                <a:solidFill>
+                  <a:schemeClr val="tx1"/>
+                </a:solidFill>
+                <a:latin typeface="Arial" pitchFamily="34" charset="0"/>
+                <a:ea typeface="ＭＳ Ｐゴシック" pitchFamily="34" charset="-128"/>
+              </a:defRPr>
+            </a:lvl9pPr>
+          </a:lstStyle>
+          <a:p>
+            <a:pPr fontAlgn="auto">
+              <a:spcBef>
+                <a:spcPts val="0"/>
+              </a:spcBef>
+              <a:spcAft>
+                <a:spcPts val="0"/>
+              </a:spcAft>
+              <a:defRPr/>
+            </a:pPr>
+            <a:r>
+              <a:rPr lang="en-US" sz="2000" i="1" dirty="0" smtClean="0">
+                <a:solidFill>
+                  <a:srgbClr val="003F41"/>
+                </a:solidFill>
+                <a:latin typeface="Corbel" pitchFamily="34" charset="0"/>
+                <a:ea typeface="Geneva" charset="-128"/>
+                <a:cs typeface="+mn-cs"/>
+              </a:rPr>
+              <a:t>/company/elixir-</a:t>
+            </a:r>
+            <a:r>
+              <a:rPr lang="en-US" sz="2000" i="1" dirty="0" err="1" smtClean="0">
+                <a:solidFill>
+                  <a:srgbClr val="003F41"/>
+                </a:solidFill>
+                <a:latin typeface="Corbel" pitchFamily="34" charset="0"/>
+                <a:ea typeface="Geneva" charset="-128"/>
+                <a:cs typeface="+mn-cs"/>
+              </a:rPr>
+              <a:t>europe</a:t>
+            </a:r>
+            <a:endParaRPr lang="en-US" sz="2000" i="1" dirty="0" smtClean="0">
+              <a:solidFill>
+                <a:srgbClr val="003F41"/>
+              </a:solidFill>
+              <a:latin typeface="Corbel" pitchFamily="34" charset="0"/>
+              <a:ea typeface="Geneva" charset="-128"/>
+              <a:cs typeface="+mn-cs"/>
+            </a:endParaRPr>
+          </a:p>
+        </p:txBody>
+      </p:sp>
+      <p:sp>
+        <p:nvSpPr>
+          <p:cNvPr id="17" name="Title 1"/>
+          <p:cNvSpPr>
+            <a:spLocks noGrp="1"/>
+          </p:cNvSpPr>
+          <p:nvPr>
+            <p:ph type="ctrTitle"/>
+          </p:nvPr>
+        </p:nvSpPr>
+        <p:spPr>
+          <a:xfrm>
+            <a:off x="683568" y="3645024"/>
+            <a:ext cx="7772400" cy="1225021"/>
+          </a:xfrm>
+        </p:spPr>
+        <p:txBody>
+          <a:bodyPr>
+            <a:normAutofit/>
+          </a:bodyPr>
+          <a:lstStyle>
+            <a:lvl1pPr algn="r">
+              <a:defRPr sz="4000" b="1">
+                <a:solidFill>
+                  <a:schemeClr val="tx2">
+                    <a:lumMod val="50000"/>
+                  </a:schemeClr>
+                </a:solidFill>
+                <a:latin typeface="Corbel"/>
+                <a:cs typeface="Corbel"/>
+              </a:defRPr>
+            </a:lvl1pPr>
+          </a:lstStyle>
+          <a:p>
+            <a:r>
+              <a:rPr lang="x-none" smtClean="0"/>
+              <a:t>Click to edit Master title style</a:t>
+            </a:r>
+            <a:endParaRPr lang="en-US" dirty="0"/>
+          </a:p>
+        </p:txBody>
+      </p:sp>
+      <p:sp>
+        <p:nvSpPr>
+          <p:cNvPr id="5" name="Text Placeholder 11"/>
+          <p:cNvSpPr>
+            <a:spLocks noGrp="1"/>
+          </p:cNvSpPr>
+          <p:nvPr>
+            <p:ph type="body" sz="quarter" idx="11"/>
+          </p:nvPr>
+        </p:nvSpPr>
+        <p:spPr>
+          <a:xfrm>
+            <a:off x="5076056" y="4869160"/>
+            <a:ext cx="3384550" cy="360040"/>
+          </a:xfrm>
+        </p:spPr>
+        <p:txBody>
+          <a:bodyPr/>
+          <a:lstStyle>
+            <a:lvl1pPr marL="0" indent="0" algn="r">
+              <a:buFontTx/>
+              <a:buNone/>
+              <a:defRPr sz="1800" baseline="0">
+                <a:solidFill>
+                  <a:schemeClr val="tx2"/>
+                </a:solidFill>
+              </a:defRPr>
+            </a:lvl1pPr>
+          </a:lstStyle>
+          <a:p>
+            <a:pPr lvl="0"/>
+            <a:r>
+              <a:rPr lang="x-none" smtClean="0"/>
+              <a:t>Click to edit Master text styles</a:t>
+            </a:r>
+          </a:p>
+        </p:txBody>
+      </p:sp>
+    </p:spTree>
+    <p:extLst>
+      <p:ext uri="{BB962C8B-B14F-4D97-AF65-F5344CB8AC3E}">
+        <p14:creationId xmlns:p14="http://schemas.microsoft.com/office/powerpoint/2010/main" val="3761848353"/>
+      </p:ext>
+    </p:extLst>
+  </p:cSld>
+  <p:clrMapOvr>
+    <a:masterClrMapping/>
+  </p:clrMapOvr>
+  <p:hf hdr="0" ftr="0"/>
+</p:sldLayout>
+</file>
+
+<file path=ppt/slideLayouts/slideLayout5.xml><?xml version="1.0" encoding="utf-8"?>
 <p:sldLayout xmlns:a="http://schemas.openxmlformats.org/drawingml/2006/main" xmlns:r="http://schemas.openxmlformats.org/officeDocument/2006/relationships" xmlns:p="http://schemas.openxmlformats.org/presentationml/2006/main" type="obj" preserve="1">
   <p:cSld name="Title and Content">
     <p:spTree>
@@ -1980,6 +2618,60 @@
           <a:chExt cx="0" cy="0"/>
         </a:xfrm>
       </p:grpSpPr>
+      <p:pic>
+        <p:nvPicPr>
+          <p:cNvPr id="4" name="Picture 1" descr="ELIXIR_logo.jpg"/>
+          <p:cNvPicPr>
+            <a:picLocks noChangeAspect="1"/>
+          </p:cNvPicPr>
+          <p:nvPr/>
+        </p:nvPicPr>
+        <p:blipFill>
+          <a:blip r:embed="rId2">
+            <a:extLst>
+              <a:ext uri="{28A0092B-C50C-407E-A947-70E740481C1C}">
+                <a14:useLocalDpi xmlns:a14="http://schemas.microsoft.com/office/drawing/2010/main" val="0"/>
+              </a:ext>
+            </a:extLst>
+          </a:blip>
+          <a:srcRect/>
+          <a:stretch>
+            <a:fillRect/>
+          </a:stretch>
+        </p:blipFill>
+        <p:spPr bwMode="auto">
+          <a:xfrm>
+            <a:off x="7885113" y="5949950"/>
+            <a:ext cx="990600" cy="746125"/>
+          </a:xfrm>
+          <a:prstGeom prst="rect">
+            <a:avLst/>
+          </a:prstGeom>
+          <a:noFill/>
+          <a:ln>
+            <a:noFill/>
+          </a:ln>
+          <a:extLst>
+            <a:ext uri="{909E8E84-426E-40dd-AFC4-6F175D3DCCD1}">
+              <a14:hiddenFill xmlns:a14="http://schemas.microsoft.com/office/drawing/2010/main">
+                <a:solidFill>
+                  <a:srgbClr val="FFFFFF"/>
+                </a:solidFill>
+              </a14:hiddenFill>
+            </a:ext>
+            <a:ext uri="{91240B29-F687-4f45-9708-019B960494DF}">
+              <a14:hiddenLine xmlns:a14="http://schemas.microsoft.com/office/drawing/2010/main" w="9525">
+                <a:solidFill>
+                  <a:srgbClr val="000000"/>
+                </a:solidFill>
+                <a:miter lim="800000"/>
+                <a:headEnd/>
+                <a:tailEnd/>
+              </a14:hiddenLine>
+            </a:ext>
+          </a:extLst>
+        </p:spPr>
+      </p:pic>
       <p:sp>
         <p:nvSpPr>
           <p:cNvPr id="2" name="Title 1"/>
@@ -1990,16 +2682,21 @@
             <p:ph type="title"/>
           </p:nvPr>
         </p:nvSpPr>
-        <p:spPr/>
+        <p:spPr>
+          <a:xfrm>
+            <a:off x="539552" y="332656"/>
+            <a:ext cx="8153400" cy="648072"/>
+          </a:xfrm>
+        </p:spPr>
         <p:txBody>
           <a:bodyPr/>
           <a:lstStyle/>
           <a:p>
             <a:r>
-              <a:rPr lang="en-US" smtClean="0"/>
+              <a:rPr lang="x-none" smtClean="0"/>
               <a:t>Click to edit Master title style</a:t>
             </a:r>
-            <a:endParaRPr lang="en-GB" dirty="0"/>
+            <a:endParaRPr lang="de-DE" dirty="0"/>
           </a:p>
         </p:txBody>
       </p:sp>
@@ -2016,77 +2713,61 @@
         <p:spPr/>
         <p:txBody>
           <a:bodyPr/>
-          <a:lstStyle>
-            <a:lvl2pPr>
-              <a:buClr>
-                <a:schemeClr val="accent1"/>
-              </a:buClr>
-              <a:defRPr/>
-            </a:lvl2pPr>
-            <a:lvl3pPr>
-              <a:buClr>
-                <a:schemeClr val="accent1"/>
-              </a:buClr>
-              <a:defRPr/>
-            </a:lvl3pPr>
-          </a:lstStyle>
+          <a:lstStyle/>
           <a:p>
             <a:pPr lvl="0"/>
             <a:r>
-              <a:rPr lang="en-US" smtClean="0"/>
+              <a:rPr lang="x-none" smtClean="0"/>
               <a:t>Click to edit Master text styles</a:t>
             </a:r>
           </a:p>
           <a:p>
             <a:pPr lvl="1"/>
             <a:r>
-              <a:rPr lang="en-US" smtClean="0"/>
+              <a:rPr lang="x-none" smtClean="0"/>
               <a:t>Second level</a:t>
             </a:r>
           </a:p>
           <a:p>
             <a:pPr lvl="2"/>
             <a:r>
-              <a:rPr lang="en-US" smtClean="0"/>
+              <a:rPr lang="x-none" smtClean="0"/>
               <a:t>Third level</a:t>
             </a:r>
           </a:p>
           <a:p>
             <a:pPr lvl="3"/>
             <a:r>
-              <a:rPr lang="en-US" smtClean="0"/>
+              <a:rPr lang="x-none" smtClean="0"/>
               <a:t>Fourth level</a:t>
             </a:r>
           </a:p>
           <a:p>
             <a:pPr lvl="4"/>
             <a:r>
-              <a:rPr lang="en-US" smtClean="0"/>
+              <a:rPr lang="x-none" smtClean="0"/>
               <a:t>Fifth level</a:t>
             </a:r>
-            <a:endParaRPr lang="en-GB" dirty="0"/>
+            <a:endParaRPr lang="de-DE" dirty="0"/>
           </a:p>
         </p:txBody>
       </p:sp>
     </p:spTree>
     <p:extLst>
       <p:ext uri="{BB962C8B-B14F-4D97-AF65-F5344CB8AC3E}">
-        <p14:creationId xmlns:p14="http://schemas.microsoft.com/office/powerpoint/2010/main" val="514755046"/>
+        <p14:creationId xmlns:p14="http://schemas.microsoft.com/office/powerpoint/2010/main" val="2146599169"/>
       </p:ext>
     </p:extLst>
   </p:cSld>
   <p:clrMapOvr>
     <a:masterClrMapping/>
   </p:clrMapOvr>
-  <p:transition>
-    <p:cut/>
-  </p:transition>
 </p:sldLayout>
 </file>
 
-<file path=ppt/slideLayouts/slideLayout8.xml><?xml version="1.0" encoding="utf-8"?>
-<p:sldLayout xmlns:a="http://schemas.openxmlformats.org/drawingml/2006/main" xmlns:r="http://schemas.openxmlformats.org/officeDocument/2006/relationships" xmlns:p="http://schemas.openxmlformats.org/presentationml/2006/main" preserve="1" userDrawn="1">
-  <p:cSld name="1_Title and Content">
+<file path=ppt/slideLayouts/slideLayout6.xml><?xml version="1.0" encoding="utf-8"?>
+<p:sldLayout xmlns:a="http://schemas.openxmlformats.org/drawingml/2006/main" xmlns:r="http://schemas.openxmlformats.org/officeDocument/2006/relationships" xmlns:p="http://schemas.openxmlformats.org/presentationml/2006/main" preserve="1">
+  <p:cSld name="EXCELERATE slide content">
     <p:spTree>
       <p:nvGrpSpPr>
         <p:cNvPr id="1" name=""/>
@@ -2101,6 +2782,114 @@
           <a:chExt cx="0" cy="0"/>
         </a:xfrm>
       </p:grpSpPr>
+      <p:pic>
+        <p:nvPicPr>
+          <p:cNvPr id="4" name="Picture 5" descr="Excelerate_whitebackground.png"/>
+          <p:cNvPicPr>
+            <a:picLocks noChangeAspect="1"/>
+          </p:cNvPicPr>
+          <p:nvPr/>
+        </p:nvPicPr>
+        <p:blipFill>
+          <a:blip r:embed="rId2">
+            <a:extLst>
+              <a:ext uri="{28A0092B-C50C-407E-A947-70E740481C1C}">
+                <a14:useLocalDpi xmlns:a14="http://schemas.microsoft.com/office/drawing/2010/main" val="0"/>
+              </a:ext>
+            </a:extLst>
+          </a:blip>
+          <a:srcRect/>
+          <a:stretch>
+            <a:fillRect/>
+          </a:stretch>
+        </p:blipFill>
+        <p:spPr bwMode="auto">
+          <a:xfrm>
+            <a:off x="5867400" y="5949950"/>
+            <a:ext cx="1597025" cy="628650"/>
+          </a:xfrm>
+          <a:prstGeom prst="rect">
+            <a:avLst/>
+          </a:prstGeom>
+          <a:noFill/>
+          <a:ln>
+            <a:noFill/>
+          </a:ln>
+          <a:extLst>
+            <a:ext uri="{909E8E84-426E-40dd-AFC4-6F175D3DCCD1}">
+              <a14:hiddenFill xmlns:a14="http://schemas.microsoft.com/office/drawing/2010/main">
+                <a:solidFill>
+                  <a:srgbClr val="FFFFFF"/>
+                </a:solidFill>
+              </a14:hiddenFill>
+            </a:ext>
+            <a:ext uri="{91240B29-F687-4f45-9708-019B960494DF}">
+              <a14:hiddenLine xmlns:a14="http://schemas.microsoft.com/office/drawing/2010/main" w="9525">
+                <a:solidFill>
+                  <a:srgbClr val="000000"/>
+                </a:solidFill>
+                <a:miter lim="800000"/>
+                <a:headEnd/>
+                <a:tailEnd/>
+              </a14:hiddenLine>
+            </a:ext>
+          </a:extLst>
+        </p:spPr>
+      </p:pic>
+      <p:pic>
+        <p:nvPicPr>
+          <p:cNvPr id="6" name="Picture 6"/>
+          <p:cNvPicPr>
+            <a:picLocks noChangeAspect="1"/>
+          </p:cNvPicPr>
+          <p:nvPr/>
+        </p:nvPicPr>
+        <p:blipFill>
+          <a:blip r:embed="rId3">
+            <a:extLst>
+              <a:ext uri="{28A0092B-C50C-407E-A947-70E740481C1C}">
+                <a14:useLocalDpi xmlns:a14="http://schemas.microsoft.com/office/drawing/2010/main" val="0"/>
+              </a:ext>
+            </a:extLst>
+          </a:blip>
+          <a:srcRect/>
+          <a:stretch>
+            <a:fillRect/>
+          </a:stretch>
+        </p:blipFill>
+        <p:spPr bwMode="auto">
+          <a:xfrm>
+            <a:off x="7740650" y="5949950"/>
+            <a:ext cx="1001713" cy="681038"/>
+          </a:xfrm>
+          <a:prstGeom prst="rect">
+            <a:avLst/>
+          </a:prstGeom>
+          <a:noFill/>
+          <a:ln>
+            <a:noFill/>
+          </a:ln>
+          <a:extLst>
+            <a:ext uri="{909E8E84-426E-40dd-AFC4-6F175D3DCCD1}">
+              <a14:hiddenFill xmlns:a14="http://schemas.microsoft.com/office/drawing/2010/main">
+                <a:solidFill>
+                  <a:srgbClr val="FFFFFF"/>
+                </a:solidFill>
+              </a14:hiddenFill>
+            </a:ext>
+            <a:ext uri="{91240B29-F687-4f45-9708-019B960494DF}">
+              <a14:hiddenLine xmlns:a14="http://schemas.microsoft.com/office/drawing/2010/main" w="9525">
+                <a:solidFill>
+                  <a:srgbClr val="000000"/>
+                </a:solidFill>
+                <a:miter lim="800000"/>
+                <a:headEnd/>
+                <a:tailEnd/>
+              </a14:hiddenLine>
+            </a:ext>
+          </a:extLst>
+        </p:spPr>
+      </p:pic>
       <p:sp>
         <p:nvSpPr>
           <p:cNvPr id="2" name="Title 1"/>
@@ -2117,16 +2906,16 @@
           <a:lstStyle/>
           <a:p>
             <a:r>
-              <a:rPr lang="en-US" smtClean="0"/>
+              <a:rPr lang="x-none" smtClean="0"/>
               <a:t>Click to edit Master title style</a:t>
             </a:r>
-            <a:endParaRPr lang="en-GB" dirty="0"/>
-          </a:p>
-        </p:txBody>
-      </p:sp>
-      <p:sp>
-        <p:nvSpPr>
-          <p:cNvPr id="3" name="Content Placeholder 2"/>
+            <a:endParaRPr lang="en-US" dirty="0"/>
+          </a:p>
+        </p:txBody>
+      </p:sp>
+      <p:sp>
+        <p:nvSpPr>
+          <p:cNvPr id="5" name="Content Placeholder 2"/>
           <p:cNvSpPr>
             <a:spLocks noGrp="1"/>
           </p:cNvSpPr>
@@ -2136,189 +2925,68 @@
         </p:nvSpPr>
         <p:spPr>
           <a:xfrm>
-            <a:off x="533400" y="1219200"/>
-            <a:ext cx="3898900" cy="4351338"/>
+            <a:off x="533400" y="1525588"/>
+            <a:ext cx="8153400" cy="4351337"/>
           </a:xfrm>
         </p:spPr>
         <p:txBody>
           <a:bodyPr/>
-          <a:lstStyle>
-            <a:lvl1pPr>
-              <a:buClr>
-                <a:schemeClr val="accent1"/>
-              </a:buClr>
-              <a:defRPr/>
-            </a:lvl1pPr>
-            <a:lvl2pPr>
-              <a:buClr>
-                <a:schemeClr val="accent1"/>
-              </a:buClr>
-              <a:defRPr/>
-            </a:lvl2pPr>
-            <a:lvl3pPr>
-              <a:buClr>
-                <a:schemeClr val="accent1"/>
-              </a:buClr>
-              <a:defRPr/>
-            </a:lvl3pPr>
-            <a:lvl4pPr>
-              <a:buClr>
-                <a:schemeClr val="accent1"/>
-              </a:buClr>
-              <a:defRPr/>
-            </a:lvl4pPr>
-            <a:lvl5pPr>
-              <a:buClr>
-                <a:schemeClr val="accent1"/>
-              </a:buClr>
-              <a:defRPr/>
-            </a:lvl5pPr>
-          </a:lstStyle>
+          <a:lstStyle/>
           <a:p>
             <a:pPr lvl="0"/>
             <a:r>
-              <a:rPr lang="en-US" smtClean="0"/>
+              <a:rPr lang="x-none" smtClean="0"/>
               <a:t>Click to edit Master text styles</a:t>
             </a:r>
           </a:p>
           <a:p>
             <a:pPr lvl="1"/>
             <a:r>
-              <a:rPr lang="en-US" smtClean="0"/>
+              <a:rPr lang="x-none" smtClean="0"/>
               <a:t>Second level</a:t>
             </a:r>
           </a:p>
           <a:p>
             <a:pPr lvl="2"/>
             <a:r>
-              <a:rPr lang="en-US" smtClean="0"/>
+              <a:rPr lang="x-none" smtClean="0"/>
               <a:t>Third level</a:t>
             </a:r>
           </a:p>
           <a:p>
             <a:pPr lvl="3"/>
             <a:r>
-              <a:rPr lang="en-US" smtClean="0"/>
+              <a:rPr lang="x-none" smtClean="0"/>
               <a:t>Fourth level</a:t>
             </a:r>
           </a:p>
           <a:p>
             <a:pPr lvl="4"/>
             <a:r>
-              <a:rPr lang="en-US" smtClean="0"/>
+              <a:rPr lang="x-none" smtClean="0"/>
               <a:t>Fifth level</a:t>
             </a:r>
-            <a:endParaRPr lang="en-GB" dirty="0"/>
-          </a:p>
-        </p:txBody>
-      </p:sp>
-      <p:sp>
-        <p:nvSpPr>
-          <p:cNvPr id="5" name="Text Placeholder 4"/>
-          <p:cNvSpPr>
-            <a:spLocks noGrp="1"/>
-          </p:cNvSpPr>
-          <p:nvPr>
-            <p:ph type="body" sz="quarter" idx="10"/>
-          </p:nvPr>
-        </p:nvSpPr>
-        <p:spPr>
-          <a:xfrm>
-            <a:off x="4686300" y="1219200"/>
-            <a:ext cx="4000500" cy="4351338"/>
-          </a:xfrm>
-        </p:spPr>
-        <p:txBody>
-          <a:bodyPr/>
-          <a:lstStyle>
-            <a:lvl1pPr>
-              <a:buClr>
-                <a:schemeClr val="accent1"/>
-              </a:buClr>
-              <a:defRPr/>
-            </a:lvl1pPr>
-            <a:lvl2pPr>
-              <a:buClr>
-                <a:schemeClr val="accent1"/>
-              </a:buClr>
-              <a:defRPr/>
-            </a:lvl2pPr>
-            <a:lvl3pPr>
-              <a:buClr>
-                <a:schemeClr val="accent1"/>
-              </a:buClr>
-              <a:defRPr/>
-            </a:lvl3pPr>
-            <a:lvl4pPr>
-              <a:buClr>
-                <a:schemeClr val="accent1"/>
-              </a:buClr>
-              <a:defRPr/>
-            </a:lvl4pPr>
-            <a:lvl5pPr>
-              <a:buClr>
-                <a:schemeClr val="accent1"/>
-              </a:buClr>
-              <a:defRPr/>
-            </a:lvl5pPr>
-          </a:lstStyle>
-          <a:p>
-            <a:pPr lvl="0"/>
-            <a:r>
-              <a:rPr lang="en-US" smtClean="0"/>
-              <a:t>Click to edit Master text styles</a:t>
-            </a:r>
-          </a:p>
-          <a:p>
-            <a:pPr lvl="1"/>
-            <a:r>
-              <a:rPr lang="en-US" smtClean="0"/>
-              <a:t>Second level</a:t>
-            </a:r>
-          </a:p>
-          <a:p>
-            <a:pPr lvl="2"/>
-            <a:r>
-              <a:rPr lang="en-US" smtClean="0"/>
-              <a:t>Third level</a:t>
-            </a:r>
-          </a:p>
-          <a:p>
-            <a:pPr lvl="3"/>
-            <a:r>
-              <a:rPr lang="en-US" smtClean="0"/>
-              <a:t>Fourth level</a:t>
-            </a:r>
-          </a:p>
-          <a:p>
-            <a:pPr lvl="4"/>
-            <a:r>
-              <a:rPr lang="en-US" smtClean="0"/>
-              <a:t>Fifth level</a:t>
-            </a:r>
-            <a:endParaRPr lang="en-US" dirty="0"/>
+            <a:endParaRPr lang="de-DE" dirty="0"/>
           </a:p>
         </p:txBody>
       </p:sp>
     </p:spTree>
     <p:extLst>
       <p:ext uri="{BB962C8B-B14F-4D97-AF65-F5344CB8AC3E}">
-        <p14:creationId xmlns:p14="http://schemas.microsoft.com/office/powerpoint/2010/main" val="1877845523"/>
+        <p14:creationId xmlns:p14="http://schemas.microsoft.com/office/powerpoint/2010/main" val="214879134"/>
       </p:ext>
     </p:extLst>
   </p:cSld>
   <p:clrMapOvr>
     <a:masterClrMapping/>
   </p:clrMapOvr>
-  <p:transition>
-    <p:cut/>
-  </p:transition>
+  <p:hf hdr="0" ftr="0"/>
 </p:sldLayout>
 </file>
 
-<file path=ppt/slideLayouts/slideLayout9.xml><?xml version="1.0" encoding="utf-8"?>
-<p:sldLayout xmlns:a="http://schemas.openxmlformats.org/drawingml/2006/main" xmlns:r="http://schemas.openxmlformats.org/officeDocument/2006/relationships" xmlns:p="http://schemas.openxmlformats.org/presentationml/2006/main" preserve="1">
-  <p:cSld name="Custom Layout">
+<file path=ppt/slideLayouts/slideLayout7.xml><?xml version="1.0" encoding="utf-8"?>
+<p:sldLayout xmlns:a="http://schemas.openxmlformats.org/drawingml/2006/main" xmlns:r="http://schemas.openxmlformats.org/officeDocument/2006/relationships" xmlns:p="http://schemas.openxmlformats.org/presentationml/2006/main" type="twoObj" preserve="1">
+  <p:cSld name="Two Content">
     <p:spTree>
       <p:nvGrpSpPr>
         <p:cNvPr id="1" name=""/>
@@ -2333,6 +3001,60 @@
           <a:chExt cx="0" cy="0"/>
         </a:xfrm>
       </p:grpSpPr>
+      <p:pic>
+        <p:nvPicPr>
+          <p:cNvPr id="5" name="Picture 1" descr="ELIXIR_logo.jpg"/>
+          <p:cNvPicPr>
+            <a:picLocks noChangeAspect="1"/>
+          </p:cNvPicPr>
+          <p:nvPr/>
+        </p:nvPicPr>
+        <p:blipFill>
+          <a:blip r:embed="rId2">
+            <a:extLst>
+              <a:ext uri="{28A0092B-C50C-407E-A947-70E740481C1C}">
+                <a14:useLocalDpi xmlns:a14="http://schemas.microsoft.com/office/drawing/2010/main" val="0"/>
+              </a:ext>
+            </a:extLst>
+          </a:blip>
+          <a:srcRect/>
+          <a:stretch>
+            <a:fillRect/>
+          </a:stretch>
+        </p:blipFill>
+        <p:spPr bwMode="auto">
+          <a:xfrm>
+            <a:off x="7885113" y="5949950"/>
+            <a:ext cx="990600" cy="746125"/>
+          </a:xfrm>
+          <a:prstGeom prst="rect">
+            <a:avLst/>
+          </a:prstGeom>
+          <a:noFill/>
+          <a:ln>
+            <a:noFill/>
+          </a:ln>
+          <a:extLst>
+            <a:ext uri="{909E8E84-426E-40dd-AFC4-6F175D3DCCD1}">
+              <a14:hiddenFill xmlns:a14="http://schemas.microsoft.com/office/drawing/2010/main">
+                <a:solidFill>
+                  <a:srgbClr val="FFFFFF"/>
+                </a:solidFill>
+              </a14:hiddenFill>
+            </a:ext>
+            <a:ext uri="{91240B29-F687-4f45-9708-019B960494DF}">
+              <a14:hiddenLine xmlns:a14="http://schemas.microsoft.com/office/drawing/2010/main" w="9525">
+                <a:solidFill>
+                  <a:srgbClr val="000000"/>
+                </a:solidFill>
+                <a:miter lim="800000"/>
+                <a:headEnd/>
+                <a:tailEnd/>
+              </a14:hiddenLine>
+            </a:ext>
+          </a:extLst>
+        </p:spPr>
+      </p:pic>
       <p:sp>
         <p:nvSpPr>
           <p:cNvPr id="2" name="Title 1"/>
@@ -2343,37 +3065,639 @@
             <p:ph type="title"/>
           </p:nvPr>
         </p:nvSpPr>
-        <p:spPr/>
+        <p:spPr>
+          <a:xfrm>
+            <a:off x="539552" y="332656"/>
+            <a:ext cx="8153400" cy="576064"/>
+          </a:xfrm>
+        </p:spPr>
         <p:txBody>
           <a:bodyPr/>
           <a:lstStyle/>
           <a:p>
             <a:r>
-              <a:rPr lang="en-GB" smtClean="0"/>
+              <a:rPr lang="x-none" smtClean="0"/>
               <a:t>Click to edit Master title style</a:t>
             </a:r>
-            <a:endParaRPr lang="en-US"/>
+            <a:endParaRPr lang="de-DE" dirty="0"/>
+          </a:p>
+        </p:txBody>
+      </p:sp>
+      <p:sp>
+        <p:nvSpPr>
+          <p:cNvPr id="3" name="Content Placeholder 2"/>
+          <p:cNvSpPr>
+            <a:spLocks noGrp="1"/>
+          </p:cNvSpPr>
+          <p:nvPr>
+            <p:ph sz="half" idx="1"/>
+          </p:nvPr>
+        </p:nvSpPr>
+        <p:spPr>
+          <a:xfrm>
+            <a:off x="533400" y="1219200"/>
+            <a:ext cx="4000500" cy="4351338"/>
+          </a:xfrm>
+        </p:spPr>
+        <p:txBody>
+          <a:bodyPr/>
+          <a:lstStyle>
+            <a:lvl1pPr>
+              <a:defRPr sz="2800"/>
+            </a:lvl1pPr>
+            <a:lvl2pPr>
+              <a:defRPr sz="2400"/>
+            </a:lvl2pPr>
+            <a:lvl3pPr>
+              <a:defRPr sz="2000"/>
+            </a:lvl3pPr>
+            <a:lvl4pPr>
+              <a:defRPr sz="1800"/>
+            </a:lvl4pPr>
+            <a:lvl5pPr>
+              <a:defRPr sz="1800"/>
+            </a:lvl5pPr>
+            <a:lvl6pPr>
+              <a:defRPr sz="1800"/>
+            </a:lvl6pPr>
+            <a:lvl7pPr>
+              <a:defRPr sz="1800"/>
+            </a:lvl7pPr>
+            <a:lvl8pPr>
+              <a:defRPr sz="1800"/>
+            </a:lvl8pPr>
+            <a:lvl9pPr>
+              <a:defRPr sz="1800"/>
+            </a:lvl9pPr>
+          </a:lstStyle>
+          <a:p>
+            <a:pPr lvl="0"/>
+            <a:r>
+              <a:rPr lang="x-none" smtClean="0"/>
+              <a:t>Click to edit Master text styles</a:t>
+            </a:r>
+          </a:p>
+          <a:p>
+            <a:pPr lvl="1"/>
+            <a:r>
+              <a:rPr lang="x-none" smtClean="0"/>
+              <a:t>Second level</a:t>
+            </a:r>
+          </a:p>
+          <a:p>
+            <a:pPr lvl="2"/>
+            <a:r>
+              <a:rPr lang="x-none" smtClean="0"/>
+              <a:t>Third level</a:t>
+            </a:r>
+          </a:p>
+          <a:p>
+            <a:pPr lvl="3"/>
+            <a:r>
+              <a:rPr lang="x-none" smtClean="0"/>
+              <a:t>Fourth level</a:t>
+            </a:r>
+          </a:p>
+          <a:p>
+            <a:pPr lvl="4"/>
+            <a:r>
+              <a:rPr lang="x-none" smtClean="0"/>
+              <a:t>Fifth level</a:t>
+            </a:r>
+            <a:endParaRPr lang="de-DE"/>
+          </a:p>
+        </p:txBody>
+      </p:sp>
+      <p:sp>
+        <p:nvSpPr>
+          <p:cNvPr id="4" name="Content Placeholder 3"/>
+          <p:cNvSpPr>
+            <a:spLocks noGrp="1"/>
+          </p:cNvSpPr>
+          <p:nvPr>
+            <p:ph sz="half" idx="2"/>
+          </p:nvPr>
+        </p:nvSpPr>
+        <p:spPr>
+          <a:xfrm>
+            <a:off x="4686300" y="1219200"/>
+            <a:ext cx="4000500" cy="4351338"/>
+          </a:xfrm>
+        </p:spPr>
+        <p:txBody>
+          <a:bodyPr/>
+          <a:lstStyle>
+            <a:lvl1pPr>
+              <a:defRPr sz="2800"/>
+            </a:lvl1pPr>
+            <a:lvl2pPr>
+              <a:defRPr sz="2400"/>
+            </a:lvl2pPr>
+            <a:lvl3pPr>
+              <a:defRPr sz="2000"/>
+            </a:lvl3pPr>
+            <a:lvl4pPr>
+              <a:defRPr sz="1800"/>
+            </a:lvl4pPr>
+            <a:lvl5pPr>
+              <a:defRPr sz="1800"/>
+            </a:lvl5pPr>
+            <a:lvl6pPr>
+              <a:defRPr sz="1800"/>
+            </a:lvl6pPr>
+            <a:lvl7pPr>
+              <a:defRPr sz="1800"/>
+            </a:lvl7pPr>
+            <a:lvl8pPr>
+              <a:defRPr sz="1800"/>
+            </a:lvl8pPr>
+            <a:lvl9pPr>
+              <a:defRPr sz="1800"/>
+            </a:lvl9pPr>
+          </a:lstStyle>
+          <a:p>
+            <a:pPr lvl="0"/>
+            <a:r>
+              <a:rPr lang="x-none" smtClean="0"/>
+              <a:t>Click to edit Master text styles</a:t>
+            </a:r>
+          </a:p>
+          <a:p>
+            <a:pPr lvl="1"/>
+            <a:r>
+              <a:rPr lang="x-none" smtClean="0"/>
+              <a:t>Second level</a:t>
+            </a:r>
+          </a:p>
+          <a:p>
+            <a:pPr lvl="2"/>
+            <a:r>
+              <a:rPr lang="x-none" smtClean="0"/>
+              <a:t>Third level</a:t>
+            </a:r>
+          </a:p>
+          <a:p>
+            <a:pPr lvl="3"/>
+            <a:r>
+              <a:rPr lang="x-none" smtClean="0"/>
+              <a:t>Fourth level</a:t>
+            </a:r>
+          </a:p>
+          <a:p>
+            <a:pPr lvl="4"/>
+            <a:r>
+              <a:rPr lang="x-none" smtClean="0"/>
+              <a:t>Fifth level</a:t>
+            </a:r>
+            <a:endParaRPr lang="de-DE"/>
           </a:p>
         </p:txBody>
       </p:sp>
     </p:spTree>
     <p:extLst>
       <p:ext uri="{BB962C8B-B14F-4D97-AF65-F5344CB8AC3E}">
-        <p14:creationId xmlns:p14="http://schemas.microsoft.com/office/powerpoint/2010/main" val="1528710836"/>
+        <p14:creationId xmlns:p14="http://schemas.microsoft.com/office/powerpoint/2010/main" val="294286443"/>
       </p:ext>
     </p:extLst>
   </p:cSld>
   <p:clrMapOvr>
     <a:masterClrMapping/>
   </p:clrMapOvr>
-  <p:transition>
-    <p:cut/>
-  </p:transition>
+  <p:hf hdr="0" ftr="0"/>
+</p:sldLayout>
+</file>
+
+<file path=ppt/slideLayouts/slideLayout8.xml><?xml version="1.0" encoding="utf-8"?>
+<p:sldLayout xmlns:a="http://schemas.openxmlformats.org/drawingml/2006/main" xmlns:r="http://schemas.openxmlformats.org/officeDocument/2006/relationships" xmlns:p="http://schemas.openxmlformats.org/presentationml/2006/main" type="titleOnly" preserve="1">
+  <p:cSld name="Title Only">
+    <p:spTree>
+      <p:nvGrpSpPr>
+        <p:cNvPr id="1" name=""/>
+        <p:cNvGrpSpPr/>
+        <p:nvPr/>
+      </p:nvGrpSpPr>
+      <p:grpSpPr>
+        <a:xfrm>
+          <a:off x="0" y="0"/>
+          <a:ext cx="0" cy="0"/>
+          <a:chOff x="0" y="0"/>
+          <a:chExt cx="0" cy="0"/>
+        </a:xfrm>
+      </p:grpSpPr>
+      <p:pic>
+        <p:nvPicPr>
+          <p:cNvPr id="3" name="Picture 1" descr="ELIXIR_logo.jpg"/>
+          <p:cNvPicPr>
+            <a:picLocks noChangeAspect="1"/>
+          </p:cNvPicPr>
+          <p:nvPr/>
+        </p:nvPicPr>
+        <p:blipFill>
+          <a:blip r:embed="rId2">
+            <a:extLst>
+              <a:ext uri="{28A0092B-C50C-407E-A947-70E740481C1C}">
+                <a14:useLocalDpi xmlns:a14="http://schemas.microsoft.com/office/drawing/2010/main" val="0"/>
+              </a:ext>
+            </a:extLst>
+          </a:blip>
+          <a:srcRect/>
+          <a:stretch>
+            <a:fillRect/>
+          </a:stretch>
+        </p:blipFill>
+        <p:spPr bwMode="auto">
+          <a:xfrm>
+            <a:off x="7885113" y="5949950"/>
+            <a:ext cx="990600" cy="746125"/>
+          </a:xfrm>
+          <a:prstGeom prst="rect">
+            <a:avLst/>
+          </a:prstGeom>
+          <a:noFill/>
+          <a:ln>
+            <a:noFill/>
+          </a:ln>
+          <a:extLst>
+            <a:ext uri="{909E8E84-426E-40dd-AFC4-6F175D3DCCD1}">
+              <a14:hiddenFill xmlns:a14="http://schemas.microsoft.com/office/drawing/2010/main">
+                <a:solidFill>
+                  <a:srgbClr val="FFFFFF"/>
+                </a:solidFill>
+              </a14:hiddenFill>
+            </a:ext>
+            <a:ext uri="{91240B29-F687-4f45-9708-019B960494DF}">
+              <a14:hiddenLine xmlns:a14="http://schemas.microsoft.com/office/drawing/2010/main" w="9525">
+                <a:solidFill>
+                  <a:srgbClr val="000000"/>
+                </a:solidFill>
+                <a:miter lim="800000"/>
+                <a:headEnd/>
+                <a:tailEnd/>
+              </a14:hiddenLine>
+            </a:ext>
+          </a:extLst>
+        </p:spPr>
+      </p:pic>
+      <p:sp>
+        <p:nvSpPr>
+          <p:cNvPr id="2" name="Title 1"/>
+          <p:cNvSpPr>
+            <a:spLocks noGrp="1"/>
+          </p:cNvSpPr>
+          <p:nvPr>
+            <p:ph type="title"/>
+          </p:nvPr>
+        </p:nvSpPr>
+        <p:spPr>
+          <a:xfrm>
+            <a:off x="539552" y="332656"/>
+            <a:ext cx="8153400" cy="576064"/>
+          </a:xfrm>
+        </p:spPr>
+        <p:txBody>
+          <a:bodyPr/>
+          <a:lstStyle/>
+          <a:p>
+            <a:r>
+              <a:rPr lang="x-none" smtClean="0"/>
+              <a:t>Click to edit Master title style</a:t>
+            </a:r>
+            <a:endParaRPr lang="de-DE" dirty="0"/>
+          </a:p>
+        </p:txBody>
+      </p:sp>
+    </p:spTree>
+    <p:extLst>
+      <p:ext uri="{BB962C8B-B14F-4D97-AF65-F5344CB8AC3E}">
+        <p14:creationId xmlns:p14="http://schemas.microsoft.com/office/powerpoint/2010/main" val="2619544034"/>
+      </p:ext>
+    </p:extLst>
+  </p:cSld>
+  <p:clrMapOvr>
+    <a:masterClrMapping/>
+  </p:clrMapOvr>
+  <p:hf hdr="0" ftr="0"/>
+</p:sldLayout>
+</file>
+
+<file path=ppt/slideLayouts/slideLayout9.xml><?xml version="1.0" encoding="utf-8"?>
+<p:sldLayout xmlns:a="http://schemas.openxmlformats.org/drawingml/2006/main" xmlns:r="http://schemas.openxmlformats.org/officeDocument/2006/relationships" xmlns:p="http://schemas.openxmlformats.org/presentationml/2006/main" type="title">
+  <p:cSld name="Title Slide">
+    <p:spTree>
+      <p:nvGrpSpPr>
+        <p:cNvPr id="1" name=""/>
+        <p:cNvGrpSpPr/>
+        <p:nvPr/>
+      </p:nvGrpSpPr>
+      <p:grpSpPr>
+        <a:xfrm>
+          <a:off x="0" y="0"/>
+          <a:ext cx="0" cy="0"/>
+          <a:chOff x="0" y="0"/>
+          <a:chExt cx="0" cy="0"/>
+        </a:xfrm>
+      </p:grpSpPr>
+      <p:sp>
+        <p:nvSpPr>
+          <p:cNvPr id="2" name="Title 1"/>
+          <p:cNvSpPr>
+            <a:spLocks noGrp="1"/>
+          </p:cNvSpPr>
+          <p:nvPr>
+            <p:ph type="ctrTitle"/>
+          </p:nvPr>
+        </p:nvSpPr>
+        <p:spPr>
+          <a:xfrm>
+            <a:off x="685800" y="2130425"/>
+            <a:ext cx="7772400" cy="1470025"/>
+          </a:xfrm>
+        </p:spPr>
+        <p:txBody>
+          <a:bodyPr/>
+          <a:lstStyle/>
+          <a:p>
+            <a:r>
+              <a:rPr lang="x-none" smtClean="0"/>
+              <a:t>Click to edit Master title style</a:t>
+            </a:r>
+            <a:endParaRPr lang="en-US"/>
+          </a:p>
+        </p:txBody>
+      </p:sp>
+      <p:sp>
+        <p:nvSpPr>
+          <p:cNvPr id="3" name="Subtitle 2"/>
+          <p:cNvSpPr>
+            <a:spLocks noGrp="1"/>
+          </p:cNvSpPr>
+          <p:nvPr>
+            <p:ph type="subTitle" idx="1"/>
+          </p:nvPr>
+        </p:nvSpPr>
+        <p:spPr>
+          <a:xfrm>
+            <a:off x="1371600" y="3886200"/>
+            <a:ext cx="6400800" cy="1752600"/>
+          </a:xfrm>
+        </p:spPr>
+        <p:txBody>
+          <a:bodyPr/>
+          <a:lstStyle>
+            <a:lvl1pPr marL="0" indent="0" algn="ctr">
+              <a:buNone/>
+              <a:defRPr>
+                <a:solidFill>
+                  <a:schemeClr val="tx1">
+                    <a:tint val="75000"/>
+                  </a:schemeClr>
+                </a:solidFill>
+              </a:defRPr>
+            </a:lvl1pPr>
+            <a:lvl2pPr marL="457200" indent="0" algn="ctr">
+              <a:buNone/>
+              <a:defRPr>
+                <a:solidFill>
+                  <a:schemeClr val="tx1">
+                    <a:tint val="75000"/>
+                  </a:schemeClr>
+                </a:solidFill>
+              </a:defRPr>
+            </a:lvl2pPr>
+            <a:lvl3pPr marL="914400" indent="0" algn="ctr">
+              <a:buNone/>
+              <a:defRPr>
+                <a:solidFill>
+                  <a:schemeClr val="tx1">
+                    <a:tint val="75000"/>
+                  </a:schemeClr>
+                </a:solidFill>
+              </a:defRPr>
+            </a:lvl3pPr>
+            <a:lvl4pPr marL="1371600" indent="0" algn="ctr">
+              <a:buNone/>
+              <a:defRPr>
+                <a:solidFill>
+                  <a:schemeClr val="tx1">
+                    <a:tint val="75000"/>
+                  </a:schemeClr>
+                </a:solidFill>
+              </a:defRPr>
+            </a:lvl4pPr>
+            <a:lvl5pPr marL="1828800" indent="0" algn="ctr">
+              <a:buNone/>
+              <a:defRPr>
+                <a:solidFill>
+                  <a:schemeClr val="tx1">
+                    <a:tint val="75000"/>
+                  </a:schemeClr>
+                </a:solidFill>
+              </a:defRPr>
+            </a:lvl5pPr>
+            <a:lvl6pPr marL="2286000" indent="0" algn="ctr">
+              <a:buNone/>
+              <a:defRPr>
+                <a:solidFill>
+                  <a:schemeClr val="tx1">
+                    <a:tint val="75000"/>
+                  </a:schemeClr>
+                </a:solidFill>
+              </a:defRPr>
+            </a:lvl6pPr>
+            <a:lvl7pPr marL="2743200" indent="0" algn="ctr">
+              <a:buNone/>
+              <a:defRPr>
+                <a:solidFill>
+                  <a:schemeClr val="tx1">
+                    <a:tint val="75000"/>
+                  </a:schemeClr>
+                </a:solidFill>
+              </a:defRPr>
+            </a:lvl7pPr>
+            <a:lvl8pPr marL="3200400" indent="0" algn="ctr">
+              <a:buNone/>
+              <a:defRPr>
+                <a:solidFill>
+                  <a:schemeClr val="tx1">
+                    <a:tint val="75000"/>
+                  </a:schemeClr>
+                </a:solidFill>
+              </a:defRPr>
+            </a:lvl8pPr>
+            <a:lvl9pPr marL="3657600" indent="0" algn="ctr">
+              <a:buNone/>
+              <a:defRPr>
+                <a:solidFill>
+                  <a:schemeClr val="tx1">
+                    <a:tint val="75000"/>
+                  </a:schemeClr>
+                </a:solidFill>
+              </a:defRPr>
+            </a:lvl9pPr>
+          </a:lstStyle>
+          <a:p>
+            <a:r>
+              <a:rPr lang="x-none" smtClean="0"/>
+              <a:t>Click to edit Master subtitle style</a:t>
+            </a:r>
+            <a:endParaRPr lang="en-US"/>
+          </a:p>
+        </p:txBody>
+      </p:sp>
+      <p:sp>
+        <p:nvSpPr>
+          <p:cNvPr id="4" name="Date Placeholder 3"/>
+          <p:cNvSpPr>
+            <a:spLocks noGrp="1"/>
+          </p:cNvSpPr>
+          <p:nvPr>
+            <p:ph type="dt" sz="half" idx="10"/>
+          </p:nvPr>
+        </p:nvSpPr>
+        <p:spPr>
+          <a:xfrm>
+            <a:off x="457200" y="6356350"/>
+            <a:ext cx="2133600" cy="365125"/>
+          </a:xfrm>
+          <a:prstGeom prst="rect">
+            <a:avLst/>
+          </a:prstGeom>
+        </p:spPr>
+        <p:txBody>
+          <a:bodyPr vert="horz" wrap="square" lIns="91440" tIns="45720" rIns="91440" bIns="45720" numCol="1" anchor="t" anchorCtr="0" compatLnSpc="1">
+            <a:prstTxWarp prst="textNoShape">
+              <a:avLst/>
+            </a:prstTxWarp>
+          </a:bodyPr>
+          <a:lstStyle>
+            <a:lvl1pPr>
+              <a:defRPr>
+                <a:cs typeface="Geneva" charset="0"/>
+              </a:defRPr>
+            </a:lvl1pPr>
+          </a:lstStyle>
+          <a:p>
+            <a:pPr>
+              <a:defRPr/>
+            </a:pPr>
+            <a:fld id="{F86D2FF3-2971-0D43-9D7A-9B87739BADF1}" type="datetimeFigureOut">
+              <a:rPr lang="en-US"/>
+              <a:pPr>
+                <a:defRPr/>
+              </a:pPr>
+              <a:t>03/06/16</a:t>
+            </a:fld>
+            <a:endParaRPr lang="en-US"/>
+          </a:p>
+        </p:txBody>
+      </p:sp>
+      <p:sp>
+        <p:nvSpPr>
+          <p:cNvPr id="5" name="Footer Placeholder 4"/>
+          <p:cNvSpPr>
+            <a:spLocks noGrp="1"/>
+          </p:cNvSpPr>
+          <p:nvPr>
+            <p:ph type="ftr" sz="quarter" idx="11"/>
+          </p:nvPr>
+        </p:nvSpPr>
+        <p:spPr>
+          <a:xfrm>
+            <a:off x="3124200" y="6356350"/>
+            <a:ext cx="2895600" cy="365125"/>
+          </a:xfrm>
+          <a:prstGeom prst="rect">
+            <a:avLst/>
+          </a:prstGeom>
+        </p:spPr>
+        <p:txBody>
+          <a:bodyPr/>
+          <a:lstStyle>
+            <a:lvl1pPr fontAlgn="auto">
+              <a:spcBef>
+                <a:spcPts val="0"/>
+              </a:spcBef>
+              <a:spcAft>
+                <a:spcPts val="0"/>
+              </a:spcAft>
+              <a:defRPr>
+                <a:latin typeface="+mn-lt"/>
+                <a:ea typeface="+mn-ea"/>
+                <a:cs typeface="+mn-cs"/>
+              </a:defRPr>
+            </a:lvl1pPr>
+          </a:lstStyle>
+          <a:p>
+            <a:pPr>
+              <a:defRPr/>
+            </a:pPr>
+            <a:endParaRPr lang="en-US"/>
+          </a:p>
+        </p:txBody>
+      </p:sp>
+      <p:sp>
+        <p:nvSpPr>
+          <p:cNvPr id="6" name="Slide Number Placeholder 5"/>
+          <p:cNvSpPr>
+            <a:spLocks noGrp="1"/>
+          </p:cNvSpPr>
+          <p:nvPr>
+            <p:ph type="sldNum" sz="quarter" idx="12"/>
+          </p:nvPr>
+        </p:nvSpPr>
+        <p:spPr>
+          <a:xfrm>
+            <a:off x="6553200" y="6356350"/>
+            <a:ext cx="2133600" cy="365125"/>
+          </a:xfrm>
+          <a:prstGeom prst="rect">
+            <a:avLst/>
+          </a:prstGeom>
+        </p:spPr>
+        <p:txBody>
+          <a:bodyPr vert="horz" wrap="square" lIns="91440" tIns="45720" rIns="91440" bIns="45720" numCol="1" anchor="t" anchorCtr="0" compatLnSpc="1">
+            <a:prstTxWarp prst="textNoShape">
+              <a:avLst/>
+            </a:prstTxWarp>
+          </a:bodyPr>
+          <a:lstStyle>
+            <a:lvl1pPr>
+              <a:defRPr>
+                <a:cs typeface="Geneva" charset="0"/>
+              </a:defRPr>
+            </a:lvl1pPr>
+          </a:lstStyle>
+          <a:p>
+            <a:pPr>
+              <a:defRPr/>
+            </a:pPr>
+            <a:fld id="{D6A8DC2B-0E06-A248-87F7-56B509C06977}" type="slidenum">
+              <a:rPr lang="en-US"/>
+              <a:pPr>
+                <a:defRPr/>
+              </a:pPr>
+              <a:t>‹#›</a:t>
+            </a:fld>
+            <a:endParaRPr lang="en-US"/>
+          </a:p>
+        </p:txBody>
+      </p:sp>
+    </p:spTree>
+    <p:extLst>
+      <p:ext uri="{BB962C8B-B14F-4D97-AF65-F5344CB8AC3E}">
+        <p14:creationId xmlns:p14="http://schemas.microsoft.com/office/powerpoint/2010/main" val="3807916980"/>
+      </p:ext>
+    </p:extLst>
+  </p:cSld>
+  <p:clrMapOvr>
+    <a:masterClrMapping/>
+  </p:clrMapOvr>
+  <p:hf hdr="0" ftr="0"/>
 </p:sldLayout>
 </file>
 
 <file path=ppt/slideMasters/slideMaster1.xml><?xml version="1.0" encoding="utf-8"?>
-<p:sldMaster xmlns:a="http://schemas.openxmlformats.org/drawingml/2006/main" xmlns:r="http://schemas.openxmlformats.org/officeDocument/2006/relationships" xmlns:p="http://schemas.openxmlformats.org/presentationml/2006/main" preserve="1">
+<p:sldMaster xmlns:a="http://schemas.openxmlformats.org/drawingml/2006/main" xmlns:r="http://schemas.openxmlformats.org/officeDocument/2006/relationships" xmlns:p="http://schemas.openxmlformats.org/presentationml/2006/main">
   <p:cSld>
     <p:bg>
       <p:bgPr>
@@ -2399,51 +3723,7 @@
       </p:grpSpPr>
       <p:sp>
         <p:nvSpPr>
-          <p:cNvPr id="1026" name="Rectangle 9"/>
-          <p:cNvSpPr>
-            <a:spLocks noChangeArrowheads="1"/>
-          </p:cNvSpPr>
-          <p:nvPr/>
-        </p:nvSpPr>
-        <p:spPr bwMode="auto">
-          <a:xfrm flipH="1">
-            <a:off x="0" y="6210300"/>
-            <a:ext cx="9144000" cy="647700"/>
-          </a:xfrm>
-          <a:prstGeom prst="rect">
-            <a:avLst/>
-          </a:prstGeom>
-          <a:solidFill>
-            <a:srgbClr val="004342"/>
-          </a:solidFill>
-          <a:ln>
-            <a:noFill/>
-          </a:ln>
-          <a:extLst>
-            <a:ext uri="{91240B29-F687-4f45-9708-019B960494DF}">
-              <a14:hiddenLine xmlns="" xmlns:a14="http://schemas.microsoft.com/office/drawing/2010/main" w="9525">
-                <a:solidFill>
-                  <a:srgbClr val="000000"/>
-                </a:solidFill>
-                <a:miter lim="800000"/>
-                <a:headEnd/>
-                <a:tailEnd/>
-              </a14:hiddenLine>
-            </a:ext>
-          </a:extLst>
-        </p:spPr>
-        <p:txBody>
-          <a:bodyPr wrap="none" lIns="44115" tIns="22065" rIns="44115" bIns="22065" anchor="ctr"/>
-          <a:lstStyle/>
-          <a:p>
-            <a:pPr eaLnBrk="0" hangingPunct="0"/>
-            <a:endParaRPr lang="en-GB"/>
-          </a:p>
-        </p:txBody>
-      </p:sp>
-      <p:sp>
-        <p:nvSpPr>
-          <p:cNvPr id="1027" name="Rectangle 2"/>
+          <p:cNvPr id="1026" name="Rectangle 2"/>
           <p:cNvSpPr>
             <a:spLocks noGrp="1" noChangeArrowheads="1"/>
           </p:cNvSpPr>
@@ -2453,8 +3733,8 @@
         </p:nvSpPr>
         <p:spPr bwMode="auto">
           <a:xfrm>
-            <a:off x="533400" y="304800"/>
-            <a:ext cx="8153400" cy="762000"/>
+            <a:off x="539750" y="333375"/>
+            <a:ext cx="8153400" cy="503238"/>
           </a:xfrm>
           <a:prstGeom prst="rect">
             <a:avLst/>
@@ -2465,14 +3745,14 @@
           </a:ln>
           <a:extLst>
             <a:ext uri="{909E8E84-426E-40dd-AFC4-6F175D3DCCD1}">
-              <a14:hiddenFill xmlns="" xmlns:a14="http://schemas.microsoft.com/office/drawing/2010/main">
+              <a14:hiddenFill xmlns:a14="http://schemas.microsoft.com/office/drawing/2010/main">
                 <a:solidFill>
                   <a:srgbClr val="FFFFFF"/>
                 </a:solidFill>
               </a14:hiddenFill>
             </a:ext>
             <a:ext uri="{91240B29-F687-4f45-9708-019B960494DF}">
-              <a14:hiddenLine xmlns="" xmlns:a14="http://schemas.microsoft.com/office/drawing/2010/main" w="9525">
+              <a14:hiddenLine xmlns:a14="http://schemas.microsoft.com/office/drawing/2010/main" w="9525">
                 <a:solidFill>
                   <a:srgbClr val="000000"/>
                 </a:solidFill>
@@ -2482,7 +3762,7 @@
               </a14:hiddenLine>
             </a:ext>
             <a:ext uri="{FAA26D3D-D897-4be2-8F04-BA451C77F1D7}">
-              <ma14:placeholderFlag xmlns="" xmlns:ma14="http://schemas.microsoft.com/office/mac/drawingml/2011/main" val="1"/>
+              <ma14:placeholderFlag xmlns:ma14="http://schemas.microsoft.com/office/mac/drawingml/2011/main" val="1"/>
             </a:ext>
           </a:extLst>
         </p:spPr>
@@ -2496,16 +3776,15 @@
           <a:p>
             <a:pPr lvl="0"/>
             <a:r>
-              <a:rPr lang="en-US" smtClean="0"/>
-              <a:t>Click to edit Master title style</a:t>
-            </a:r>
-            <a:endParaRPr lang="de-DE"/>
-          </a:p>
-        </p:txBody>
-      </p:sp>
-      <p:sp>
-        <p:nvSpPr>
-          <p:cNvPr id="1028" name="Rectangle 3"/>
+              <a:rPr lang="de-DE"/>
+              <a:t>Master title</a:t>
+            </a:r>
+          </a:p>
+        </p:txBody>
+      </p:sp>
+      <p:sp>
+        <p:nvSpPr>
+          <p:cNvPr id="1027" name="Rectangle 3"/>
           <p:cNvSpPr>
             <a:spLocks noGrp="1" noChangeArrowheads="1"/>
           </p:cNvSpPr>
@@ -2515,8 +3794,8 @@
         </p:nvSpPr>
         <p:spPr bwMode="auto">
           <a:xfrm>
-            <a:off x="533400" y="1219200"/>
-            <a:ext cx="8153400" cy="4351338"/>
+            <a:off x="533400" y="1525588"/>
+            <a:ext cx="8153400" cy="4351337"/>
           </a:xfrm>
           <a:prstGeom prst="rect">
             <a:avLst/>
@@ -2527,14 +3806,14 @@
           </a:ln>
           <a:extLst>
             <a:ext uri="{909E8E84-426E-40dd-AFC4-6F175D3DCCD1}">
-              <a14:hiddenFill xmlns="" xmlns:a14="http://schemas.microsoft.com/office/drawing/2010/main">
+              <a14:hiddenFill xmlns:a14="http://schemas.microsoft.com/office/drawing/2010/main">
                 <a:solidFill>
                   <a:srgbClr val="FFFFFF"/>
                 </a:solidFill>
               </a14:hiddenFill>
             </a:ext>
             <a:ext uri="{91240B29-F687-4f45-9708-019B960494DF}">
-              <a14:hiddenLine xmlns="" xmlns:a14="http://schemas.microsoft.com/office/drawing/2010/main" w="9525">
+              <a14:hiddenLine xmlns:a14="http://schemas.microsoft.com/office/drawing/2010/main" w="9525">
                 <a:solidFill>
                   <a:srgbClr val="000000"/>
                 </a:solidFill>
@@ -2544,7 +3823,7 @@
               </a14:hiddenLine>
             </a:ext>
             <a:ext uri="{FAA26D3D-D897-4be2-8F04-BA451C77F1D7}">
-              <ma14:placeholderFlag xmlns="" xmlns:ma14="http://schemas.microsoft.com/office/mac/drawingml/2011/main" val="1"/>
+              <ma14:placeholderFlag xmlns:ma14="http://schemas.microsoft.com/office/mac/drawingml/2011/main" val="1"/>
             </a:ext>
           </a:extLst>
         </p:spPr>
@@ -2558,122 +3837,146 @@
           <a:p>
             <a:pPr lvl="0"/>
             <a:r>
-              <a:rPr lang="en-US" smtClean="0"/>
-              <a:t>Click to edit Master text styles</a:t>
+              <a:rPr lang="de-DE"/>
+              <a:t>First level</a:t>
             </a:r>
           </a:p>
           <a:p>
             <a:pPr lvl="1"/>
             <a:r>
-              <a:rPr lang="en-US" smtClean="0"/>
+              <a:rPr lang="de-DE"/>
               <a:t>Second level</a:t>
             </a:r>
           </a:p>
           <a:p>
             <a:pPr lvl="2"/>
             <a:r>
-              <a:rPr lang="en-US" smtClean="0"/>
+              <a:rPr lang="de-DE"/>
               <a:t>Third level</a:t>
             </a:r>
           </a:p>
           <a:p>
             <a:pPr lvl="3"/>
             <a:r>
-              <a:rPr lang="en-US" smtClean="0"/>
+              <a:rPr lang="de-DE"/>
               <a:t>Fourth level</a:t>
             </a:r>
           </a:p>
           <a:p>
             <a:pPr lvl="4"/>
             <a:r>
-              <a:rPr lang="en-US" smtClean="0"/>
+              <a:rPr lang="de-DE"/>
               <a:t>Fifth level</a:t>
             </a:r>
-            <a:endParaRPr lang="de-DE"/>
-          </a:p>
-        </p:txBody>
-      </p:sp>
-      <p:pic>
-        <p:nvPicPr>
-          <p:cNvPr id="1029" name="Picture 2" descr="EMBL_EBI_RGB_InversedUpdate.png"/>
-          <p:cNvPicPr>
-            <a:picLocks noChangeAspect="1"/>
-          </p:cNvPicPr>
-          <p:nvPr userDrawn="1"/>
-        </p:nvPicPr>
-        <p:blipFill>
-          <a:blip r:embed="rId10" cstate="screen">
-            <a:extLst>
-              <a:ext uri="{28A0092B-C50C-407E-A947-70E740481C1C}">
-                <a14:useLocalDpi xmlns:a14="http://schemas.microsoft.com/office/drawing/2010/main"/>
-              </a:ext>
-            </a:extLst>
-          </a:blip>
-          <a:srcRect/>
-          <a:stretch>
-            <a:fillRect/>
-          </a:stretch>
-        </p:blipFill>
-        <p:spPr bwMode="auto">
-          <a:xfrm>
-            <a:off x="7364413" y="6310313"/>
-            <a:ext cx="1458912" cy="452437"/>
-          </a:xfrm>
-          <a:prstGeom prst="rect">
-            <a:avLst/>
-          </a:prstGeom>
-          <a:noFill/>
-          <a:ln>
-            <a:noFill/>
-          </a:ln>
-          <a:extLst>
-            <a:ext uri="{909E8E84-426E-40dd-AFC4-6F175D3DCCD1}">
-              <a14:hiddenFill xmlns="" xmlns:a14="http://schemas.microsoft.com/office/drawing/2010/main">
-                <a:solidFill>
-                  <a:srgbClr val="FFFFFF"/>
-                </a:solidFill>
-              </a14:hiddenFill>
-            </a:ext>
-            <a:ext uri="{91240B29-F687-4f45-9708-019B960494DF}">
-              <a14:hiddenLine xmlns="" xmlns:a14="http://schemas.microsoft.com/office/drawing/2010/main" w="9525">
-                <a:solidFill>
-                  <a:srgbClr val="000000"/>
-                </a:solidFill>
-                <a:miter lim="800000"/>
-                <a:headEnd/>
-                <a:tailEnd/>
-              </a14:hiddenLine>
-            </a:ext>
-          </a:extLst>
-        </p:spPr>
-      </p:pic>
+          </a:p>
+        </p:txBody>
+      </p:sp>
     </p:spTree>
   </p:cSld>
   <p:clrMap bg1="lt1" tx1="dk1" bg2="lt2" tx2="dk2" accent1="accent1" accent2="accent2" accent3="accent3" accent4="accent4" accent5="accent5" accent6="accent6" hlink="hlink" folHlink="folHlink"/>
   <p:sldLayoutIdLst>
-    <p:sldLayoutId id="2147483697" r:id="rId1"/>
-    <p:sldLayoutId id="2147483698" r:id="rId2"/>
-    <p:sldLayoutId id="2147483699" r:id="rId3"/>
-    <p:sldLayoutId id="2147483700" r:id="rId4"/>
-    <p:sldLayoutId id="2147483701" r:id="rId5"/>
-    <p:sldLayoutId id="2147483691" r:id="rId6"/>
-    <p:sldLayoutId id="2147483692" r:id="rId7"/>
-    <p:sldLayoutId id="2147483693" r:id="rId8"/>
+    <p:sldLayoutId id="2147483873" r:id="rId1"/>
+    <p:sldLayoutId id="2147483874" r:id="rId2"/>
+    <p:sldLayoutId id="2147483875" r:id="rId3"/>
+    <p:sldLayoutId id="2147483876" r:id="rId4"/>
+    <p:sldLayoutId id="2147483877" r:id="rId5"/>
+    <p:sldLayoutId id="2147483878" r:id="rId6"/>
+    <p:sldLayoutId id="2147483879" r:id="rId7"/>
+    <p:sldLayoutId id="2147483880" r:id="rId8"/>
+    <p:sldLayoutId id="2147483881" r:id="rId9"/>
+    <p:sldLayoutId id="2147483882" r:id="rId10"/>
   </p:sldLayoutIdLst>
-  <p:transition>
-    <p:cut/>
-  </p:transition>
   <p:timing>
     <p:tnLst>
       <p:par>
-        <p:cTn id="1" dur="indefinite" restart="never" nodeType="tmRoot"/>
+        <p:cTn xmlns:p14="http://schemas.microsoft.com/office/powerpoint/2010/main" id="1" dur="indefinite" restart="never" nodeType="tmRoot"/>
       </p:par>
     </p:tnLst>
   </p:timing>
   <p:hf hdr="0" ftr="0"/>
   <p:txStyles>
     <p:titleStyle>
-      <a:lvl1pPr algn="l" defTabSz="952500" rtl="0" eaLnBrk="1" fontAlgn="base" hangingPunct="1">
+      <a:lvl1pPr algn="l" rtl="0" eaLnBrk="1" fontAlgn="base" hangingPunct="1">
+        <a:spcBef>
+          <a:spcPct val="0"/>
+        </a:spcBef>
+        <a:spcAft>
+          <a:spcPct val="0"/>
+        </a:spcAft>
+        <a:defRPr sz="3200">
+          <a:solidFill>
+            <a:schemeClr val="tx2"/>
+          </a:solidFill>
+          <a:latin typeface="Corbel"/>
+          <a:ea typeface="ＭＳ Ｐゴシック" charset="0"/>
+          <a:cs typeface="+mj-cs"/>
+        </a:defRPr>
+      </a:lvl1pPr>
+      <a:lvl2pPr algn="l" rtl="0" eaLnBrk="1" fontAlgn="base" hangingPunct="1">
+        <a:spcBef>
+          <a:spcPct val="0"/>
+        </a:spcBef>
+        <a:spcAft>
+          <a:spcPct val="0"/>
+        </a:spcAft>
+        <a:defRPr sz="3200">
+          <a:solidFill>
+            <a:schemeClr val="tx2"/>
+          </a:solidFill>
+          <a:latin typeface="Corbel" pitchFamily="34" charset="0"/>
+          <a:ea typeface="ＭＳ Ｐゴシック" charset="0"/>
+          <a:cs typeface="Geneva" pitchFamily="-112" charset="0"/>
+        </a:defRPr>
+      </a:lvl2pPr>
+      <a:lvl3pPr algn="l" rtl="0" eaLnBrk="1" fontAlgn="base" hangingPunct="1">
+        <a:spcBef>
+          <a:spcPct val="0"/>
+        </a:spcBef>
+        <a:spcAft>
+          <a:spcPct val="0"/>
+        </a:spcAft>
+        <a:defRPr sz="3200">
+          <a:solidFill>
+            <a:schemeClr val="tx2"/>
+          </a:solidFill>
+          <a:latin typeface="Corbel" pitchFamily="34" charset="0"/>
+          <a:ea typeface="ＭＳ Ｐゴシック" charset="0"/>
+          <a:cs typeface="Geneva" pitchFamily="-112" charset="0"/>
+        </a:defRPr>
+      </a:lvl3pPr>
+      <a:lvl4pPr algn="l" rtl="0" eaLnBrk="1" fontAlgn="base" hangingPunct="1">
+        <a:spcBef>
+          <a:spcPct val="0"/>
+        </a:spcBef>
+        <a:spcAft>
+          <a:spcPct val="0"/>
+        </a:spcAft>
+        <a:defRPr sz="3200">
+          <a:solidFill>
+            <a:schemeClr val="tx2"/>
+          </a:solidFill>
+          <a:latin typeface="Corbel" pitchFamily="34" charset="0"/>
+          <a:ea typeface="ＭＳ Ｐゴシック" charset="0"/>
+          <a:cs typeface="Geneva" pitchFamily="-112" charset="0"/>
+        </a:defRPr>
+      </a:lvl4pPr>
+      <a:lvl5pPr algn="l" rtl="0" eaLnBrk="1" fontAlgn="base" hangingPunct="1">
+        <a:spcBef>
+          <a:spcPct val="0"/>
+        </a:spcBef>
+        <a:spcAft>
+          <a:spcPct val="0"/>
+        </a:spcAft>
+        <a:defRPr sz="3200">
+          <a:solidFill>
+            <a:schemeClr val="tx2"/>
+          </a:solidFill>
+          <a:latin typeface="Corbel" pitchFamily="34" charset="0"/>
+          <a:ea typeface="ＭＳ Ｐゴシック" charset="0"/>
+          <a:cs typeface="Geneva" pitchFamily="-112" charset="0"/>
+        </a:defRPr>
+      </a:lvl5pPr>
+      <a:lvl6pPr marL="457200" algn="l" rtl="0" eaLnBrk="1" fontAlgn="base" hangingPunct="1">
         <a:spcBef>
           <a:spcPct val="0"/>
         </a:spcBef>
@@ -2684,12 +3987,12 @@
           <a:solidFill>
             <a:schemeClr val="accent1"/>
           </a:solidFill>
-          <a:latin typeface="HelveticaNeueLT Pro 45 Lt"/>
-          <a:ea typeface="ＭＳ Ｐゴシック" charset="0"/>
-          <a:cs typeface="HelveticaNeueLT Pro 45 Lt"/>
+          <a:latin typeface="Arial" pitchFamily="-112" charset="0"/>
+          <a:ea typeface="Geneva" pitchFamily="-112" charset="0"/>
+          <a:cs typeface="Geneva" pitchFamily="-112" charset="0"/>
         </a:defRPr>
-      </a:lvl1pPr>
-      <a:lvl2pPr algn="l" defTabSz="952500" rtl="0" eaLnBrk="1" fontAlgn="base" hangingPunct="1">
+      </a:lvl6pPr>
+      <a:lvl7pPr marL="914400" algn="l" rtl="0" eaLnBrk="1" fontAlgn="base" hangingPunct="1">
         <a:spcBef>
           <a:spcPct val="0"/>
         </a:spcBef>
@@ -2700,12 +4003,12 @@
           <a:solidFill>
             <a:schemeClr val="accent1"/>
           </a:solidFill>
-          <a:latin typeface="HelveticaNeueLT Pro 45 Lt" charset="0"/>
-          <a:ea typeface="ＭＳ Ｐゴシック" charset="0"/>
-          <a:cs typeface="HelveticaNeueLT Pro 45 Lt" charset="0"/>
+          <a:latin typeface="Arial" pitchFamily="-112" charset="0"/>
+          <a:ea typeface="Geneva" pitchFamily="-112" charset="0"/>
+          <a:cs typeface="Geneva" pitchFamily="-112" charset="0"/>
         </a:defRPr>
-      </a:lvl2pPr>
-      <a:lvl3pPr algn="l" defTabSz="952500" rtl="0" eaLnBrk="1" fontAlgn="base" hangingPunct="1">
+      </a:lvl7pPr>
+      <a:lvl8pPr marL="1371600" algn="l" rtl="0" eaLnBrk="1" fontAlgn="base" hangingPunct="1">
         <a:spcBef>
           <a:spcPct val="0"/>
         </a:spcBef>
@@ -2716,12 +4019,12 @@
           <a:solidFill>
             <a:schemeClr val="accent1"/>
           </a:solidFill>
-          <a:latin typeface="HelveticaNeueLT Pro 45 Lt" charset="0"/>
-          <a:ea typeface="ＭＳ Ｐゴシック" charset="0"/>
-          <a:cs typeface="HelveticaNeueLT Pro 45 Lt" charset="0"/>
+          <a:latin typeface="Arial" pitchFamily="-112" charset="0"/>
+          <a:ea typeface="Geneva" pitchFamily="-112" charset="0"/>
+          <a:cs typeface="Geneva" pitchFamily="-112" charset="0"/>
         </a:defRPr>
-      </a:lvl3pPr>
-      <a:lvl4pPr algn="l" defTabSz="952500" rtl="0" eaLnBrk="1" fontAlgn="base" hangingPunct="1">
+      </a:lvl8pPr>
+      <a:lvl9pPr marL="1828800" algn="l" rtl="0" eaLnBrk="1" fontAlgn="base" hangingPunct="1">
         <a:spcBef>
           <a:spcPct val="0"/>
         </a:spcBef>
@@ -2732,156 +4035,39 @@
           <a:solidFill>
             <a:schemeClr val="accent1"/>
           </a:solidFill>
-          <a:latin typeface="HelveticaNeueLT Pro 45 Lt" charset="0"/>
-          <a:ea typeface="ＭＳ Ｐゴシック" charset="0"/>
-          <a:cs typeface="HelveticaNeueLT Pro 45 Lt" charset="0"/>
-        </a:defRPr>
-      </a:lvl4pPr>
-      <a:lvl5pPr algn="l" defTabSz="952500" rtl="0" eaLnBrk="1" fontAlgn="base" hangingPunct="1">
-        <a:spcBef>
-          <a:spcPct val="0"/>
-        </a:spcBef>
-        <a:spcAft>
-          <a:spcPct val="0"/>
-        </a:spcAft>
-        <a:defRPr sz="3200">
-          <a:solidFill>
-            <a:schemeClr val="accent1"/>
-          </a:solidFill>
-          <a:latin typeface="HelveticaNeueLT Pro 45 Lt" charset="0"/>
-          <a:ea typeface="ＭＳ Ｐゴシック" charset="0"/>
-          <a:cs typeface="HelveticaNeueLT Pro 45 Lt" charset="0"/>
-        </a:defRPr>
-      </a:lvl5pPr>
-      <a:lvl6pPr marL="220599" algn="l" defTabSz="955894" rtl="0" eaLnBrk="1" fontAlgn="base" hangingPunct="1">
-        <a:spcBef>
-          <a:spcPct val="0"/>
-        </a:spcBef>
-        <a:spcAft>
-          <a:spcPct val="0"/>
-        </a:spcAft>
-        <a:defRPr sz="3300">
-          <a:solidFill>
-            <a:schemeClr val="accent1"/>
-          </a:solidFill>
-          <a:latin typeface="Arial" charset="0"/>
-        </a:defRPr>
-      </a:lvl6pPr>
-      <a:lvl7pPr marL="441176" algn="l" defTabSz="955894" rtl="0" eaLnBrk="1" fontAlgn="base" hangingPunct="1">
-        <a:spcBef>
-          <a:spcPct val="0"/>
-        </a:spcBef>
-        <a:spcAft>
-          <a:spcPct val="0"/>
-        </a:spcAft>
-        <a:defRPr sz="3300">
-          <a:solidFill>
-            <a:schemeClr val="accent1"/>
-          </a:solidFill>
-          <a:latin typeface="Arial" charset="0"/>
-        </a:defRPr>
-      </a:lvl7pPr>
-      <a:lvl8pPr marL="661770" algn="l" defTabSz="955894" rtl="0" eaLnBrk="1" fontAlgn="base" hangingPunct="1">
-        <a:spcBef>
-          <a:spcPct val="0"/>
-        </a:spcBef>
-        <a:spcAft>
-          <a:spcPct val="0"/>
-        </a:spcAft>
-        <a:defRPr sz="3300">
-          <a:solidFill>
-            <a:schemeClr val="accent1"/>
-          </a:solidFill>
-          <a:latin typeface="Arial" charset="0"/>
-        </a:defRPr>
-      </a:lvl8pPr>
-      <a:lvl9pPr marL="882370" algn="l" defTabSz="955894" rtl="0" eaLnBrk="1" fontAlgn="base" hangingPunct="1">
-        <a:spcBef>
-          <a:spcPct val="0"/>
-        </a:spcBef>
-        <a:spcAft>
-          <a:spcPct val="0"/>
-        </a:spcAft>
-        <a:defRPr sz="3300">
-          <a:solidFill>
-            <a:schemeClr val="accent1"/>
-          </a:solidFill>
-          <a:latin typeface="Arial" charset="0"/>
+          <a:latin typeface="Arial" pitchFamily="-112" charset="0"/>
+          <a:ea typeface="Geneva" pitchFamily="-112" charset="0"/>
+          <a:cs typeface="Geneva" pitchFamily="-112" charset="0"/>
         </a:defRPr>
       </a:lvl9pPr>
     </p:titleStyle>
     <p:bodyStyle>
-      <a:lvl1pPr marL="354013" indent="-354013" algn="l" defTabSz="952500" rtl="0" eaLnBrk="1" fontAlgn="base" hangingPunct="1">
+      <a:lvl1pPr marL="342900" indent="-342900" algn="l" rtl="0" eaLnBrk="1" fontAlgn="base" hangingPunct="1">
         <a:spcBef>
           <a:spcPct val="20000"/>
         </a:spcBef>
         <a:spcAft>
-          <a:spcPts val="575"/>
+          <a:spcPts val="600"/>
         </a:spcAft>
         <a:buClr>
           <a:schemeClr val="accent1"/>
         </a:buClr>
-        <a:buSzPct val="120000"/>
-        <a:buFont typeface="Arial" charset="0"/>
         <a:buChar char="•"/>
         <a:defRPr sz="2400">
           <a:solidFill>
             <a:schemeClr val="tx1"/>
           </a:solidFill>
-          <a:latin typeface="HelveticaNeueLT Pro 45 Lt"/>
+          <a:latin typeface="Corbel"/>
           <a:ea typeface="ＭＳ Ｐゴシック" charset="0"/>
-          <a:cs typeface="HelveticaNeueLT Pro 45 Lt"/>
+          <a:cs typeface="+mn-cs"/>
         </a:defRPr>
       </a:lvl1pPr>
-      <a:lvl2pPr marL="631825" indent="-276225" algn="l" defTabSz="952500" rtl="0" eaLnBrk="1" fontAlgn="base" hangingPunct="1">
+      <a:lvl2pPr marL="742950" indent="-285750" algn="l" rtl="0" eaLnBrk="1" fontAlgn="base" hangingPunct="1">
         <a:spcBef>
           <a:spcPct val="20000"/>
         </a:spcBef>
         <a:spcAft>
-          <a:spcPts val="575"/>
-        </a:spcAft>
-        <a:buClr>
-          <a:srgbClr val="FF8C9A"/>
-        </a:buClr>
-        <a:buSzPct val="100000"/>
-        <a:buFont typeface="Arial" charset="0"/>
-        <a:buChar char="•"/>
-        <a:defRPr sz="2200">
-          <a:solidFill>
-            <a:schemeClr val="tx1"/>
-          </a:solidFill>
-          <a:latin typeface="HelveticaNeueLT Pro 45 Lt"/>
-          <a:ea typeface="ＭＳ Ｐゴシック" charset="0"/>
-          <a:cs typeface="HelveticaNeueLT Pro 45 Lt"/>
-        </a:defRPr>
-      </a:lvl2pPr>
-      <a:lvl3pPr marL="895350" indent="-234950" algn="l" defTabSz="952500" rtl="0" eaLnBrk="1" fontAlgn="base" hangingPunct="1">
-        <a:spcBef>
-          <a:spcPct val="20000"/>
-        </a:spcBef>
-        <a:spcAft>
-          <a:spcPts val="575"/>
-        </a:spcAft>
-        <a:buClr>
-          <a:srgbClr val="FF8C9A"/>
-        </a:buClr>
-        <a:buFont typeface="Times" charset="0"/>
-        <a:buChar char="•"/>
-        <a:defRPr sz="2000">
-          <a:solidFill>
-            <a:schemeClr val="tx1"/>
-          </a:solidFill>
-          <a:latin typeface="HelveticaNeueLT Pro 45 Lt"/>
-          <a:ea typeface="ＭＳ Ｐゴシック" charset="0"/>
-          <a:cs typeface="HelveticaNeueLT Pro 45 Lt"/>
-        </a:defRPr>
-      </a:lvl3pPr>
-      <a:lvl4pPr marL="1147763" indent="-234950" algn="l" defTabSz="952500" rtl="0" eaLnBrk="1" fontAlgn="base" hangingPunct="1">
-        <a:spcBef>
-          <a:spcPct val="20000"/>
-        </a:spcBef>
-        <a:spcAft>
-          <a:spcPts val="575"/>
+          <a:spcPts val="600"/>
         </a:spcAft>
         <a:buClr>
           <a:schemeClr val="accent1"/>
@@ -2892,17 +4078,17 @@
           <a:solidFill>
             <a:schemeClr val="tx1"/>
           </a:solidFill>
-          <a:latin typeface="HelveticaNeueLT Pro 45 Lt"/>
-          <a:ea typeface="ＭＳ Ｐゴシック" charset="0"/>
-          <a:cs typeface="HelveticaNeueLT Pro 45 Lt"/>
+          <a:latin typeface="Corbel"/>
+          <a:ea typeface="+mn-ea"/>
+          <a:cs typeface="+mn-cs"/>
         </a:defRPr>
-      </a:lvl4pPr>
-      <a:lvl5pPr marL="1400175" indent="-234950" algn="l" defTabSz="952500" rtl="0" eaLnBrk="1" fontAlgn="base" hangingPunct="1">
+      </a:lvl2pPr>
+      <a:lvl3pPr marL="1143000" indent="-228600" algn="l" rtl="0" eaLnBrk="1" fontAlgn="base" hangingPunct="1">
         <a:spcBef>
           <a:spcPct val="20000"/>
         </a:spcBef>
         <a:spcAft>
-          <a:spcPts val="575"/>
+          <a:spcPts val="600"/>
         </a:spcAft>
         <a:buClr>
           <a:schemeClr val="accent1"/>
@@ -2913,571 +4099,17 @@
           <a:solidFill>
             <a:schemeClr val="tx1"/>
           </a:solidFill>
-          <a:latin typeface="HelveticaNeueLT Pro 45 Lt"/>
-          <a:ea typeface="ＭＳ Ｐゴシック" charset="0"/>
-          <a:cs typeface="HelveticaNeueLT Pro 45 Lt"/>
+          <a:latin typeface="Corbel"/>
+          <a:ea typeface="+mn-ea"/>
+          <a:cs typeface="+mn-cs"/>
         </a:defRPr>
-      </a:lvl5pPr>
-      <a:lvl6pPr marL="2371346" indent="-238971" algn="l" defTabSz="955894" rtl="0" eaLnBrk="1" fontAlgn="base" hangingPunct="1">
+      </a:lvl3pPr>
+      <a:lvl4pPr marL="1600200" indent="-228600" algn="l" rtl="0" eaLnBrk="1" fontAlgn="base" hangingPunct="1">
         <a:spcBef>
           <a:spcPct val="20000"/>
         </a:spcBef>
         <a:spcAft>
-          <a:spcPct val="0"/>
-        </a:spcAft>
-        <a:buClr>
-          <a:schemeClr val="accent1"/>
-        </a:buClr>
-        <a:buFont typeface="Times" pitchFamily="48" charset="0"/>
-        <a:buChar char="•"/>
-        <a:defRPr sz="2100">
-          <a:solidFill>
-            <a:schemeClr val="tx1"/>
-          </a:solidFill>
-          <a:latin typeface="+mn-lt"/>
-        </a:defRPr>
-      </a:lvl6pPr>
-      <a:lvl7pPr marL="2591945" indent="-238971" algn="l" defTabSz="955894" rtl="0" eaLnBrk="1" fontAlgn="base" hangingPunct="1">
-        <a:spcBef>
-          <a:spcPct val="20000"/>
-        </a:spcBef>
-        <a:spcAft>
-          <a:spcPct val="0"/>
-        </a:spcAft>
-        <a:buClr>
-          <a:schemeClr val="accent1"/>
-        </a:buClr>
-        <a:buFont typeface="Times" pitchFamily="48" charset="0"/>
-        <a:buChar char="•"/>
-        <a:defRPr sz="2100">
-          <a:solidFill>
-            <a:schemeClr val="tx1"/>
-          </a:solidFill>
-          <a:latin typeface="+mn-lt"/>
-        </a:defRPr>
-      </a:lvl7pPr>
-      <a:lvl8pPr marL="2812522" indent="-238971" algn="l" defTabSz="955894" rtl="0" eaLnBrk="1" fontAlgn="base" hangingPunct="1">
-        <a:spcBef>
-          <a:spcPct val="20000"/>
-        </a:spcBef>
-        <a:spcAft>
-          <a:spcPct val="0"/>
-        </a:spcAft>
-        <a:buClr>
-          <a:schemeClr val="accent1"/>
-        </a:buClr>
-        <a:buFont typeface="Times" pitchFamily="48" charset="0"/>
-        <a:buChar char="•"/>
-        <a:defRPr sz="2100">
-          <a:solidFill>
-            <a:schemeClr val="tx1"/>
-          </a:solidFill>
-          <a:latin typeface="+mn-lt"/>
-        </a:defRPr>
-      </a:lvl8pPr>
-      <a:lvl9pPr marL="3033117" indent="-238971" algn="l" defTabSz="955894" rtl="0" eaLnBrk="1" fontAlgn="base" hangingPunct="1">
-        <a:spcBef>
-          <a:spcPct val="20000"/>
-        </a:spcBef>
-        <a:spcAft>
-          <a:spcPct val="0"/>
-        </a:spcAft>
-        <a:buClr>
-          <a:schemeClr val="accent1"/>
-        </a:buClr>
-        <a:buFont typeface="Times" pitchFamily="48" charset="0"/>
-        <a:buChar char="•"/>
-        <a:defRPr sz="2100">
-          <a:solidFill>
-            <a:schemeClr val="tx1"/>
-          </a:solidFill>
-          <a:latin typeface="+mn-lt"/>
-        </a:defRPr>
-      </a:lvl9pPr>
-    </p:bodyStyle>
-    <p:otherStyle>
-      <a:defPPr>
-        <a:defRPr lang="en-US"/>
-      </a:defPPr>
-      <a:lvl1pPr marL="0" algn="l" defTabSz="441176" rtl="0" eaLnBrk="1" latinLnBrk="0" hangingPunct="1">
-        <a:defRPr sz="800" kern="1200">
-          <a:solidFill>
-            <a:schemeClr val="tx1"/>
-          </a:solidFill>
-          <a:latin typeface="+mn-lt"/>
-          <a:ea typeface="+mn-ea"/>
-          <a:cs typeface="+mn-cs"/>
-        </a:defRPr>
-      </a:lvl1pPr>
-      <a:lvl2pPr marL="220599" algn="l" defTabSz="441176" rtl="0" eaLnBrk="1" latinLnBrk="0" hangingPunct="1">
-        <a:defRPr sz="800" kern="1200">
-          <a:solidFill>
-            <a:schemeClr val="tx1"/>
-          </a:solidFill>
-          <a:latin typeface="+mn-lt"/>
-          <a:ea typeface="+mn-ea"/>
-          <a:cs typeface="+mn-cs"/>
-        </a:defRPr>
-      </a:lvl2pPr>
-      <a:lvl3pPr marL="441176" algn="l" defTabSz="441176" rtl="0" eaLnBrk="1" latinLnBrk="0" hangingPunct="1">
-        <a:defRPr sz="800" kern="1200">
-          <a:solidFill>
-            <a:schemeClr val="tx1"/>
-          </a:solidFill>
-          <a:latin typeface="+mn-lt"/>
-          <a:ea typeface="+mn-ea"/>
-          <a:cs typeface="+mn-cs"/>
-        </a:defRPr>
-      </a:lvl3pPr>
-      <a:lvl4pPr marL="661770" algn="l" defTabSz="441176" rtl="0" eaLnBrk="1" latinLnBrk="0" hangingPunct="1">
-        <a:defRPr sz="800" kern="1200">
-          <a:solidFill>
-            <a:schemeClr val="tx1"/>
-          </a:solidFill>
-          <a:latin typeface="+mn-lt"/>
-          <a:ea typeface="+mn-ea"/>
-          <a:cs typeface="+mn-cs"/>
-        </a:defRPr>
-      </a:lvl4pPr>
-      <a:lvl5pPr marL="882370" algn="l" defTabSz="441176" rtl="0" eaLnBrk="1" latinLnBrk="0" hangingPunct="1">
-        <a:defRPr sz="800" kern="1200">
-          <a:solidFill>
-            <a:schemeClr val="tx1"/>
-          </a:solidFill>
-          <a:latin typeface="+mn-lt"/>
-          <a:ea typeface="+mn-ea"/>
-          <a:cs typeface="+mn-cs"/>
-        </a:defRPr>
-      </a:lvl5pPr>
-      <a:lvl6pPr marL="1102943" algn="l" defTabSz="441176" rtl="0" eaLnBrk="1" latinLnBrk="0" hangingPunct="1">
-        <a:defRPr sz="800" kern="1200">
-          <a:solidFill>
-            <a:schemeClr val="tx1"/>
-          </a:solidFill>
-          <a:latin typeface="+mn-lt"/>
-          <a:ea typeface="+mn-ea"/>
-          <a:cs typeface="+mn-cs"/>
-        </a:defRPr>
-      </a:lvl6pPr>
-      <a:lvl7pPr marL="1323541" algn="l" defTabSz="441176" rtl="0" eaLnBrk="1" latinLnBrk="0" hangingPunct="1">
-        <a:defRPr sz="800" kern="1200">
-          <a:solidFill>
-            <a:schemeClr val="tx1"/>
-          </a:solidFill>
-          <a:latin typeface="+mn-lt"/>
-          <a:ea typeface="+mn-ea"/>
-          <a:cs typeface="+mn-cs"/>
-        </a:defRPr>
-      </a:lvl7pPr>
-      <a:lvl8pPr marL="1544140" algn="l" defTabSz="441176" rtl="0" eaLnBrk="1" latinLnBrk="0" hangingPunct="1">
-        <a:defRPr sz="800" kern="1200">
-          <a:solidFill>
-            <a:schemeClr val="tx1"/>
-          </a:solidFill>
-          <a:latin typeface="+mn-lt"/>
-          <a:ea typeface="+mn-ea"/>
-          <a:cs typeface="+mn-cs"/>
-        </a:defRPr>
-      </a:lvl8pPr>
-      <a:lvl9pPr marL="1764733" algn="l" defTabSz="441176" rtl="0" eaLnBrk="1" latinLnBrk="0" hangingPunct="1">
-        <a:defRPr sz="800" kern="1200">
-          <a:solidFill>
-            <a:schemeClr val="tx1"/>
-          </a:solidFill>
-          <a:latin typeface="+mn-lt"/>
-          <a:ea typeface="+mn-ea"/>
-          <a:cs typeface="+mn-cs"/>
-        </a:defRPr>
-      </a:lvl9pPr>
-    </p:otherStyle>
-  </p:txStyles>
-</p:sldMaster>
-</file>
-
-<file path=ppt/slideMasters/slideMaster2.xml><?xml version="1.0" encoding="utf-8"?>
-<p:sldMaster xmlns:a="http://schemas.openxmlformats.org/drawingml/2006/main" xmlns:r="http://schemas.openxmlformats.org/officeDocument/2006/relationships" xmlns:p="http://schemas.openxmlformats.org/presentationml/2006/main" preserve="1">
-  <p:cSld>
-    <p:bg>
-      <p:bgPr>
-        <a:solidFill>
-          <a:schemeClr val="bg1"/>
-        </a:solidFill>
-        <a:effectLst/>
-      </p:bgPr>
-    </p:bg>
-    <p:spTree>
-      <p:nvGrpSpPr>
-        <p:cNvPr id="1" name=""/>
-        <p:cNvGrpSpPr/>
-        <p:nvPr/>
-      </p:nvGrpSpPr>
-      <p:grpSpPr>
-        <a:xfrm>
-          <a:off x="0" y="0"/>
-          <a:ext cx="0" cy="0"/>
-          <a:chOff x="0" y="0"/>
-          <a:chExt cx="0" cy="0"/>
-        </a:xfrm>
-      </p:grpSpPr>
-      <p:sp>
-        <p:nvSpPr>
-          <p:cNvPr id="2050" name="Rectangle 2"/>
-          <p:cNvSpPr>
-            <a:spLocks noGrp="1" noChangeArrowheads="1"/>
-          </p:cNvSpPr>
-          <p:nvPr>
-            <p:ph type="title"/>
-          </p:nvPr>
-        </p:nvSpPr>
-        <p:spPr bwMode="auto">
-          <a:xfrm>
-            <a:off x="533400" y="304800"/>
-            <a:ext cx="8153400" cy="762000"/>
-          </a:xfrm>
-          <a:prstGeom prst="rect">
-            <a:avLst/>
-          </a:prstGeom>
-          <a:noFill/>
-          <a:ln>
-            <a:noFill/>
-          </a:ln>
-          <a:extLst>
-            <a:ext uri="{909E8E84-426E-40dd-AFC4-6F175D3DCCD1}">
-              <a14:hiddenFill xmlns="" xmlns:a14="http://schemas.microsoft.com/office/drawing/2010/main">
-                <a:solidFill>
-                  <a:srgbClr val="FFFFFF"/>
-                </a:solidFill>
-              </a14:hiddenFill>
-            </a:ext>
-            <a:ext uri="{91240B29-F687-4f45-9708-019B960494DF}">
-              <a14:hiddenLine xmlns="" xmlns:a14="http://schemas.microsoft.com/office/drawing/2010/main" w="9525">
-                <a:solidFill>
-                  <a:srgbClr val="000000"/>
-                </a:solidFill>
-                <a:miter lim="800000"/>
-                <a:headEnd/>
-                <a:tailEnd/>
-              </a14:hiddenLine>
-            </a:ext>
-            <a:ext uri="{FAA26D3D-D897-4be2-8F04-BA451C77F1D7}">
-              <ma14:placeholderFlag xmlns="" xmlns:ma14="http://schemas.microsoft.com/office/mac/drawingml/2011/main" val="1"/>
-            </a:ext>
-          </a:extLst>
-        </p:spPr>
-        <p:txBody>
-          <a:bodyPr vert="horz" wrap="square" lIns="0" tIns="0" rIns="0" bIns="0" numCol="1" anchor="t" anchorCtr="0" compatLnSpc="1">
-            <a:prstTxWarp prst="textNoShape">
-              <a:avLst/>
-            </a:prstTxWarp>
-          </a:bodyPr>
-          <a:lstStyle/>
-          <a:p>
-            <a:pPr lvl="0"/>
-            <a:r>
-              <a:rPr lang="de-DE"/>
-              <a:t>Click to edit Master title style</a:t>
-            </a:r>
-          </a:p>
-        </p:txBody>
-      </p:sp>
-      <p:sp>
-        <p:nvSpPr>
-          <p:cNvPr id="2051" name="Rectangle 3"/>
-          <p:cNvSpPr>
-            <a:spLocks noGrp="1" noChangeArrowheads="1"/>
-          </p:cNvSpPr>
-          <p:nvPr>
-            <p:ph type="body" idx="1"/>
-          </p:nvPr>
-        </p:nvSpPr>
-        <p:spPr bwMode="auto">
-          <a:xfrm>
-            <a:off x="533400" y="1219200"/>
-            <a:ext cx="8153400" cy="4351338"/>
-          </a:xfrm>
-          <a:prstGeom prst="rect">
-            <a:avLst/>
-          </a:prstGeom>
-          <a:noFill/>
-          <a:ln>
-            <a:noFill/>
-          </a:ln>
-          <a:extLst>
-            <a:ext uri="{909E8E84-426E-40dd-AFC4-6F175D3DCCD1}">
-              <a14:hiddenFill xmlns="" xmlns:a14="http://schemas.microsoft.com/office/drawing/2010/main">
-                <a:solidFill>
-                  <a:srgbClr val="FFFFFF"/>
-                </a:solidFill>
-              </a14:hiddenFill>
-            </a:ext>
-            <a:ext uri="{91240B29-F687-4f45-9708-019B960494DF}">
-              <a14:hiddenLine xmlns="" xmlns:a14="http://schemas.microsoft.com/office/drawing/2010/main" w="9525">
-                <a:solidFill>
-                  <a:srgbClr val="000000"/>
-                </a:solidFill>
-                <a:miter lim="800000"/>
-                <a:headEnd/>
-                <a:tailEnd/>
-              </a14:hiddenLine>
-            </a:ext>
-            <a:ext uri="{FAA26D3D-D897-4be2-8F04-BA451C77F1D7}">
-              <ma14:placeholderFlag xmlns="" xmlns:ma14="http://schemas.microsoft.com/office/mac/drawingml/2011/main" val="1"/>
-            </a:ext>
-          </a:extLst>
-        </p:spPr>
-        <p:txBody>
-          <a:bodyPr vert="horz" wrap="square" lIns="0" tIns="0" rIns="0" bIns="0" numCol="1" anchor="t" anchorCtr="0" compatLnSpc="1">
-            <a:prstTxWarp prst="textNoShape">
-              <a:avLst/>
-            </a:prstTxWarp>
-          </a:bodyPr>
-          <a:lstStyle/>
-          <a:p>
-            <a:pPr lvl="0"/>
-            <a:r>
-              <a:rPr lang="de-DE"/>
-              <a:t>Click to edit Master text styles</a:t>
-            </a:r>
-          </a:p>
-          <a:p>
-            <a:pPr lvl="1"/>
-            <a:r>
-              <a:rPr lang="de-DE"/>
-              <a:t>Second level</a:t>
-            </a:r>
-          </a:p>
-          <a:p>
-            <a:pPr lvl="2"/>
-            <a:r>
-              <a:rPr lang="de-DE"/>
-              <a:t>Third level</a:t>
-            </a:r>
-          </a:p>
-          <a:p>
-            <a:pPr lvl="3"/>
-            <a:r>
-              <a:rPr lang="de-DE"/>
-              <a:t>Fourth level</a:t>
-            </a:r>
-          </a:p>
-          <a:p>
-            <a:pPr lvl="4"/>
-            <a:r>
-              <a:rPr lang="de-DE"/>
-              <a:t>Fifth level</a:t>
-            </a:r>
-          </a:p>
-        </p:txBody>
-      </p:sp>
-    </p:spTree>
-  </p:cSld>
-  <p:clrMap bg1="lt1" tx1="dk1" bg2="lt2" tx2="dk2" accent1="accent1" accent2="accent2" accent3="accent3" accent4="accent4" accent5="accent5" accent6="accent6" hlink="hlink" folHlink="folHlink"/>
-  <p:sldLayoutIdLst>
-    <p:sldLayoutId id="2147483694" r:id="rId1"/>
-    <p:sldLayoutId id="2147483695" r:id="rId2"/>
-    <p:sldLayoutId id="2147483696" r:id="rId3"/>
-  </p:sldLayoutIdLst>
-  <p:transition>
-    <p:cut/>
-  </p:transition>
-  <p:timing>
-    <p:tnLst>
-      <p:par>
-        <p:cTn id="1" dur="indefinite" restart="never" nodeType="tmRoot"/>
-      </p:par>
-    </p:tnLst>
-  </p:timing>
-  <p:hf hdr="0" ftr="0"/>
-  <p:txStyles>
-    <p:titleStyle>
-      <a:lvl1pPr algn="l" defTabSz="952500" rtl="0" eaLnBrk="0" fontAlgn="base" hangingPunct="0">
-        <a:spcBef>
-          <a:spcPct val="0"/>
-        </a:spcBef>
-        <a:spcAft>
-          <a:spcPct val="0"/>
-        </a:spcAft>
-        <a:defRPr sz="3200">
-          <a:solidFill>
-            <a:schemeClr val="accent1"/>
-          </a:solidFill>
-          <a:latin typeface="HelveticaNeueLT Pro 45 Lt"/>
-          <a:ea typeface="ＭＳ Ｐゴシック" charset="0"/>
-          <a:cs typeface="HelveticaNeueLT Pro 45 Lt"/>
-        </a:defRPr>
-      </a:lvl1pPr>
-      <a:lvl2pPr algn="l" defTabSz="952500" rtl="0" eaLnBrk="0" fontAlgn="base" hangingPunct="0">
-        <a:spcBef>
-          <a:spcPct val="0"/>
-        </a:spcBef>
-        <a:spcAft>
-          <a:spcPct val="0"/>
-        </a:spcAft>
-        <a:defRPr sz="3200">
-          <a:solidFill>
-            <a:schemeClr val="accent1"/>
-          </a:solidFill>
-          <a:latin typeface="HelveticaNeueLT Pro 45 Lt" charset="0"/>
-          <a:ea typeface="ＭＳ Ｐゴシック" charset="0"/>
-          <a:cs typeface="HelveticaNeueLT Pro 45 Lt" charset="0"/>
-        </a:defRPr>
-      </a:lvl2pPr>
-      <a:lvl3pPr algn="l" defTabSz="952500" rtl="0" eaLnBrk="0" fontAlgn="base" hangingPunct="0">
-        <a:spcBef>
-          <a:spcPct val="0"/>
-        </a:spcBef>
-        <a:spcAft>
-          <a:spcPct val="0"/>
-        </a:spcAft>
-        <a:defRPr sz="3200">
-          <a:solidFill>
-            <a:schemeClr val="accent1"/>
-          </a:solidFill>
-          <a:latin typeface="HelveticaNeueLT Pro 45 Lt" charset="0"/>
-          <a:ea typeface="ＭＳ Ｐゴシック" charset="0"/>
-          <a:cs typeface="HelveticaNeueLT Pro 45 Lt" charset="0"/>
-        </a:defRPr>
-      </a:lvl3pPr>
-      <a:lvl4pPr algn="l" defTabSz="952500" rtl="0" eaLnBrk="0" fontAlgn="base" hangingPunct="0">
-        <a:spcBef>
-          <a:spcPct val="0"/>
-        </a:spcBef>
-        <a:spcAft>
-          <a:spcPct val="0"/>
-        </a:spcAft>
-        <a:defRPr sz="3200">
-          <a:solidFill>
-            <a:schemeClr val="accent1"/>
-          </a:solidFill>
-          <a:latin typeface="HelveticaNeueLT Pro 45 Lt" charset="0"/>
-          <a:ea typeface="ＭＳ Ｐゴシック" charset="0"/>
-          <a:cs typeface="HelveticaNeueLT Pro 45 Lt" charset="0"/>
-        </a:defRPr>
-      </a:lvl4pPr>
-      <a:lvl5pPr algn="l" defTabSz="952500" rtl="0" eaLnBrk="0" fontAlgn="base" hangingPunct="0">
-        <a:spcBef>
-          <a:spcPct val="0"/>
-        </a:spcBef>
-        <a:spcAft>
-          <a:spcPct val="0"/>
-        </a:spcAft>
-        <a:defRPr sz="3200">
-          <a:solidFill>
-            <a:schemeClr val="accent1"/>
-          </a:solidFill>
-          <a:latin typeface="HelveticaNeueLT Pro 45 Lt" charset="0"/>
-          <a:ea typeface="ＭＳ Ｐゴシック" charset="0"/>
-          <a:cs typeface="HelveticaNeueLT Pro 45 Lt" charset="0"/>
-        </a:defRPr>
-      </a:lvl5pPr>
-      <a:lvl6pPr marL="220599" algn="l" defTabSz="955894" rtl="0" fontAlgn="base">
-        <a:spcBef>
-          <a:spcPct val="0"/>
-        </a:spcBef>
-        <a:spcAft>
-          <a:spcPct val="0"/>
-        </a:spcAft>
-        <a:defRPr sz="3300">
-          <a:solidFill>
-            <a:schemeClr val="accent1"/>
-          </a:solidFill>
-          <a:latin typeface="Arial" charset="0"/>
-        </a:defRPr>
-      </a:lvl6pPr>
-      <a:lvl7pPr marL="441176" algn="l" defTabSz="955894" rtl="0" fontAlgn="base">
-        <a:spcBef>
-          <a:spcPct val="0"/>
-        </a:spcBef>
-        <a:spcAft>
-          <a:spcPct val="0"/>
-        </a:spcAft>
-        <a:defRPr sz="3300">
-          <a:solidFill>
-            <a:schemeClr val="accent1"/>
-          </a:solidFill>
-          <a:latin typeface="Arial" charset="0"/>
-        </a:defRPr>
-      </a:lvl7pPr>
-      <a:lvl8pPr marL="661770" algn="l" defTabSz="955894" rtl="0" fontAlgn="base">
-        <a:spcBef>
-          <a:spcPct val="0"/>
-        </a:spcBef>
-        <a:spcAft>
-          <a:spcPct val="0"/>
-        </a:spcAft>
-        <a:defRPr sz="3300">
-          <a:solidFill>
-            <a:schemeClr val="accent1"/>
-          </a:solidFill>
-          <a:latin typeface="Arial" charset="0"/>
-        </a:defRPr>
-      </a:lvl8pPr>
-      <a:lvl9pPr marL="882370" algn="l" defTabSz="955894" rtl="0" fontAlgn="base">
-        <a:spcBef>
-          <a:spcPct val="0"/>
-        </a:spcBef>
-        <a:spcAft>
-          <a:spcPct val="0"/>
-        </a:spcAft>
-        <a:defRPr sz="3300">
-          <a:solidFill>
-            <a:schemeClr val="accent1"/>
-          </a:solidFill>
-          <a:latin typeface="Arial" charset="0"/>
-        </a:defRPr>
-      </a:lvl9pPr>
-    </p:titleStyle>
-    <p:bodyStyle>
-      <a:lvl1pPr marL="354013" indent="-354013" algn="l" defTabSz="952500" rtl="0" eaLnBrk="0" fontAlgn="base" hangingPunct="0">
-        <a:spcBef>
-          <a:spcPct val="20000"/>
-        </a:spcBef>
-        <a:spcAft>
-          <a:spcPts val="575"/>
-        </a:spcAft>
-        <a:buClr>
-          <a:schemeClr val="accent1"/>
-        </a:buClr>
-        <a:buSzPct val="120000"/>
-        <a:buFont typeface="Arial" charset="0"/>
-        <a:buChar char="•"/>
-        <a:defRPr sz="2400">
-          <a:solidFill>
-            <a:schemeClr val="tx1"/>
-          </a:solidFill>
-          <a:latin typeface="HelveticaNeueLT Pro 45 Lt"/>
-          <a:ea typeface="ＭＳ Ｐゴシック" charset="0"/>
-          <a:cs typeface="HelveticaNeueLT Pro 45 Lt"/>
-        </a:defRPr>
-      </a:lvl1pPr>
-      <a:lvl2pPr marL="631825" indent="-276225" algn="l" defTabSz="952500" rtl="0" eaLnBrk="0" fontAlgn="base" hangingPunct="0">
-        <a:spcBef>
-          <a:spcPct val="20000"/>
-        </a:spcBef>
-        <a:spcAft>
-          <a:spcPts val="575"/>
-        </a:spcAft>
-        <a:buClr>
-          <a:schemeClr val="accent1"/>
-        </a:buClr>
-        <a:buSzPct val="100000"/>
-        <a:buFont typeface="Arial" charset="0"/>
-        <a:buChar char="•"/>
-        <a:defRPr sz="2200">
-          <a:solidFill>
-            <a:schemeClr val="tx1"/>
-          </a:solidFill>
-          <a:latin typeface="HelveticaNeueLT Pro 45 Lt"/>
-          <a:ea typeface="ＭＳ Ｐゴシック" charset="0"/>
-          <a:cs typeface="HelveticaNeueLT Pro 45 Lt"/>
-        </a:defRPr>
-      </a:lvl2pPr>
-      <a:lvl3pPr marL="895350" indent="-234950" algn="l" defTabSz="952500" rtl="0" eaLnBrk="0" fontAlgn="base" hangingPunct="0">
-        <a:spcBef>
-          <a:spcPct val="20000"/>
-        </a:spcBef>
-        <a:spcAft>
-          <a:spcPts val="575"/>
+          <a:spcPts val="600"/>
         </a:spcAft>
         <a:buClr>
           <a:schemeClr val="accent1"/>
@@ -3488,17 +4120,17 @@
           <a:solidFill>
             <a:schemeClr val="tx1"/>
           </a:solidFill>
-          <a:latin typeface="HelveticaNeueLT Pro 45 Lt"/>
-          <a:ea typeface="ＭＳ Ｐゴシック" charset="0"/>
-          <a:cs typeface="HelveticaNeueLT Pro 45 Lt"/>
+          <a:latin typeface="Corbel"/>
+          <a:ea typeface="+mn-ea"/>
+          <a:cs typeface="+mn-cs"/>
         </a:defRPr>
-      </a:lvl3pPr>
-      <a:lvl4pPr marL="1147763" indent="-234950" algn="l" defTabSz="952500" rtl="0" eaLnBrk="0" fontAlgn="base" hangingPunct="0">
+      </a:lvl4pPr>
+      <a:lvl5pPr marL="2057400" indent="-228600" algn="l" rtl="0" eaLnBrk="1" fontAlgn="base" hangingPunct="1">
         <a:spcBef>
           <a:spcPct val="20000"/>
         </a:spcBef>
         <a:spcAft>
-          <a:spcPts val="575"/>
+          <a:spcPts val="600"/>
         </a:spcAft>
         <a:buClr>
           <a:schemeClr val="accent1"/>
@@ -3509,33 +4141,12 @@
           <a:solidFill>
             <a:schemeClr val="tx1"/>
           </a:solidFill>
-          <a:latin typeface="HelveticaNeueLT Pro 45 Lt"/>
-          <a:ea typeface="ＭＳ Ｐゴシック" charset="0"/>
-          <a:cs typeface="HelveticaNeueLT Pro 45 Lt"/>
-        </a:defRPr>
-      </a:lvl4pPr>
-      <a:lvl5pPr marL="1400175" indent="-234950" algn="l" defTabSz="952500" rtl="0" eaLnBrk="0" fontAlgn="base" hangingPunct="0">
-        <a:spcBef>
-          <a:spcPct val="20000"/>
-        </a:spcBef>
-        <a:spcAft>
-          <a:spcPts val="575"/>
-        </a:spcAft>
-        <a:buClr>
-          <a:schemeClr val="accent1"/>
-        </a:buClr>
-        <a:buFont typeface="Times" charset="0"/>
-        <a:buChar char="•"/>
-        <a:defRPr sz="2000">
-          <a:solidFill>
-            <a:schemeClr val="tx1"/>
-          </a:solidFill>
-          <a:latin typeface="HelveticaNeueLT Pro 45 Lt"/>
-          <a:ea typeface="ＭＳ Ｐゴシック" charset="0"/>
-          <a:cs typeface="HelveticaNeueLT Pro 45 Lt"/>
+          <a:latin typeface="Corbel"/>
+          <a:ea typeface="+mn-ea"/>
+          <a:cs typeface="+mn-cs"/>
         </a:defRPr>
       </a:lvl5pPr>
-      <a:lvl6pPr marL="2371346" indent="-238971" algn="l" defTabSz="955894" rtl="0" fontAlgn="base">
+      <a:lvl6pPr marL="2514600" indent="-228600" algn="l" rtl="0" eaLnBrk="1" fontAlgn="base" hangingPunct="1">
         <a:spcBef>
           <a:spcPct val="20000"/>
         </a:spcBef>
@@ -3545,16 +4156,18 @@
         <a:buClr>
           <a:schemeClr val="accent1"/>
         </a:buClr>
-        <a:buFont typeface="Times" pitchFamily="48" charset="0"/>
+        <a:buFont typeface="Times" pitchFamily="-112" charset="0"/>
         <a:buChar char="•"/>
-        <a:defRPr sz="2100">
+        <a:defRPr sz="2000">
           <a:solidFill>
             <a:schemeClr val="tx1"/>
           </a:solidFill>
           <a:latin typeface="+mn-lt"/>
+          <a:ea typeface="+mn-ea"/>
+          <a:cs typeface="+mn-cs"/>
         </a:defRPr>
       </a:lvl6pPr>
-      <a:lvl7pPr marL="2591945" indent="-238971" algn="l" defTabSz="955894" rtl="0" fontAlgn="base">
+      <a:lvl7pPr marL="2971800" indent="-228600" algn="l" rtl="0" eaLnBrk="1" fontAlgn="base" hangingPunct="1">
         <a:spcBef>
           <a:spcPct val="20000"/>
         </a:spcBef>
@@ -3564,16 +4177,18 @@
         <a:buClr>
           <a:schemeClr val="accent1"/>
         </a:buClr>
-        <a:buFont typeface="Times" pitchFamily="48" charset="0"/>
+        <a:buFont typeface="Times" pitchFamily="-112" charset="0"/>
         <a:buChar char="•"/>
-        <a:defRPr sz="2100">
+        <a:defRPr sz="2000">
           <a:solidFill>
             <a:schemeClr val="tx1"/>
           </a:solidFill>
           <a:latin typeface="+mn-lt"/>
+          <a:ea typeface="+mn-ea"/>
+          <a:cs typeface="+mn-cs"/>
         </a:defRPr>
       </a:lvl7pPr>
-      <a:lvl8pPr marL="2812522" indent="-238971" algn="l" defTabSz="955894" rtl="0" fontAlgn="base">
+      <a:lvl8pPr marL="3429000" indent="-228600" algn="l" rtl="0" eaLnBrk="1" fontAlgn="base" hangingPunct="1">
         <a:spcBef>
           <a:spcPct val="20000"/>
         </a:spcBef>
@@ -3583,16 +4198,18 @@
         <a:buClr>
           <a:schemeClr val="accent1"/>
         </a:buClr>
-        <a:buFont typeface="Times" pitchFamily="48" charset="0"/>
+        <a:buFont typeface="Times" pitchFamily="-112" charset="0"/>
         <a:buChar char="•"/>
-        <a:defRPr sz="2100">
+        <a:defRPr sz="2000">
           <a:solidFill>
             <a:schemeClr val="tx1"/>
           </a:solidFill>
           <a:latin typeface="+mn-lt"/>
+          <a:ea typeface="+mn-ea"/>
+          <a:cs typeface="+mn-cs"/>
         </a:defRPr>
       </a:lvl8pPr>
-      <a:lvl9pPr marL="3033117" indent="-238971" algn="l" defTabSz="955894" rtl="0" fontAlgn="base">
+      <a:lvl9pPr marL="3886200" indent="-228600" algn="l" rtl="0" eaLnBrk="1" fontAlgn="base" hangingPunct="1">
         <a:spcBef>
           <a:spcPct val="20000"/>
         </a:spcBef>
@@ -3602,22 +4219,24 @@
         <a:buClr>
           <a:schemeClr val="accent1"/>
         </a:buClr>
-        <a:buFont typeface="Times" pitchFamily="48" charset="0"/>
+        <a:buFont typeface="Times" pitchFamily="-112" charset="0"/>
         <a:buChar char="•"/>
-        <a:defRPr sz="2100">
+        <a:defRPr sz="2000">
           <a:solidFill>
             <a:schemeClr val="tx1"/>
           </a:solidFill>
           <a:latin typeface="+mn-lt"/>
+          <a:ea typeface="+mn-ea"/>
+          <a:cs typeface="+mn-cs"/>
         </a:defRPr>
       </a:lvl9pPr>
     </p:bodyStyle>
     <p:otherStyle>
       <a:defPPr>
-        <a:defRPr lang="en-US"/>
+        <a:defRPr lang="de-DE"/>
       </a:defPPr>
-      <a:lvl1pPr marL="0" algn="l" defTabSz="441176" rtl="0" eaLnBrk="1" latinLnBrk="0" hangingPunct="1">
-        <a:defRPr sz="800" kern="1200">
+      <a:lvl1pPr marL="0" algn="l" defTabSz="457200" rtl="0" eaLnBrk="1" latinLnBrk="0" hangingPunct="1">
+        <a:defRPr sz="1800" kern="1200">
           <a:solidFill>
             <a:schemeClr val="tx1"/>
           </a:solidFill>
@@ -3626,8 +4245,8 @@
           <a:cs typeface="+mn-cs"/>
         </a:defRPr>
       </a:lvl1pPr>
-      <a:lvl2pPr marL="220599" algn="l" defTabSz="441176" rtl="0" eaLnBrk="1" latinLnBrk="0" hangingPunct="1">
-        <a:defRPr sz="800" kern="1200">
+      <a:lvl2pPr marL="457200" algn="l" defTabSz="457200" rtl="0" eaLnBrk="1" latinLnBrk="0" hangingPunct="1">
+        <a:defRPr sz="1800" kern="1200">
           <a:solidFill>
             <a:schemeClr val="tx1"/>
           </a:solidFill>
@@ -3636,8 +4255,8 @@
           <a:cs typeface="+mn-cs"/>
         </a:defRPr>
       </a:lvl2pPr>
-      <a:lvl3pPr marL="441176" algn="l" defTabSz="441176" rtl="0" eaLnBrk="1" latinLnBrk="0" hangingPunct="1">
-        <a:defRPr sz="800" kern="1200">
+      <a:lvl3pPr marL="914400" algn="l" defTabSz="457200" rtl="0" eaLnBrk="1" latinLnBrk="0" hangingPunct="1">
+        <a:defRPr sz="1800" kern="1200">
           <a:solidFill>
             <a:schemeClr val="tx1"/>
           </a:solidFill>
@@ -3646,8 +4265,8 @@
           <a:cs typeface="+mn-cs"/>
         </a:defRPr>
       </a:lvl3pPr>
-      <a:lvl4pPr marL="661770" algn="l" defTabSz="441176" rtl="0" eaLnBrk="1" latinLnBrk="0" hangingPunct="1">
-        <a:defRPr sz="800" kern="1200">
+      <a:lvl4pPr marL="1371600" algn="l" defTabSz="457200" rtl="0" eaLnBrk="1" latinLnBrk="0" hangingPunct="1">
+        <a:defRPr sz="1800" kern="1200">
           <a:solidFill>
             <a:schemeClr val="tx1"/>
           </a:solidFill>
@@ -3656,8 +4275,8 @@
           <a:cs typeface="+mn-cs"/>
         </a:defRPr>
       </a:lvl4pPr>
-      <a:lvl5pPr marL="882370" algn="l" defTabSz="441176" rtl="0" eaLnBrk="1" latinLnBrk="0" hangingPunct="1">
-        <a:defRPr sz="800" kern="1200">
+      <a:lvl5pPr marL="1828800" algn="l" defTabSz="457200" rtl="0" eaLnBrk="1" latinLnBrk="0" hangingPunct="1">
+        <a:defRPr sz="1800" kern="1200">
           <a:solidFill>
             <a:schemeClr val="tx1"/>
           </a:solidFill>
@@ -3666,8 +4285,8 @@
           <a:cs typeface="+mn-cs"/>
         </a:defRPr>
       </a:lvl5pPr>
-      <a:lvl6pPr marL="1102943" algn="l" defTabSz="441176" rtl="0" eaLnBrk="1" latinLnBrk="0" hangingPunct="1">
-        <a:defRPr sz="800" kern="1200">
+      <a:lvl6pPr marL="2286000" algn="l" defTabSz="457200" rtl="0" eaLnBrk="1" latinLnBrk="0" hangingPunct="1">
+        <a:defRPr sz="1800" kern="1200">
           <a:solidFill>
             <a:schemeClr val="tx1"/>
           </a:solidFill>
@@ -3676,8 +4295,8 @@
           <a:cs typeface="+mn-cs"/>
         </a:defRPr>
       </a:lvl6pPr>
-      <a:lvl7pPr marL="1323541" algn="l" defTabSz="441176" rtl="0" eaLnBrk="1" latinLnBrk="0" hangingPunct="1">
-        <a:defRPr sz="800" kern="1200">
+      <a:lvl7pPr marL="2743200" algn="l" defTabSz="457200" rtl="0" eaLnBrk="1" latinLnBrk="0" hangingPunct="1">
+        <a:defRPr sz="1800" kern="1200">
           <a:solidFill>
             <a:schemeClr val="tx1"/>
           </a:solidFill>
@@ -3686,8 +4305,8 @@
           <a:cs typeface="+mn-cs"/>
         </a:defRPr>
       </a:lvl7pPr>
-      <a:lvl8pPr marL="1544140" algn="l" defTabSz="441176" rtl="0" eaLnBrk="1" latinLnBrk="0" hangingPunct="1">
-        <a:defRPr sz="800" kern="1200">
+      <a:lvl8pPr marL="3200400" algn="l" defTabSz="457200" rtl="0" eaLnBrk="1" latinLnBrk="0" hangingPunct="1">
+        <a:defRPr sz="1800" kern="1200">
           <a:solidFill>
             <a:schemeClr val="tx1"/>
           </a:solidFill>
@@ -3696,8 +4315,8 @@
           <a:cs typeface="+mn-cs"/>
         </a:defRPr>
       </a:lvl8pPr>
-      <a:lvl9pPr marL="1764733" algn="l" defTabSz="441176" rtl="0" eaLnBrk="1" latinLnBrk="0" hangingPunct="1">
-        <a:defRPr sz="800" kern="1200">
+      <a:lvl9pPr marL="3657600" algn="l" defTabSz="457200" rtl="0" eaLnBrk="1" latinLnBrk="0" hangingPunct="1">
+        <a:defRPr sz="1800" kern="1200">
           <a:solidFill>
             <a:schemeClr val="tx1"/>
           </a:solidFill>
@@ -3730,38 +4349,6 @@
       </p:grpSpPr>
       <p:sp>
         <p:nvSpPr>
-          <p:cNvPr id="11265" name="Subtitle 2"/>
-          <p:cNvSpPr>
-            <a:spLocks noGrp="1"/>
-          </p:cNvSpPr>
-          <p:nvPr>
-            <p:ph type="subTitle" idx="1"/>
-          </p:nvPr>
-        </p:nvSpPr>
-        <p:spPr>
-          <a:xfrm>
-            <a:off x="531813" y="1797050"/>
-            <a:ext cx="6400800" cy="954776"/>
-          </a:xfrm>
-        </p:spPr>
-        <p:txBody>
-          <a:bodyPr/>
-          <a:lstStyle/>
-          <a:p>
-            <a:r>
-              <a:rPr lang="en-GB" dirty="0" smtClean="0">
-                <a:latin typeface="HelveticaNeueLT Pro 45 Lt" charset="0"/>
-              </a:rPr>
-              <a:t>A Step-by-step Guide to Installing a Local EGA Demo using Docker</a:t>
-            </a:r>
-            <a:endParaRPr lang="en-US" dirty="0">
-              <a:latin typeface="HelveticaNeueLT Pro 45 Lt" charset="0"/>
-            </a:endParaRPr>
-          </a:p>
-        </p:txBody>
-      </p:sp>
-      <p:sp>
-        <p:nvSpPr>
           <p:cNvPr id="2" name="Title 1"/>
           <p:cNvSpPr>
             <a:spLocks noGrp="1"/>
@@ -3770,12 +4357,7 @@
             <p:ph type="ctrTitle"/>
           </p:nvPr>
         </p:nvSpPr>
-        <p:spPr>
-          <a:xfrm>
-            <a:off x="533400" y="1039813"/>
-            <a:ext cx="7772400" cy="685800"/>
-          </a:xfrm>
-        </p:spPr>
+        <p:spPr/>
         <p:txBody>
           <a:bodyPr/>
           <a:lstStyle/>
@@ -3785,7 +4367,11 @@
             </a:pPr>
             <a:r>
               <a:rPr lang="en-GB" dirty="0" smtClean="0"/>
-              <a:t>Local EGA Setup (Draft)</a:t>
+              <a:t>Local </a:t>
+            </a:r>
+            <a:r>
+              <a:rPr lang="en-GB" dirty="0" smtClean="0"/>
+              <a:t>EGA Demo Setup</a:t>
             </a:r>
             <a:endParaRPr lang="en-US" dirty="0"/>
           </a:p>
@@ -3793,29 +4379,32 @@
       </p:sp>
       <p:sp>
         <p:nvSpPr>
-          <p:cNvPr id="11267" name="Text Placeholder 3"/>
+          <p:cNvPr id="11265" name="Subtitle 2"/>
           <p:cNvSpPr>
             <a:spLocks noGrp="1"/>
           </p:cNvSpPr>
           <p:nvPr>
-            <p:ph type="body" sz="quarter" idx="10"/>
+            <p:ph type="subTitle" idx="4294967295"/>
           </p:nvPr>
         </p:nvSpPr>
-        <p:spPr/>
+        <p:spPr>
+          <a:xfrm>
+            <a:off x="2672080" y="4377690"/>
+            <a:ext cx="6400800" cy="954088"/>
+          </a:xfrm>
+        </p:spPr>
         <p:txBody>
           <a:bodyPr/>
           <a:lstStyle/>
           <a:p>
             <a:r>
               <a:rPr lang="en-GB" dirty="0" smtClean="0">
-                <a:latin typeface="HelveticaNeueLT Pro 35 Th" charset="0"/>
-                <a:cs typeface="HelveticaNeueLT Pro 35 Th" charset="0"/>
-              </a:rPr>
-              <a:t>EGA Team 2016</a:t>
+                <a:latin typeface="HelveticaNeueLT Pro 45 Lt" charset="0"/>
+              </a:rPr>
+              <a:t>A Step-by-step Guide to Installing a Local EGA Demo using Docker</a:t>
             </a:r>
             <a:endParaRPr lang="en-US" dirty="0">
-              <a:latin typeface="HelveticaNeueLT Pro 35 Th" charset="0"/>
-              <a:cs typeface="HelveticaNeueLT Pro 35 Th" charset="0"/>
+              <a:latin typeface="HelveticaNeueLT Pro 45 Lt" charset="0"/>
             </a:endParaRPr>
           </a:p>
         </p:txBody>
@@ -3825,9 +4414,14 @@
   <p:clrMapOvr>
     <a:masterClrMapping/>
   </p:clrMapOvr>
-  <p:transition>
-    <p:cut/>
-  </p:transition>
+  <mc:AlternateContent xmlns:mc="http://schemas.openxmlformats.org/markup-compatibility/2006">
+    <mc:Choice xmlns:p14="http://schemas.microsoft.com/office/powerpoint/2010/main" Requires="p14">
+      <p:transition spd="slow" p14:dur="2000"/>
+    </mc:Choice>
+    <mc:Fallback>
+      <p:transition xmlns:p14="http://schemas.microsoft.com/office/powerpoint/2010/main" spd="slow"/>
+    </mc:Fallback>
+  </mc:AlternateContent>
 </p:sld>
 </file>
 
@@ -3959,9 +4553,14 @@
   <p:clrMapOvr>
     <a:masterClrMapping/>
   </p:clrMapOvr>
-  <p:transition>
-    <p:cut/>
-  </p:transition>
+  <mc:AlternateContent xmlns:mc="http://schemas.openxmlformats.org/markup-compatibility/2006">
+    <mc:Choice xmlns:p14="http://schemas.microsoft.com/office/powerpoint/2010/main" Requires="p14">
+      <p:transition spd="slow" p14:dur="2000"/>
+    </mc:Choice>
+    <mc:Fallback>
+      <p:transition xmlns:p14="http://schemas.microsoft.com/office/powerpoint/2010/main" spd="slow"/>
+    </mc:Fallback>
+  </mc:AlternateContent>
 </p:sld>
 </file>
 
@@ -4015,12 +4614,7 @@
             <p:ph idx="1"/>
           </p:nvPr>
         </p:nvSpPr>
-        <p:spPr>
-          <a:xfrm>
-            <a:off x="533400" y="1219200"/>
-            <a:ext cx="8153400" cy="4638136"/>
-          </a:xfrm>
-        </p:spPr>
+        <p:spPr/>
         <p:txBody>
           <a:bodyPr/>
           <a:lstStyle/>
@@ -4084,9 +4678,14 @@
   <p:clrMapOvr>
     <a:masterClrMapping/>
   </p:clrMapOvr>
-  <p:transition>
-    <p:cut/>
-  </p:transition>
+  <mc:AlternateContent xmlns:mc="http://schemas.openxmlformats.org/markup-compatibility/2006">
+    <mc:Choice xmlns:p14="http://schemas.microsoft.com/office/powerpoint/2010/main" Requires="p14">
+      <p:transition spd="slow" p14:dur="2000"/>
+    </mc:Choice>
+    <mc:Fallback>
+      <p:transition xmlns:p14="http://schemas.microsoft.com/office/powerpoint/2010/main" spd="slow"/>
+    </mc:Fallback>
+  </mc:AlternateContent>
 </p:sld>
 </file>
 
@@ -4140,12 +4739,7 @@
             <p:ph idx="1"/>
           </p:nvPr>
         </p:nvSpPr>
-        <p:spPr>
-          <a:xfrm>
-            <a:off x="533400" y="1219200"/>
-            <a:ext cx="8153400" cy="4896928"/>
-          </a:xfrm>
-        </p:spPr>
+        <p:spPr/>
         <p:txBody>
           <a:bodyPr/>
           <a:lstStyle/>
@@ -4353,9 +4947,14 @@
   <p:clrMapOvr>
     <a:masterClrMapping/>
   </p:clrMapOvr>
-  <p:transition>
-    <p:cut/>
-  </p:transition>
+  <mc:AlternateContent xmlns:mc="http://schemas.openxmlformats.org/markup-compatibility/2006">
+    <mc:Choice xmlns:p14="http://schemas.microsoft.com/office/powerpoint/2010/main" Requires="p14">
+      <p:transition spd="slow" p14:dur="2000"/>
+    </mc:Choice>
+    <mc:Fallback>
+      <p:transition xmlns:p14="http://schemas.microsoft.com/office/powerpoint/2010/main" spd="slow"/>
+    </mc:Fallback>
+  </mc:AlternateContent>
 </p:sld>
 </file>
 
@@ -4409,12 +5008,7 @@
             <p:ph idx="1"/>
           </p:nvPr>
         </p:nvSpPr>
-        <p:spPr>
-          <a:xfrm>
-            <a:off x="533400" y="1219200"/>
-            <a:ext cx="8153400" cy="4983192"/>
-          </a:xfrm>
-        </p:spPr>
+        <p:spPr/>
         <p:txBody>
           <a:bodyPr/>
           <a:lstStyle/>
@@ -4674,9 +5268,14 @@
   <p:clrMapOvr>
     <a:masterClrMapping/>
   </p:clrMapOvr>
-  <p:transition>
-    <p:cut/>
-  </p:transition>
+  <mc:AlternateContent xmlns:mc="http://schemas.openxmlformats.org/markup-compatibility/2006">
+    <mc:Choice xmlns:p14="http://schemas.microsoft.com/office/powerpoint/2010/main" Requires="p14">
+      <p:transition spd="slow" p14:dur="2000"/>
+    </mc:Choice>
+    <mc:Fallback>
+      <p:transition xmlns:p14="http://schemas.microsoft.com/office/powerpoint/2010/main" spd="slow"/>
+    </mc:Fallback>
+  </mc:AlternateContent>
 </p:sld>
 </file>
 
@@ -4807,9 +5406,14 @@
   <p:clrMapOvr>
     <a:masterClrMapping/>
   </p:clrMapOvr>
-  <p:transition>
-    <p:cut/>
-  </p:transition>
+  <mc:AlternateContent xmlns:mc="http://schemas.openxmlformats.org/markup-compatibility/2006">
+    <mc:Choice xmlns:p14="http://schemas.microsoft.com/office/powerpoint/2010/main" Requires="p14">
+      <p:transition spd="slow" p14:dur="2000"/>
+    </mc:Choice>
+    <mc:Fallback>
+      <p:transition xmlns:p14="http://schemas.microsoft.com/office/powerpoint/2010/main" spd="slow"/>
+    </mc:Fallback>
+  </mc:AlternateContent>
 </p:sld>
 </file>
 
@@ -5215,9 +5819,14 @@
   <p:clrMapOvr>
     <a:masterClrMapping/>
   </p:clrMapOvr>
-  <p:transition>
-    <p:cut/>
-  </p:transition>
+  <mc:AlternateContent xmlns:mc="http://schemas.openxmlformats.org/markup-compatibility/2006">
+    <mc:Choice xmlns:p14="http://schemas.microsoft.com/office/powerpoint/2010/main" Requires="p14">
+      <p:transition spd="slow" p14:dur="2000"/>
+    </mc:Choice>
+    <mc:Fallback>
+      <p:transition xmlns:p14="http://schemas.microsoft.com/office/powerpoint/2010/main" spd="slow"/>
+    </mc:Fallback>
+  </mc:AlternateContent>
 </p:sld>
 </file>
 
@@ -5271,12 +5880,7 @@
             <p:ph idx="1"/>
           </p:nvPr>
         </p:nvSpPr>
-        <p:spPr>
-          <a:xfrm>
-            <a:off x="533400" y="1219200"/>
-            <a:ext cx="8153400" cy="4896928"/>
-          </a:xfrm>
-        </p:spPr>
+        <p:spPr/>
         <p:txBody>
           <a:bodyPr/>
           <a:lstStyle/>
@@ -5462,9 +6066,14 @@
   <p:clrMapOvr>
     <a:masterClrMapping/>
   </p:clrMapOvr>
-  <p:transition>
-    <p:cut/>
-  </p:transition>
+  <mc:AlternateContent xmlns:mc="http://schemas.openxmlformats.org/markup-compatibility/2006">
+    <mc:Choice xmlns:p14="http://schemas.microsoft.com/office/powerpoint/2010/main" Requires="p14">
+      <p:transition spd="slow" p14:dur="2000"/>
+    </mc:Choice>
+    <mc:Fallback>
+      <p:transition xmlns:p14="http://schemas.microsoft.com/office/powerpoint/2010/main" spd="slow"/>
+    </mc:Fallback>
+  </mc:AlternateContent>
 </p:sld>
 </file>
 
@@ -6094,9 +6703,14 @@
   <p:clrMapOvr>
     <a:masterClrMapping/>
   </p:clrMapOvr>
-  <p:transition>
-    <p:cut/>
-  </p:transition>
+  <mc:AlternateContent xmlns:mc="http://schemas.openxmlformats.org/markup-compatibility/2006">
+    <mc:Choice xmlns:p14="http://schemas.microsoft.com/office/powerpoint/2010/main" Requires="p14">
+      <p:transition spd="slow" p14:dur="2000"/>
+    </mc:Choice>
+    <mc:Fallback>
+      <p:transition xmlns:p14="http://schemas.microsoft.com/office/powerpoint/2010/main" spd="slow"/>
+    </mc:Fallback>
+  </mc:AlternateContent>
 </p:sld>
 </file>
 
@@ -6150,12 +6764,7 @@
             <p:ph idx="1"/>
           </p:nvPr>
         </p:nvSpPr>
-        <p:spPr>
-          <a:xfrm>
-            <a:off x="533400" y="1219199"/>
-            <a:ext cx="8153400" cy="4784785"/>
-          </a:xfrm>
-        </p:spPr>
+        <p:spPr/>
         <p:txBody>
           <a:bodyPr/>
           <a:lstStyle/>
@@ -6335,9 +6944,14 @@
   <p:clrMapOvr>
     <a:masterClrMapping/>
   </p:clrMapOvr>
-  <p:transition>
-    <p:cut/>
-  </p:transition>
+  <mc:AlternateContent xmlns:mc="http://schemas.openxmlformats.org/markup-compatibility/2006">
+    <mc:Choice xmlns:p14="http://schemas.microsoft.com/office/powerpoint/2010/main" Requires="p14">
+      <p:transition spd="slow" p14:dur="2000"/>
+    </mc:Choice>
+    <mc:Fallback>
+      <p:transition xmlns:p14="http://schemas.microsoft.com/office/powerpoint/2010/main" spd="slow"/>
+    </mc:Fallback>
+  </mc:AlternateContent>
 </p:sld>
 </file>
 
@@ -6391,12 +7005,7 @@
             <p:ph idx="1"/>
           </p:nvPr>
         </p:nvSpPr>
-        <p:spPr>
-          <a:xfrm>
-            <a:off x="533400" y="1219199"/>
-            <a:ext cx="8153400" cy="4957313"/>
-          </a:xfrm>
-        </p:spPr>
+        <p:spPr/>
         <p:txBody>
           <a:bodyPr/>
           <a:lstStyle/>
@@ -6501,9 +7110,14 @@
   <p:clrMapOvr>
     <a:masterClrMapping/>
   </p:clrMapOvr>
-  <p:transition>
-    <p:cut/>
-  </p:transition>
+  <mc:AlternateContent xmlns:mc="http://schemas.openxmlformats.org/markup-compatibility/2006">
+    <mc:Choice xmlns:p14="http://schemas.microsoft.com/office/powerpoint/2010/main" Requires="p14">
+      <p:transition spd="slow" p14:dur="2000"/>
+    </mc:Choice>
+    <mc:Fallback>
+      <p:transition xmlns:p14="http://schemas.microsoft.com/office/powerpoint/2010/main" spd="slow"/>
+    </mc:Fallback>
+  </mc:AlternateContent>
 </p:sld>
 </file>
 
@@ -6624,13 +7238,18 @@
   <p:clrMapOvr>
     <a:masterClrMapping/>
   </p:clrMapOvr>
-  <p:transition>
-    <p:cut/>
-  </p:transition>
+  <mc:AlternateContent xmlns:mc="http://schemas.openxmlformats.org/markup-compatibility/2006">
+    <mc:Choice xmlns:p14="http://schemas.microsoft.com/office/powerpoint/2010/main" Requires="p14">
+      <p:transition spd="slow" p14:dur="2000"/>
+    </mc:Choice>
+    <mc:Fallback>
+      <p:transition xmlns:p14="http://schemas.microsoft.com/office/powerpoint/2010/main" spd="slow"/>
+    </mc:Fallback>
+  </mc:AlternateContent>
   <p:timing>
     <p:tnLst>
       <p:par>
-        <p:cTn id="1" dur="indefinite" restart="never" nodeType="tmRoot"/>
+        <p:cTn xmlns:p14="http://schemas.microsoft.com/office/powerpoint/2010/main" id="1" dur="indefinite" restart="never" nodeType="tmRoot"/>
       </p:par>
     </p:tnLst>
   </p:timing>
@@ -7441,9 +8060,14 @@
   <p:clrMapOvr>
     <a:masterClrMapping/>
   </p:clrMapOvr>
-  <p:transition>
-    <p:cut/>
-  </p:transition>
+  <mc:AlternateContent xmlns:mc="http://schemas.openxmlformats.org/markup-compatibility/2006">
+    <mc:Choice xmlns:p14="http://schemas.microsoft.com/office/powerpoint/2010/main" Requires="p14">
+      <p:transition spd="slow" p14:dur="2000"/>
+    </mc:Choice>
+    <mc:Fallback>
+      <p:transition xmlns:p14="http://schemas.microsoft.com/office/powerpoint/2010/main" spd="slow"/>
+    </mc:Fallback>
+  </mc:AlternateContent>
 </p:sld>
 </file>
 
@@ -7497,12 +8121,7 @@
             <p:ph idx="1"/>
           </p:nvPr>
         </p:nvSpPr>
-        <p:spPr>
-          <a:xfrm>
-            <a:off x="533400" y="1219199"/>
-            <a:ext cx="8153400" cy="4879675"/>
-          </a:xfrm>
-        </p:spPr>
+        <p:spPr/>
         <p:txBody>
           <a:bodyPr/>
           <a:lstStyle/>
@@ -7709,9 +8328,14 @@
   <p:clrMapOvr>
     <a:masterClrMapping/>
   </p:clrMapOvr>
-  <p:transition>
-    <p:cut/>
-  </p:transition>
+  <mc:AlternateContent xmlns:mc="http://schemas.openxmlformats.org/markup-compatibility/2006">
+    <mc:Choice xmlns:p14="http://schemas.microsoft.com/office/powerpoint/2010/main" Requires="p14">
+      <p:transition spd="slow" p14:dur="2000"/>
+    </mc:Choice>
+    <mc:Fallback>
+      <p:transition xmlns:p14="http://schemas.microsoft.com/office/powerpoint/2010/main" spd="slow"/>
+    </mc:Fallback>
+  </mc:AlternateContent>
 </p:sld>
 </file>
 
@@ -7903,9 +8527,14 @@
   <p:clrMapOvr>
     <a:masterClrMapping/>
   </p:clrMapOvr>
-  <p:transition>
-    <p:cut/>
-  </p:transition>
+  <mc:AlternateContent xmlns:mc="http://schemas.openxmlformats.org/markup-compatibility/2006">
+    <mc:Choice xmlns:p14="http://schemas.microsoft.com/office/powerpoint/2010/main" Requires="p14">
+      <p:transition spd="slow" p14:dur="2000"/>
+    </mc:Choice>
+    <mc:Fallback>
+      <p:transition xmlns:p14="http://schemas.microsoft.com/office/powerpoint/2010/main" spd="slow"/>
+    </mc:Fallback>
+  </mc:AlternateContent>
 </p:sld>
 </file>
 
@@ -7959,12 +8588,7 @@
             <p:ph idx="1"/>
           </p:nvPr>
         </p:nvSpPr>
-        <p:spPr>
-          <a:xfrm>
-            <a:off x="533400" y="1219199"/>
-            <a:ext cx="8153400" cy="4991819"/>
-          </a:xfrm>
-        </p:spPr>
+        <p:spPr/>
         <p:txBody>
           <a:bodyPr/>
           <a:lstStyle/>
@@ -8226,9 +8850,14 @@
   <p:clrMapOvr>
     <a:masterClrMapping/>
   </p:clrMapOvr>
-  <p:transition>
-    <p:cut/>
-  </p:transition>
+  <mc:AlternateContent xmlns:mc="http://schemas.openxmlformats.org/markup-compatibility/2006">
+    <mc:Choice xmlns:p14="http://schemas.microsoft.com/office/powerpoint/2010/main" Requires="p14">
+      <p:transition spd="slow" p14:dur="2000"/>
+    </mc:Choice>
+    <mc:Fallback>
+      <p:transition xmlns:p14="http://schemas.microsoft.com/office/powerpoint/2010/main" spd="slow"/>
+    </mc:Fallback>
+  </mc:AlternateContent>
 </p:sld>
 </file>
 
@@ -8282,12 +8911,7 @@
             <p:ph idx="1"/>
           </p:nvPr>
         </p:nvSpPr>
-        <p:spPr>
-          <a:xfrm>
-            <a:off x="533400" y="1219199"/>
-            <a:ext cx="8153400" cy="4957313"/>
-          </a:xfrm>
-        </p:spPr>
+        <p:spPr/>
         <p:txBody>
           <a:bodyPr/>
           <a:lstStyle/>
@@ -8471,9 +9095,14 @@
   <p:clrMapOvr>
     <a:masterClrMapping/>
   </p:clrMapOvr>
-  <p:transition>
-    <p:cut/>
-  </p:transition>
+  <mc:AlternateContent xmlns:mc="http://schemas.openxmlformats.org/markup-compatibility/2006">
+    <mc:Choice xmlns:p14="http://schemas.microsoft.com/office/powerpoint/2010/main" Requires="p14">
+      <p:transition spd="slow" p14:dur="2000"/>
+    </mc:Choice>
+    <mc:Fallback>
+      <p:transition xmlns:p14="http://schemas.microsoft.com/office/powerpoint/2010/main" spd="slow"/>
+    </mc:Fallback>
+  </mc:AlternateContent>
 </p:sld>
 </file>
 
@@ -8527,12 +9156,7 @@
             <p:ph idx="1"/>
           </p:nvPr>
         </p:nvSpPr>
-        <p:spPr>
-          <a:xfrm>
-            <a:off x="533400" y="1219199"/>
-            <a:ext cx="8153400" cy="4871049"/>
-          </a:xfrm>
-        </p:spPr>
+        <p:spPr/>
         <p:txBody>
           <a:bodyPr/>
           <a:lstStyle/>
@@ -8764,9 +9388,14 @@
   <p:clrMapOvr>
     <a:masterClrMapping/>
   </p:clrMapOvr>
-  <p:transition>
-    <p:cut/>
-  </p:transition>
+  <mc:AlternateContent xmlns:mc="http://schemas.openxmlformats.org/markup-compatibility/2006">
+    <mc:Choice xmlns:p14="http://schemas.microsoft.com/office/powerpoint/2010/main" Requires="p14">
+      <p:transition spd="slow" p14:dur="2000"/>
+    </mc:Choice>
+    <mc:Fallback>
+      <p:transition xmlns:p14="http://schemas.microsoft.com/office/powerpoint/2010/main" spd="slow"/>
+    </mc:Fallback>
+  </mc:AlternateContent>
 </p:sld>
 </file>
 
@@ -9815,9 +10444,14 @@
   <p:clrMapOvr>
     <a:masterClrMapping/>
   </p:clrMapOvr>
-  <p:transition>
-    <p:cut/>
-  </p:transition>
+  <mc:AlternateContent xmlns:mc="http://schemas.openxmlformats.org/markup-compatibility/2006">
+    <mc:Choice xmlns:p14="http://schemas.microsoft.com/office/powerpoint/2010/main" Requires="p14">
+      <p:transition spd="slow" p14:dur="2000"/>
+    </mc:Choice>
+    <mc:Fallback>
+      <p:transition xmlns:p14="http://schemas.microsoft.com/office/powerpoint/2010/main" spd="slow"/>
+    </mc:Fallback>
+  </mc:AlternateContent>
 </p:sld>
 </file>
 
@@ -10105,9 +10739,14 @@
   <p:clrMapOvr>
     <a:masterClrMapping/>
   </p:clrMapOvr>
-  <p:transition>
-    <p:cut/>
-  </p:transition>
+  <mc:AlternateContent xmlns:mc="http://schemas.openxmlformats.org/markup-compatibility/2006">
+    <mc:Choice xmlns:p14="http://schemas.microsoft.com/office/powerpoint/2010/main" Requires="p14">
+      <p:transition spd="slow" p14:dur="2000"/>
+    </mc:Choice>
+    <mc:Fallback>
+      <p:transition xmlns:p14="http://schemas.microsoft.com/office/powerpoint/2010/main" spd="slow"/>
+    </mc:Fallback>
+  </mc:AlternateContent>
 </p:sld>
 </file>
 
@@ -11132,9 +11771,14 @@
   <p:clrMapOvr>
     <a:masterClrMapping/>
   </p:clrMapOvr>
-  <p:transition>
-    <p:cut/>
-  </p:transition>
+  <mc:AlternateContent xmlns:mc="http://schemas.openxmlformats.org/markup-compatibility/2006">
+    <mc:Choice xmlns:p14="http://schemas.microsoft.com/office/powerpoint/2010/main" Requires="p14">
+      <p:transition spd="slow" p14:dur="2000"/>
+    </mc:Choice>
+    <mc:Fallback>
+      <p:transition xmlns:p14="http://schemas.microsoft.com/office/powerpoint/2010/main" spd="slow"/>
+    </mc:Fallback>
+  </mc:AlternateContent>
 </p:sld>
 </file>
 
@@ -11188,12 +11832,7 @@
             <p:ph idx="1"/>
           </p:nvPr>
         </p:nvSpPr>
-        <p:spPr>
-          <a:xfrm>
-            <a:off x="533400" y="1219199"/>
-            <a:ext cx="8153400" cy="5293743"/>
-          </a:xfrm>
-        </p:spPr>
+        <p:spPr/>
         <p:txBody>
           <a:bodyPr/>
           <a:lstStyle/>
@@ -11399,9 +12038,14 @@
   <p:clrMapOvr>
     <a:masterClrMapping/>
   </p:clrMapOvr>
-  <p:transition>
-    <p:cut/>
-  </p:transition>
+  <mc:AlternateContent xmlns:mc="http://schemas.openxmlformats.org/markup-compatibility/2006">
+    <mc:Choice xmlns:p14="http://schemas.microsoft.com/office/powerpoint/2010/main" Requires="p14">
+      <p:transition spd="slow" p14:dur="2000"/>
+    </mc:Choice>
+    <mc:Fallback>
+      <p:transition xmlns:p14="http://schemas.microsoft.com/office/powerpoint/2010/main" spd="slow"/>
+    </mc:Fallback>
+  </mc:AlternateContent>
 </p:sld>
 </file>
 
@@ -11455,12 +12099,7 @@
             <p:ph idx="1"/>
           </p:nvPr>
         </p:nvSpPr>
-        <p:spPr>
-          <a:xfrm>
-            <a:off x="533400" y="1219200"/>
-            <a:ext cx="8153400" cy="4802038"/>
-          </a:xfrm>
-        </p:spPr>
+        <p:spPr/>
         <p:txBody>
           <a:bodyPr/>
           <a:lstStyle/>
@@ -11516,9 +12155,14 @@
   <p:clrMapOvr>
     <a:masterClrMapping/>
   </p:clrMapOvr>
-  <p:transition>
-    <p:cut/>
-  </p:transition>
+  <mc:AlternateContent xmlns:mc="http://schemas.openxmlformats.org/markup-compatibility/2006">
+    <mc:Choice xmlns:p14="http://schemas.microsoft.com/office/powerpoint/2010/main" Requires="p14">
+      <p:transition spd="slow" p14:dur="2000"/>
+    </mc:Choice>
+    <mc:Fallback>
+      <p:transition xmlns:p14="http://schemas.microsoft.com/office/powerpoint/2010/main" spd="slow"/>
+    </mc:Fallback>
+  </mc:AlternateContent>
 </p:sld>
 </file>
 
@@ -11627,9 +12271,14 @@
   <p:clrMapOvr>
     <a:masterClrMapping/>
   </p:clrMapOvr>
-  <p:transition>
-    <p:cut/>
-  </p:transition>
+  <mc:AlternateContent xmlns:mc="http://schemas.openxmlformats.org/markup-compatibility/2006">
+    <mc:Choice xmlns:p14="http://schemas.microsoft.com/office/powerpoint/2010/main" Requires="p14">
+      <p:transition spd="slow" p14:dur="2000"/>
+    </mc:Choice>
+    <mc:Fallback>
+      <p:transition xmlns:p14="http://schemas.microsoft.com/office/powerpoint/2010/main" spd="slow"/>
+    </mc:Fallback>
+  </mc:AlternateContent>
 </p:sld>
 </file>
 
@@ -11848,9 +12497,14 @@
   <p:clrMapOvr>
     <a:masterClrMapping/>
   </p:clrMapOvr>
-  <p:transition>
-    <p:cut/>
-  </p:transition>
+  <mc:AlternateContent xmlns:mc="http://schemas.openxmlformats.org/markup-compatibility/2006">
+    <mc:Choice xmlns:p14="http://schemas.microsoft.com/office/powerpoint/2010/main" Requires="p14">
+      <p:transition spd="slow" p14:dur="2000"/>
+    </mc:Choice>
+    <mc:Fallback>
+      <p:transition xmlns:p14="http://schemas.microsoft.com/office/powerpoint/2010/main" spd="slow"/>
+    </mc:Fallback>
+  </mc:AlternateContent>
 </p:sld>
 </file>
 
@@ -12041,9 +12695,14 @@
   <p:clrMapOvr>
     <a:masterClrMapping/>
   </p:clrMapOvr>
-  <p:transition>
-    <p:cut/>
-  </p:transition>
+  <mc:AlternateContent xmlns:mc="http://schemas.openxmlformats.org/markup-compatibility/2006">
+    <mc:Choice xmlns:p14="http://schemas.microsoft.com/office/powerpoint/2010/main" Requires="p14">
+      <p:transition spd="slow" p14:dur="2000"/>
+    </mc:Choice>
+    <mc:Fallback>
+      <p:transition xmlns:p14="http://schemas.microsoft.com/office/powerpoint/2010/main" spd="slow"/>
+    </mc:Fallback>
+  </mc:AlternateContent>
 </p:sld>
 </file>
 
@@ -13145,9 +13804,14 @@
   <p:clrMapOvr>
     <a:masterClrMapping/>
   </p:clrMapOvr>
-  <p:transition>
-    <p:cut/>
-  </p:transition>
+  <mc:AlternateContent xmlns:mc="http://schemas.openxmlformats.org/markup-compatibility/2006">
+    <mc:Choice xmlns:p14="http://schemas.microsoft.com/office/powerpoint/2010/main" Requires="p14">
+      <p:transition spd="slow" p14:dur="2000"/>
+    </mc:Choice>
+    <mc:Fallback>
+      <p:transition xmlns:p14="http://schemas.microsoft.com/office/powerpoint/2010/main" spd="slow"/>
+    </mc:Fallback>
+  </mc:AlternateContent>
 </p:sld>
 </file>
 
@@ -13201,12 +13865,7 @@
             <p:ph idx="1"/>
           </p:nvPr>
         </p:nvSpPr>
-        <p:spPr>
-          <a:xfrm>
-            <a:off x="533400" y="1219199"/>
-            <a:ext cx="8153400" cy="4991820"/>
-          </a:xfrm>
-        </p:spPr>
+        <p:spPr/>
         <p:txBody>
           <a:bodyPr/>
           <a:lstStyle/>
@@ -13368,9 +14027,14 @@
   <p:clrMapOvr>
     <a:masterClrMapping/>
   </p:clrMapOvr>
-  <p:transition>
-    <p:cut/>
-  </p:transition>
+  <mc:AlternateContent xmlns:mc="http://schemas.openxmlformats.org/markup-compatibility/2006">
+    <mc:Choice xmlns:p14="http://schemas.microsoft.com/office/powerpoint/2010/main" Requires="p14">
+      <p:transition spd="slow" p14:dur="2000"/>
+    </mc:Choice>
+    <mc:Fallback>
+      <p:transition xmlns:p14="http://schemas.microsoft.com/office/powerpoint/2010/main" spd="slow"/>
+    </mc:Fallback>
+  </mc:AlternateContent>
 </p:sld>
 </file>
 
@@ -13424,12 +14088,7 @@
             <p:ph idx="1"/>
           </p:nvPr>
         </p:nvSpPr>
-        <p:spPr>
-          <a:xfrm>
-            <a:off x="533400" y="1219200"/>
-            <a:ext cx="8153400" cy="4931434"/>
-          </a:xfrm>
-        </p:spPr>
+        <p:spPr/>
         <p:txBody>
           <a:bodyPr/>
           <a:lstStyle/>
@@ -13520,9 +14179,14 @@
   <p:clrMapOvr>
     <a:masterClrMapping/>
   </p:clrMapOvr>
-  <p:transition>
-    <p:cut/>
-  </p:transition>
+  <mc:AlternateContent xmlns:mc="http://schemas.openxmlformats.org/markup-compatibility/2006">
+    <mc:Choice xmlns:p14="http://schemas.microsoft.com/office/powerpoint/2010/main" Requires="p14">
+      <p:transition spd="slow" p14:dur="2000"/>
+    </mc:Choice>
+    <mc:Fallback>
+      <p:transition xmlns:p14="http://schemas.microsoft.com/office/powerpoint/2010/main" spd="slow"/>
+    </mc:Fallback>
+  </mc:AlternateContent>
 </p:sld>
 </file>
 
@@ -13576,12 +14240,7 @@
             <p:ph idx="1"/>
           </p:nvPr>
         </p:nvSpPr>
-        <p:spPr>
-          <a:xfrm>
-            <a:off x="533400" y="1219200"/>
-            <a:ext cx="8153400" cy="5052204"/>
-          </a:xfrm>
-        </p:spPr>
+        <p:spPr/>
         <p:txBody>
           <a:bodyPr/>
           <a:lstStyle/>
@@ -13829,9 +14488,14 @@
   <p:clrMapOvr>
     <a:masterClrMapping/>
   </p:clrMapOvr>
-  <p:transition>
-    <p:cut/>
-  </p:transition>
+  <mc:AlternateContent xmlns:mc="http://schemas.openxmlformats.org/markup-compatibility/2006">
+    <mc:Choice xmlns:p14="http://schemas.microsoft.com/office/powerpoint/2010/main" Requires="p14">
+      <p:transition spd="slow" p14:dur="2000"/>
+    </mc:Choice>
+    <mc:Fallback>
+      <p:transition xmlns:p14="http://schemas.microsoft.com/office/powerpoint/2010/main" spd="slow"/>
+    </mc:Fallback>
+  </mc:AlternateContent>
 </p:sld>
 </file>
 
@@ -15172,9 +15836,14 @@
   <p:clrMapOvr>
     <a:masterClrMapping/>
   </p:clrMapOvr>
-  <p:transition>
-    <p:cut/>
-  </p:transition>
+  <mc:AlternateContent xmlns:mc="http://schemas.openxmlformats.org/markup-compatibility/2006">
+    <mc:Choice xmlns:p14="http://schemas.microsoft.com/office/powerpoint/2010/main" Requires="p14">
+      <p:transition spd="slow" p14:dur="2000"/>
+    </mc:Choice>
+    <mc:Fallback>
+      <p:transition xmlns:p14="http://schemas.microsoft.com/office/powerpoint/2010/main" spd="slow"/>
+    </mc:Fallback>
+  </mc:AlternateContent>
 </p:sld>
 </file>
 
@@ -15228,12 +15897,7 @@
             <p:ph idx="1"/>
           </p:nvPr>
         </p:nvSpPr>
-        <p:spPr>
-          <a:xfrm>
-            <a:off x="533400" y="1219199"/>
-            <a:ext cx="8153400" cy="4836543"/>
-          </a:xfrm>
-        </p:spPr>
+        <p:spPr/>
         <p:txBody>
           <a:bodyPr/>
           <a:lstStyle/>
@@ -15318,9 +15982,14 @@
   <p:clrMapOvr>
     <a:masterClrMapping/>
   </p:clrMapOvr>
-  <p:transition>
-    <p:cut/>
-  </p:transition>
+  <mc:AlternateContent xmlns:mc="http://schemas.openxmlformats.org/markup-compatibility/2006">
+    <mc:Choice xmlns:p14="http://schemas.microsoft.com/office/powerpoint/2010/main" Requires="p14">
+      <p:transition spd="slow" p14:dur="2000"/>
+    </mc:Choice>
+    <mc:Fallback>
+      <p:transition xmlns:p14="http://schemas.microsoft.com/office/powerpoint/2010/main" spd="slow"/>
+    </mc:Fallback>
+  </mc:AlternateContent>
 </p:sld>
 </file>
 
@@ -15503,9 +16172,14 @@
   <p:clrMapOvr>
     <a:masterClrMapping/>
   </p:clrMapOvr>
-  <p:transition>
-    <p:cut/>
-  </p:transition>
+  <mc:AlternateContent xmlns:mc="http://schemas.openxmlformats.org/markup-compatibility/2006">
+    <mc:Choice xmlns:p14="http://schemas.microsoft.com/office/powerpoint/2010/main" Requires="p14">
+      <p:transition spd="slow" p14:dur="2000"/>
+    </mc:Choice>
+    <mc:Fallback>
+      <p:transition xmlns:p14="http://schemas.microsoft.com/office/powerpoint/2010/main" spd="slow"/>
+    </mc:Fallback>
+  </mc:AlternateContent>
 </p:sld>
 </file>
 
@@ -15559,12 +16233,7 @@
             <p:ph idx="1"/>
           </p:nvPr>
         </p:nvSpPr>
-        <p:spPr>
-          <a:xfrm>
-            <a:off x="533400" y="1219199"/>
-            <a:ext cx="8153400" cy="4819291"/>
-          </a:xfrm>
-        </p:spPr>
+        <p:spPr/>
         <p:txBody>
           <a:bodyPr/>
           <a:lstStyle/>
@@ -15672,9 +16341,14 @@
   <p:clrMapOvr>
     <a:masterClrMapping/>
   </p:clrMapOvr>
-  <p:transition>
-    <p:cut/>
-  </p:transition>
+  <mc:AlternateContent xmlns:mc="http://schemas.openxmlformats.org/markup-compatibility/2006">
+    <mc:Choice xmlns:p14="http://schemas.microsoft.com/office/powerpoint/2010/main" Requires="p14">
+      <p:transition spd="slow" p14:dur="2000"/>
+    </mc:Choice>
+    <mc:Fallback>
+      <p:transition xmlns:p14="http://schemas.microsoft.com/office/powerpoint/2010/main" spd="slow"/>
+    </mc:Fallback>
+  </mc:AlternateContent>
 </p:sld>
 </file>
 
@@ -17132,9 +17806,14 @@
   <p:clrMapOvr>
     <a:masterClrMapping/>
   </p:clrMapOvr>
-  <p:transition>
-    <p:cut/>
-  </p:transition>
+  <mc:AlternateContent xmlns:mc="http://schemas.openxmlformats.org/markup-compatibility/2006">
+    <mc:Choice xmlns:p14="http://schemas.microsoft.com/office/powerpoint/2010/main" Requires="p14">
+      <p:transition spd="slow" p14:dur="2000"/>
+    </mc:Choice>
+    <mc:Fallback>
+      <p:transition xmlns:p14="http://schemas.microsoft.com/office/powerpoint/2010/main" spd="slow"/>
+    </mc:Fallback>
+  </mc:AlternateContent>
 </p:sld>
 </file>
 
@@ -17188,12 +17867,7 @@
             <p:ph idx="1"/>
           </p:nvPr>
         </p:nvSpPr>
-        <p:spPr>
-          <a:xfrm>
-            <a:off x="533400" y="1219199"/>
-            <a:ext cx="8153400" cy="5155722"/>
-          </a:xfrm>
-        </p:spPr>
+        <p:spPr/>
         <p:txBody>
           <a:bodyPr/>
           <a:lstStyle/>
@@ -17420,9 +18094,14 @@
   <p:clrMapOvr>
     <a:masterClrMapping/>
   </p:clrMapOvr>
-  <p:transition>
-    <p:cut/>
-  </p:transition>
+  <mc:AlternateContent xmlns:mc="http://schemas.openxmlformats.org/markup-compatibility/2006">
+    <mc:Choice xmlns:p14="http://schemas.microsoft.com/office/powerpoint/2010/main" Requires="p14">
+      <p:transition spd="slow" p14:dur="2000"/>
+    </mc:Choice>
+    <mc:Fallback>
+      <p:transition xmlns:p14="http://schemas.microsoft.com/office/powerpoint/2010/main" spd="slow"/>
+    </mc:Fallback>
+  </mc:AlternateContent>
 </p:sld>
 </file>
 
@@ -17566,9 +18245,14 @@
   <p:clrMapOvr>
     <a:masterClrMapping/>
   </p:clrMapOvr>
-  <p:transition>
-    <p:cut/>
-  </p:transition>
+  <mc:AlternateContent xmlns:mc="http://schemas.openxmlformats.org/markup-compatibility/2006">
+    <mc:Choice xmlns:p14="http://schemas.microsoft.com/office/powerpoint/2010/main" Requires="p14">
+      <p:transition spd="slow" p14:dur="2000"/>
+    </mc:Choice>
+    <mc:Fallback>
+      <p:transition xmlns:p14="http://schemas.microsoft.com/office/powerpoint/2010/main" spd="slow"/>
+    </mc:Fallback>
+  </mc:AlternateContent>
 </p:sld>
 </file>
 
@@ -17622,12 +18306,7 @@
             <p:ph idx="1"/>
           </p:nvPr>
         </p:nvSpPr>
-        <p:spPr>
-          <a:xfrm>
-            <a:off x="533400" y="1219200"/>
-            <a:ext cx="8153400" cy="4931434"/>
-          </a:xfrm>
-        </p:spPr>
+        <p:spPr/>
         <p:txBody>
           <a:bodyPr/>
           <a:lstStyle/>
@@ -17713,9 +18392,14 @@
   <p:clrMapOvr>
     <a:masterClrMapping/>
   </p:clrMapOvr>
-  <p:transition>
-    <p:cut/>
-  </p:transition>
+  <mc:AlternateContent xmlns:mc="http://schemas.openxmlformats.org/markup-compatibility/2006">
+    <mc:Choice xmlns:p14="http://schemas.microsoft.com/office/powerpoint/2010/main" Requires="p14">
+      <p:transition spd="slow" p14:dur="2000"/>
+    </mc:Choice>
+    <mc:Fallback>
+      <p:transition xmlns:p14="http://schemas.microsoft.com/office/powerpoint/2010/main" spd="slow"/>
+    </mc:Fallback>
+  </mc:AlternateContent>
 </p:sld>
 </file>
 
@@ -17839,9 +18523,14 @@
   <p:clrMapOvr>
     <a:masterClrMapping/>
   </p:clrMapOvr>
-  <p:transition>
-    <p:cut/>
-  </p:transition>
+  <mc:AlternateContent xmlns:mc="http://schemas.openxmlformats.org/markup-compatibility/2006">
+    <mc:Choice xmlns:p14="http://schemas.microsoft.com/office/powerpoint/2010/main" Requires="p14">
+      <p:transition spd="slow" p14:dur="2000"/>
+    </mc:Choice>
+    <mc:Fallback>
+      <p:transition xmlns:p14="http://schemas.microsoft.com/office/powerpoint/2010/main" spd="slow"/>
+    </mc:Fallback>
+  </mc:AlternateContent>
 </p:sld>
 </file>
 
@@ -17895,12 +18584,7 @@
             <p:ph idx="1"/>
           </p:nvPr>
         </p:nvSpPr>
-        <p:spPr>
-          <a:xfrm>
-            <a:off x="533400" y="1219199"/>
-            <a:ext cx="8153400" cy="4836543"/>
-          </a:xfrm>
-        </p:spPr>
+        <p:spPr/>
         <p:txBody>
           <a:bodyPr/>
           <a:lstStyle/>
@@ -18075,9 +18759,14 @@
   <p:clrMapOvr>
     <a:masterClrMapping/>
   </p:clrMapOvr>
-  <p:transition>
-    <p:cut/>
-  </p:transition>
+  <mc:AlternateContent xmlns:mc="http://schemas.openxmlformats.org/markup-compatibility/2006">
+    <mc:Choice xmlns:p14="http://schemas.microsoft.com/office/powerpoint/2010/main" Requires="p14">
+      <p:transition spd="slow" p14:dur="2000"/>
+    </mc:Choice>
+    <mc:Fallback>
+      <p:transition xmlns:p14="http://schemas.microsoft.com/office/powerpoint/2010/main" spd="slow"/>
+    </mc:Fallback>
+  </mc:AlternateContent>
 </p:sld>
 </file>
 
@@ -18227,9 +18916,14 @@
   <p:clrMapOvr>
     <a:masterClrMapping/>
   </p:clrMapOvr>
-  <p:transition>
-    <p:cut/>
-  </p:transition>
+  <mc:AlternateContent xmlns:mc="http://schemas.openxmlformats.org/markup-compatibility/2006">
+    <mc:Choice xmlns:p14="http://schemas.microsoft.com/office/powerpoint/2010/main" Requires="p14">
+      <p:transition spd="slow" p14:dur="2000"/>
+    </mc:Choice>
+    <mc:Fallback>
+      <p:transition xmlns:p14="http://schemas.microsoft.com/office/powerpoint/2010/main" spd="slow"/>
+    </mc:Fallback>
+  </mc:AlternateContent>
 </p:sld>
 </file>
 
@@ -18543,9 +19237,14 @@
   <p:clrMapOvr>
     <a:masterClrMapping/>
   </p:clrMapOvr>
-  <p:transition>
-    <p:cut/>
-  </p:transition>
+  <mc:AlternateContent xmlns:mc="http://schemas.openxmlformats.org/markup-compatibility/2006">
+    <mc:Choice xmlns:p14="http://schemas.microsoft.com/office/powerpoint/2010/main" Requires="p14">
+      <p:transition spd="slow" p14:dur="2000"/>
+    </mc:Choice>
+    <mc:Fallback>
+      <p:transition xmlns:p14="http://schemas.microsoft.com/office/powerpoint/2010/main" spd="slow"/>
+    </mc:Fallback>
+  </mc:AlternateContent>
 </p:sld>
 </file>
 
@@ -20242,9 +20941,14 @@
   <p:clrMapOvr>
     <a:masterClrMapping/>
   </p:clrMapOvr>
-  <p:transition>
-    <p:cut/>
-  </p:transition>
+  <mc:AlternateContent xmlns:mc="http://schemas.openxmlformats.org/markup-compatibility/2006">
+    <mc:Choice xmlns:p14="http://schemas.microsoft.com/office/powerpoint/2010/main" Requires="p14">
+      <p:transition spd="slow" p14:dur="2000"/>
+    </mc:Choice>
+    <mc:Fallback>
+      <p:transition xmlns:p14="http://schemas.microsoft.com/office/powerpoint/2010/main" spd="slow"/>
+    </mc:Fallback>
+  </mc:AlternateContent>
 </p:sld>
 </file>
 
@@ -20298,12 +21002,7 @@
             <p:ph idx="1"/>
           </p:nvPr>
         </p:nvSpPr>
-        <p:spPr>
-          <a:xfrm>
-            <a:off x="533400" y="1219199"/>
-            <a:ext cx="8153400" cy="5069457"/>
-          </a:xfrm>
-        </p:spPr>
+        <p:spPr/>
         <p:txBody>
           <a:bodyPr/>
           <a:lstStyle/>
@@ -20597,9 +21296,14 @@
   <p:clrMapOvr>
     <a:masterClrMapping/>
   </p:clrMapOvr>
-  <p:transition>
-    <p:cut/>
-  </p:transition>
+  <mc:AlternateContent xmlns:mc="http://schemas.openxmlformats.org/markup-compatibility/2006">
+    <mc:Choice xmlns:p14="http://schemas.microsoft.com/office/powerpoint/2010/main" Requires="p14">
+      <p:transition spd="slow" p14:dur="2000"/>
+    </mc:Choice>
+    <mc:Fallback>
+      <p:transition xmlns:p14="http://schemas.microsoft.com/office/powerpoint/2010/main" spd="slow"/>
+    </mc:Fallback>
+  </mc:AlternateContent>
 </p:sld>
 </file>
 
@@ -20653,12 +21357,7 @@
             <p:ph idx="1"/>
           </p:nvPr>
         </p:nvSpPr>
-        <p:spPr>
-          <a:xfrm>
-            <a:off x="533400" y="1219200"/>
-            <a:ext cx="8153400" cy="4922808"/>
-          </a:xfrm>
-        </p:spPr>
+        <p:spPr/>
         <p:txBody>
           <a:bodyPr/>
           <a:lstStyle/>
@@ -20792,9 +21491,14 @@
   <p:clrMapOvr>
     <a:masterClrMapping/>
   </p:clrMapOvr>
-  <p:transition>
-    <p:cut/>
-  </p:transition>
+  <mc:AlternateContent xmlns:mc="http://schemas.openxmlformats.org/markup-compatibility/2006">
+    <mc:Choice xmlns:p14="http://schemas.microsoft.com/office/powerpoint/2010/main" Requires="p14">
+      <p:transition spd="slow" p14:dur="2000"/>
+    </mc:Choice>
+    <mc:Fallback>
+      <p:transition xmlns:p14="http://schemas.microsoft.com/office/powerpoint/2010/main" spd="slow"/>
+    </mc:Fallback>
+  </mc:AlternateContent>
 </p:sld>
 </file>
 
@@ -20949,9 +21653,14 @@
   <p:clrMapOvr>
     <a:masterClrMapping/>
   </p:clrMapOvr>
-  <p:transition>
-    <p:cut/>
-  </p:transition>
+  <mc:AlternateContent xmlns:mc="http://schemas.openxmlformats.org/markup-compatibility/2006">
+    <mc:Choice xmlns:p14="http://schemas.microsoft.com/office/powerpoint/2010/main" Requires="p14">
+      <p:transition spd="slow" p14:dur="2000"/>
+    </mc:Choice>
+    <mc:Fallback>
+      <p:transition xmlns:p14="http://schemas.microsoft.com/office/powerpoint/2010/main" spd="slow"/>
+    </mc:Fallback>
+  </mc:AlternateContent>
 </p:sld>
 </file>
 
@@ -21005,12 +21714,7 @@
             <p:ph idx="1"/>
           </p:nvPr>
         </p:nvSpPr>
-        <p:spPr>
-          <a:xfrm>
-            <a:off x="533400" y="1219200"/>
-            <a:ext cx="8153400" cy="4802038"/>
-          </a:xfrm>
-        </p:spPr>
+        <p:spPr/>
         <p:txBody>
           <a:bodyPr/>
           <a:lstStyle/>
@@ -21085,9 +21789,14 @@
   <p:clrMapOvr>
     <a:masterClrMapping/>
   </p:clrMapOvr>
-  <p:transition>
-    <p:cut/>
-  </p:transition>
+  <mc:AlternateContent xmlns:mc="http://schemas.openxmlformats.org/markup-compatibility/2006">
+    <mc:Choice xmlns:p14="http://schemas.microsoft.com/office/powerpoint/2010/main" Requires="p14">
+      <p:transition spd="slow" p14:dur="2000"/>
+    </mc:Choice>
+    <mc:Fallback>
+      <p:transition xmlns:p14="http://schemas.microsoft.com/office/powerpoint/2010/main" spd="slow"/>
+    </mc:Fallback>
+  </mc:AlternateContent>
 </p:sld>
 </file>
 
@@ -21149,12 +21858,7 @@
             <p:ph idx="1"/>
           </p:nvPr>
         </p:nvSpPr>
-        <p:spPr>
-          <a:xfrm>
-            <a:off x="533400" y="1219199"/>
-            <a:ext cx="8153400" cy="5026326"/>
-          </a:xfrm>
-        </p:spPr>
+        <p:spPr/>
         <p:txBody>
           <a:bodyPr/>
           <a:lstStyle/>
@@ -21351,9 +22055,14 @@
   <p:clrMapOvr>
     <a:masterClrMapping/>
   </p:clrMapOvr>
-  <p:transition>
-    <p:cut/>
-  </p:transition>
+  <mc:AlternateContent xmlns:mc="http://schemas.openxmlformats.org/markup-compatibility/2006">
+    <mc:Choice xmlns:p14="http://schemas.microsoft.com/office/powerpoint/2010/main" Requires="p14">
+      <p:transition spd="slow" p14:dur="2000"/>
+    </mc:Choice>
+    <mc:Fallback>
+      <p:transition xmlns:p14="http://schemas.microsoft.com/office/powerpoint/2010/main" spd="slow"/>
+    </mc:Fallback>
+  </mc:AlternateContent>
 </p:sld>
 </file>
 
@@ -21407,12 +22116,7 @@
             <p:ph idx="1"/>
           </p:nvPr>
         </p:nvSpPr>
-        <p:spPr>
-          <a:xfrm>
-            <a:off x="533400" y="1219199"/>
-            <a:ext cx="8153400" cy="5069457"/>
-          </a:xfrm>
-        </p:spPr>
+        <p:spPr/>
         <p:txBody>
           <a:bodyPr/>
           <a:lstStyle/>
@@ -21557,63 +22261,68 @@
   <p:clrMapOvr>
     <a:masterClrMapping/>
   </p:clrMapOvr>
-  <p:transition>
-    <p:cut/>
-  </p:transition>
+  <mc:AlternateContent xmlns:mc="http://schemas.openxmlformats.org/markup-compatibility/2006">
+    <mc:Choice xmlns:p14="http://schemas.microsoft.com/office/powerpoint/2010/main" Requires="p14">
+      <p:transition spd="slow" p14:dur="2000"/>
+    </mc:Choice>
+    <mc:Fallback>
+      <p:transition xmlns:p14="http://schemas.microsoft.com/office/powerpoint/2010/main" spd="slow"/>
+    </mc:Fallback>
+  </mc:AlternateContent>
 </p:sld>
 </file>
 
 <file path=ppt/theme/theme1.xml><?xml version="1.0" encoding="utf-8"?>
-<a:theme xmlns:a="http://schemas.openxmlformats.org/drawingml/2006/main" name="Leere Präsentation">
+<a:theme xmlns:a="http://schemas.openxmlformats.org/drawingml/2006/main" name="why">
   <a:themeElements>
-    <a:clrScheme name="">
+    <a:clrScheme name="Executive">
       <a:dk1>
-        <a:srgbClr val="000000"/>
+        <a:sysClr val="windowText" lastClr="000000"/>
       </a:dk1>
       <a:lt1>
-        <a:srgbClr val="FFFFFF"/>
+        <a:sysClr val="window" lastClr="FFFFFF"/>
       </a:lt1>
       <a:dk2>
-        <a:srgbClr val="007E82"/>
+        <a:srgbClr val="2F5897"/>
       </a:dk2>
       <a:lt2>
-        <a:srgbClr val="7D7D7D"/>
+        <a:srgbClr val="E4E9EF"/>
       </a:lt2>
       <a:accent1>
-        <a:srgbClr val="72AD46"/>
+        <a:srgbClr val="6076B4"/>
       </a:accent1>
       <a:accent2>
-        <a:srgbClr val="DF001A"/>
+        <a:srgbClr val="9C5252"/>
       </a:accent2>
       <a:accent3>
-        <a:srgbClr val="FFFFFF"/>
+        <a:srgbClr val="E68422"/>
       </a:accent3>
       <a:accent4>
-        <a:srgbClr val="000000"/>
+        <a:srgbClr val="846648"/>
       </a:accent4>
       <a:accent5>
-        <a:srgbClr val="BCD3B0"/>
+        <a:srgbClr val="63891F"/>
       </a:accent5>
       <a:accent6>
-        <a:srgbClr val="CA0016"/>
+        <a:srgbClr val="758085"/>
       </a:accent6>
       <a:hlink>
-        <a:srgbClr val="007E82"/>
+        <a:srgbClr val="3399FF"/>
       </a:hlink>
       <a:folHlink>
-        <a:srgbClr val="72AD46"/>
+        <a:srgbClr val="B2B2B2"/>
       </a:folHlink>
     </a:clrScheme>
     <a:fontScheme name="Leere Präsentation">
       <a:majorFont>
         <a:latin typeface="Arial"/>
-        <a:ea typeface=""/>
-        <a:cs typeface=""/>
+        <a:ea typeface="Geneva"/>
+        <a:cs typeface="Geneva"/>
       </a:majorFont>
       <a:minorFont>
         <a:latin typeface="Arial"/>
-        <a:ea typeface=""/>
-        <a:cs typeface=""/>
+        <a:ea typeface="Geneva"/>
+        <a:cs typeface="Geneva"/>
       </a:minorFont>
     </a:fontScheme>
     <a:fmtScheme name="Office">
@@ -21648,20 +22357,16 @@
           <a:gsLst>
             <a:gs pos="0">
               <a:schemeClr val="phClr">
-                <a:shade val="51000"/>
-                <a:satMod val="130000"/>
-              </a:schemeClr>
-            </a:gs>
-            <a:gs pos="80000">
-              <a:schemeClr val="phClr">
-                <a:shade val="93000"/>
+                <a:tint val="100000"/>
+                <a:shade val="100000"/>
                 <a:satMod val="130000"/>
               </a:schemeClr>
             </a:gs>
             <a:gs pos="100000">
               <a:schemeClr val="phClr">
-                <a:shade val="94000"/>
-                <a:satMod val="135000"/>
+                <a:tint val="50000"/>
+                <a:shade val="100000"/>
+                <a:satMod val="350000"/>
               </a:schemeClr>
             </a:gs>
           </a:gsLst>
@@ -21818,7 +22523,7 @@
         </a:prstTxWarp>
       </a:bodyPr>
       <a:lstStyle>
-        <a:defPPr marL="0" marR="0" indent="0" algn="l" defTabSz="1981200" rtl="0" eaLnBrk="0" fontAlgn="base" latinLnBrk="0" hangingPunct="0">
+        <a:defPPr marL="0" marR="0" indent="0" algn="l" defTabSz="914400" rtl="0" eaLnBrk="0" fontAlgn="base" latinLnBrk="0" hangingPunct="0">
           <a:lnSpc>
             <a:spcPct val="100000"/>
           </a:lnSpc>
@@ -21833,7 +22538,7 @@
           <a:buFontTx/>
           <a:buNone/>
           <a:tabLst/>
-          <a:defRPr kumimoji="0" lang="de-DE" sz="5200" b="0" i="0" u="none" strike="noStrike" cap="none" normalizeH="0" baseline="0" smtClean="0">
+          <a:defRPr kumimoji="0" lang="de-DE" sz="2400" b="0" i="0" u="none" strike="noStrike" cap="none" normalizeH="0" baseline="0">
             <a:ln>
               <a:noFill/>
             </a:ln>
@@ -21841,7 +22546,9 @@
               <a:schemeClr val="tx1"/>
             </a:solidFill>
             <a:effectLst/>
-            <a:latin typeface="Arial" charset="0"/>
+            <a:latin typeface="Arial" pitchFamily="-112" charset="0"/>
+            <a:ea typeface="Geneva" pitchFamily="-112" charset="0"/>
+            <a:cs typeface="Geneva" pitchFamily="-112" charset="0"/>
           </a:defRPr>
         </a:defPPr>
       </a:lstStyle>
@@ -21880,7 +22587,7 @@
         </a:prstTxWarp>
       </a:bodyPr>
       <a:lstStyle>
-        <a:defPPr marL="0" marR="0" indent="0" algn="l" defTabSz="1981200" rtl="0" eaLnBrk="0" fontAlgn="base" latinLnBrk="0" hangingPunct="0">
+        <a:defPPr marL="0" marR="0" indent="0" algn="l" defTabSz="914400" rtl="0" eaLnBrk="0" fontAlgn="base" latinLnBrk="0" hangingPunct="0">
           <a:lnSpc>
             <a:spcPct val="100000"/>
           </a:lnSpc>
@@ -21895,7 +22602,7 @@
           <a:buFontTx/>
           <a:buNone/>
           <a:tabLst/>
-          <a:defRPr kumimoji="0" lang="de-DE" sz="5200" b="0" i="0" u="none" strike="noStrike" cap="none" normalizeH="0" baseline="0" smtClean="0">
+          <a:defRPr kumimoji="0" lang="de-DE" sz="2400" b="0" i="0" u="none" strike="noStrike" cap="none" normalizeH="0" baseline="0">
             <a:ln>
               <a:noFill/>
             </a:ln>
@@ -21903,7 +22610,9 @@
               <a:schemeClr val="tx1"/>
             </a:solidFill>
             <a:effectLst/>
-            <a:latin typeface="Arial" charset="0"/>
+            <a:latin typeface="Arial" pitchFamily="-112" charset="0"/>
+            <a:ea typeface="Geneva" pitchFamily="-112" charset="0"/>
+            <a:cs typeface="Geneva" pitchFamily="-112" charset="0"/>
           </a:defRPr>
         </a:defPPr>
       </a:lstStyle>
@@ -21992,405 +22701,13 @@
       </a:clrScheme>
       <a:clrMap bg1="lt1" tx1="dk1" bg2="lt2" tx2="dk2" accent1="accent1" accent2="accent2" accent3="accent3" accent4="accent4" accent5="accent5" accent6="accent6" hlink="hlink" folHlink="folHlink"/>
     </a:extraClrScheme>
-  </a:extraClrSchemeLst>
-</a:theme>
-</file>
-
-<file path=ppt/theme/theme2.xml><?xml version="1.0" encoding="utf-8"?>
-<a:theme xmlns:a="http://schemas.openxmlformats.org/drawingml/2006/main" name="1_Leere Präsentation">
-  <a:themeElements>
-    <a:clrScheme name="">
-      <a:dk1>
-        <a:srgbClr val="000000"/>
-      </a:dk1>
-      <a:lt1>
-        <a:srgbClr val="FFFFFF"/>
-      </a:lt1>
-      <a:dk2>
-        <a:srgbClr val="007E82"/>
-      </a:dk2>
-      <a:lt2>
-        <a:srgbClr val="7D7D7D"/>
-      </a:lt2>
-      <a:accent1>
-        <a:srgbClr val="72AD46"/>
-      </a:accent1>
-      <a:accent2>
-        <a:srgbClr val="DF001A"/>
-      </a:accent2>
-      <a:accent3>
-        <a:srgbClr val="FFFFFF"/>
-      </a:accent3>
-      <a:accent4>
-        <a:srgbClr val="000000"/>
-      </a:accent4>
-      <a:accent5>
-        <a:srgbClr val="BCD3B0"/>
-      </a:accent5>
-      <a:accent6>
-        <a:srgbClr val="CA0016"/>
-      </a:accent6>
-      <a:hlink>
-        <a:srgbClr val="007E82"/>
-      </a:hlink>
-      <a:folHlink>
-        <a:srgbClr val="72AD46"/>
-      </a:folHlink>
-    </a:clrScheme>
-    <a:fontScheme name="Leere Präsentation">
-      <a:majorFont>
-        <a:latin typeface="Arial"/>
-        <a:ea typeface=""/>
-        <a:cs typeface=""/>
-      </a:majorFont>
-      <a:minorFont>
-        <a:latin typeface="Arial"/>
-        <a:ea typeface=""/>
-        <a:cs typeface=""/>
-      </a:minorFont>
-    </a:fontScheme>
-    <a:fmtScheme name="Office">
-      <a:fillStyleLst>
-        <a:solidFill>
-          <a:schemeClr val="phClr"/>
-        </a:solidFill>
-        <a:gradFill rotWithShape="1">
-          <a:gsLst>
-            <a:gs pos="0">
-              <a:schemeClr val="phClr">
-                <a:tint val="50000"/>
-                <a:satMod val="300000"/>
-              </a:schemeClr>
-            </a:gs>
-            <a:gs pos="35000">
-              <a:schemeClr val="phClr">
-                <a:tint val="37000"/>
-                <a:satMod val="300000"/>
-              </a:schemeClr>
-            </a:gs>
-            <a:gs pos="100000">
-              <a:schemeClr val="phClr">
-                <a:tint val="15000"/>
-                <a:satMod val="350000"/>
-              </a:schemeClr>
-            </a:gs>
-          </a:gsLst>
-          <a:lin ang="16200000" scaled="1"/>
-        </a:gradFill>
-        <a:gradFill rotWithShape="1">
-          <a:gsLst>
-            <a:gs pos="0">
-              <a:schemeClr val="phClr">
-                <a:shade val="51000"/>
-                <a:satMod val="130000"/>
-              </a:schemeClr>
-            </a:gs>
-            <a:gs pos="80000">
-              <a:schemeClr val="phClr">
-                <a:shade val="93000"/>
-                <a:satMod val="130000"/>
-              </a:schemeClr>
-            </a:gs>
-            <a:gs pos="100000">
-              <a:schemeClr val="phClr">
-                <a:shade val="94000"/>
-                <a:satMod val="135000"/>
-              </a:schemeClr>
-            </a:gs>
-          </a:gsLst>
-          <a:lin ang="16200000" scaled="0"/>
-        </a:gradFill>
-      </a:fillStyleLst>
-      <a:lnStyleLst>
-        <a:ln w="9525" cap="flat" cmpd="sng" algn="ctr">
-          <a:solidFill>
-            <a:schemeClr val="phClr">
-              <a:shade val="95000"/>
-              <a:satMod val="105000"/>
-            </a:schemeClr>
-          </a:solidFill>
-          <a:prstDash val="solid"/>
-        </a:ln>
-        <a:ln w="25400" cap="flat" cmpd="sng" algn="ctr">
-          <a:solidFill>
-            <a:schemeClr val="phClr"/>
-          </a:solidFill>
-          <a:prstDash val="solid"/>
-        </a:ln>
-        <a:ln w="38100" cap="flat" cmpd="sng" algn="ctr">
-          <a:solidFill>
-            <a:schemeClr val="phClr"/>
-          </a:solidFill>
-          <a:prstDash val="solid"/>
-        </a:ln>
-      </a:lnStyleLst>
-      <a:effectStyleLst>
-        <a:effectStyle>
-          <a:effectLst>
-            <a:outerShdw blurRad="40000" dist="20000" dir="5400000" rotWithShape="0">
-              <a:srgbClr val="000000">
-                <a:alpha val="38000"/>
-              </a:srgbClr>
-            </a:outerShdw>
-          </a:effectLst>
-        </a:effectStyle>
-        <a:effectStyle>
-          <a:effectLst>
-            <a:outerShdw blurRad="40000" dist="23000" dir="5400000" rotWithShape="0">
-              <a:srgbClr val="000000">
-                <a:alpha val="35000"/>
-              </a:srgbClr>
-            </a:outerShdw>
-          </a:effectLst>
-        </a:effectStyle>
-        <a:effectStyle>
-          <a:effectLst>
-            <a:outerShdw blurRad="40000" dist="23000" dir="5400000" rotWithShape="0">
-              <a:srgbClr val="000000">
-                <a:alpha val="35000"/>
-              </a:srgbClr>
-            </a:outerShdw>
-          </a:effectLst>
-          <a:scene3d>
-            <a:camera prst="orthographicFront">
-              <a:rot lat="0" lon="0" rev="0"/>
-            </a:camera>
-            <a:lightRig rig="threePt" dir="t">
-              <a:rot lat="0" lon="0" rev="1200000"/>
-            </a:lightRig>
-          </a:scene3d>
-          <a:sp3d>
-            <a:bevelT w="63500" h="25400"/>
-          </a:sp3d>
-        </a:effectStyle>
-      </a:effectStyleLst>
-      <a:bgFillStyleLst>
-        <a:solidFill>
-          <a:schemeClr val="phClr"/>
-        </a:solidFill>
-        <a:gradFill rotWithShape="1">
-          <a:gsLst>
-            <a:gs pos="0">
-              <a:schemeClr val="phClr">
-                <a:tint val="40000"/>
-                <a:satMod val="350000"/>
-              </a:schemeClr>
-            </a:gs>
-            <a:gs pos="40000">
-              <a:schemeClr val="phClr">
-                <a:tint val="45000"/>
-                <a:shade val="99000"/>
-                <a:satMod val="350000"/>
-              </a:schemeClr>
-            </a:gs>
-            <a:gs pos="100000">
-              <a:schemeClr val="phClr">
-                <a:shade val="20000"/>
-                <a:satMod val="255000"/>
-              </a:schemeClr>
-            </a:gs>
-          </a:gsLst>
-          <a:path path="circle">
-            <a:fillToRect l="50000" t="-80000" r="50000" b="180000"/>
-          </a:path>
-        </a:gradFill>
-        <a:gradFill rotWithShape="1">
-          <a:gsLst>
-            <a:gs pos="0">
-              <a:schemeClr val="phClr">
-                <a:tint val="80000"/>
-                <a:satMod val="300000"/>
-              </a:schemeClr>
-            </a:gs>
-            <a:gs pos="100000">
-              <a:schemeClr val="phClr">
-                <a:shade val="30000"/>
-                <a:satMod val="200000"/>
-              </a:schemeClr>
-            </a:gs>
-          </a:gsLst>
-          <a:path path="circle">
-            <a:fillToRect l="50000" t="50000" r="50000" b="50000"/>
-          </a:path>
-        </a:gradFill>
-      </a:bgFillStyleLst>
-    </a:fmtScheme>
-  </a:themeElements>
-  <a:objectDefaults>
-    <a:spDef>
-      <a:spPr bwMode="auto">
-        <a:xfrm>
-          <a:off x="0" y="0"/>
-          <a:ext cx="1" cy="1"/>
-        </a:xfrm>
-        <a:custGeom>
-          <a:avLst/>
-          <a:gdLst/>
-          <a:ahLst/>
-          <a:cxnLst/>
-          <a:rect l="0" t="0" r="0" b="0"/>
-          <a:pathLst/>
-        </a:custGeom>
-        <a:solidFill>
-          <a:schemeClr val="accent1"/>
-        </a:solidFill>
-        <a:ln w="9525" cap="flat" cmpd="sng" algn="ctr">
-          <a:solidFill>
-            <a:schemeClr val="tx1"/>
-          </a:solidFill>
-          <a:prstDash val="solid"/>
-          <a:round/>
-          <a:headEnd type="none" w="med" len="med"/>
-          <a:tailEnd type="none" w="med" len="med"/>
-        </a:ln>
-        <a:effectLst/>
-      </a:spPr>
-      <a:bodyPr vert="horz" wrap="square" lIns="91440" tIns="45720" rIns="91440" bIns="45720" numCol="1" anchor="t" anchorCtr="0" compatLnSpc="1">
-        <a:prstTxWarp prst="textNoShape">
-          <a:avLst/>
-        </a:prstTxWarp>
-      </a:bodyPr>
-      <a:lstStyle>
-        <a:defPPr marL="0" marR="0" indent="0" algn="l" defTabSz="1981200" rtl="0" eaLnBrk="0" fontAlgn="base" latinLnBrk="0" hangingPunct="0">
-          <a:lnSpc>
-            <a:spcPct val="100000"/>
-          </a:lnSpc>
-          <a:spcBef>
-            <a:spcPct val="0"/>
-          </a:spcBef>
-          <a:spcAft>
-            <a:spcPct val="0"/>
-          </a:spcAft>
-          <a:buClrTx/>
-          <a:buSzTx/>
-          <a:buFontTx/>
-          <a:buNone/>
-          <a:tabLst/>
-          <a:defRPr kumimoji="0" lang="de-DE" sz="5200" b="0" i="0" u="none" strike="noStrike" cap="none" normalizeH="0" baseline="0" smtClean="0">
-            <a:ln>
-              <a:noFill/>
-            </a:ln>
-            <a:solidFill>
-              <a:schemeClr val="tx1"/>
-            </a:solidFill>
-            <a:effectLst/>
-            <a:latin typeface="Arial" charset="0"/>
-          </a:defRPr>
-        </a:defPPr>
-      </a:lstStyle>
-    </a:spDef>
-    <a:lnDef>
-      <a:spPr bwMode="auto">
-        <a:xfrm>
-          <a:off x="0" y="0"/>
-          <a:ext cx="1" cy="1"/>
-        </a:xfrm>
-        <a:custGeom>
-          <a:avLst/>
-          <a:gdLst/>
-          <a:ahLst/>
-          <a:cxnLst/>
-          <a:rect l="0" t="0" r="0" b="0"/>
-          <a:pathLst/>
-        </a:custGeom>
-        <a:solidFill>
-          <a:schemeClr val="accent1"/>
-        </a:solidFill>
-        <a:ln w="9525" cap="flat" cmpd="sng" algn="ctr">
-          <a:solidFill>
-            <a:schemeClr val="tx1"/>
-          </a:solidFill>
-          <a:prstDash val="solid"/>
-          <a:round/>
-          <a:headEnd type="none" w="med" len="med"/>
-          <a:tailEnd type="none" w="med" len="med"/>
-        </a:ln>
-        <a:effectLst/>
-      </a:spPr>
-      <a:bodyPr vert="horz" wrap="square" lIns="91440" tIns="45720" rIns="91440" bIns="45720" numCol="1" anchor="t" anchorCtr="0" compatLnSpc="1">
-        <a:prstTxWarp prst="textNoShape">
-          <a:avLst/>
-        </a:prstTxWarp>
-      </a:bodyPr>
-      <a:lstStyle>
-        <a:defPPr marL="0" marR="0" indent="0" algn="l" defTabSz="1981200" rtl="0" eaLnBrk="0" fontAlgn="base" latinLnBrk="0" hangingPunct="0">
-          <a:lnSpc>
-            <a:spcPct val="100000"/>
-          </a:lnSpc>
-          <a:spcBef>
-            <a:spcPct val="0"/>
-          </a:spcBef>
-          <a:spcAft>
-            <a:spcPct val="0"/>
-          </a:spcAft>
-          <a:buClrTx/>
-          <a:buSzTx/>
-          <a:buFontTx/>
-          <a:buNone/>
-          <a:tabLst/>
-          <a:defRPr kumimoji="0" lang="de-DE" sz="5200" b="0" i="0" u="none" strike="noStrike" cap="none" normalizeH="0" baseline="0" smtClean="0">
-            <a:ln>
-              <a:noFill/>
-            </a:ln>
-            <a:solidFill>
-              <a:schemeClr val="tx1"/>
-            </a:solidFill>
-            <a:effectLst/>
-            <a:latin typeface="Arial" charset="0"/>
-          </a:defRPr>
-        </a:defPPr>
-      </a:lstStyle>
-    </a:lnDef>
-  </a:objectDefaults>
-  <a:extraClrSchemeLst>
     <a:extraClrScheme>
-      <a:clrScheme name="Leere Präsentation 1">
-        <a:dk1>
-          <a:srgbClr val="2D2015"/>
-        </a:dk1>
-        <a:lt1>
-          <a:srgbClr val="FFFFFF"/>
-        </a:lt1>
-        <a:dk2>
-          <a:srgbClr val="523E26"/>
-        </a:dk2>
-        <a:lt2>
-          <a:srgbClr val="DFC08D"/>
-        </a:lt2>
-        <a:accent1>
-          <a:srgbClr val="8C7B70"/>
-        </a:accent1>
-        <a:accent2>
-          <a:srgbClr val="8F5F2F"/>
-        </a:accent2>
-        <a:accent3>
-          <a:srgbClr val="B3AFAC"/>
-        </a:accent3>
-        <a:accent4>
-          <a:srgbClr val="DADADA"/>
-        </a:accent4>
-        <a:accent5>
-          <a:srgbClr val="C5BFBB"/>
-        </a:accent5>
-        <a:accent6>
-          <a:srgbClr val="81552A"/>
-        </a:accent6>
-        <a:hlink>
-          <a:srgbClr val="CCB400"/>
-        </a:hlink>
-        <a:folHlink>
-          <a:srgbClr val="8C9EA0"/>
-        </a:folHlink>
-      </a:clrScheme>
-      <a:clrMap bg1="dk2" tx1="lt1" bg2="dk1" tx2="lt2" accent1="accent1" accent2="accent2" accent3="accent3" accent4="accent4" accent5="accent5" accent6="accent6" hlink="hlink" folHlink="folHlink"/>
-    </a:extraClrScheme>
-    <a:extraClrScheme>
-      <a:clrScheme name="Leere Präsentation 2">
+      <a:clrScheme name="Leere Präsentation 3">
         <a:dk1>
           <a:srgbClr val="000000"/>
         </a:dk1>
         <a:lt1>
-          <a:srgbClr val="DCDCDC"/>
+          <a:srgbClr val="FFFFFF"/>
         </a:lt1>
         <a:dk2>
           <a:srgbClr val="007E82"/>
@@ -22405,7 +22722,7 @@
           <a:srgbClr val="DF001A"/>
         </a:accent2>
         <a:accent3>
-          <a:srgbClr val="EBEBEB"/>
+          <a:srgbClr val="FFFFFF"/>
         </a:accent3>
         <a:accent4>
           <a:srgbClr val="000000"/>
@@ -22425,6 +22742,47 @@
       </a:clrScheme>
       <a:clrMap bg1="lt1" tx1="dk1" bg2="lt2" tx2="dk2" accent1="accent1" accent2="accent2" accent3="accent3" accent4="accent4" accent5="accent5" accent6="accent6" hlink="hlink" folHlink="folHlink"/>
     </a:extraClrScheme>
+    <a:extraClrScheme>
+      <a:clrScheme name="Leere Präsentation 4">
+        <a:dk1>
+          <a:srgbClr val="000000"/>
+        </a:dk1>
+        <a:lt1>
+          <a:srgbClr val="FFFFFF"/>
+        </a:lt1>
+        <a:dk2>
+          <a:srgbClr val="007E82"/>
+        </a:dk2>
+        <a:lt2>
+          <a:srgbClr val="7D7D7D"/>
+        </a:lt2>
+        <a:accent1>
+          <a:srgbClr val="72AD46"/>
+        </a:accent1>
+        <a:accent2>
+          <a:srgbClr val="DF001A"/>
+        </a:accent2>
+        <a:accent3>
+          <a:srgbClr val="FFFFFF"/>
+        </a:accent3>
+        <a:accent4>
+          <a:srgbClr val="000000"/>
+        </a:accent4>
+        <a:accent5>
+          <a:srgbClr val="BCD3B0"/>
+        </a:accent5>
+        <a:accent6>
+          <a:srgbClr val="CA0016"/>
+        </a:accent6>
+        <a:hlink>
+          <a:srgbClr val="D2E806"/>
+        </a:hlink>
+        <a:folHlink>
+          <a:srgbClr val="72AD46"/>
+        </a:folHlink>
+      </a:clrScheme>
+      <a:clrMap bg1="lt1" tx1="dk1" bg2="lt2" tx2="dk2" accent1="accent1" accent2="accent2" accent3="accent3" accent4="accent4" accent5="accent5" accent6="accent6" hlink="hlink" folHlink="folHlink"/>
+    </a:extraClrScheme>
   </a:extraClrSchemeLst>
 </a:theme>
 </file>